--- a/ETL Project - Draft report.pptx
+++ b/ETL Project - Draft report.pptx
@@ -5,18 +5,25 @@
     <p:sldMasterId id="2147483700" r:id="rId1"/>
   </p:sldMasterIdLst>
   <p:sldIdLst>
-    <p:sldId id="256" r:id="rId2"/>
-    <p:sldId id="258" r:id="rId3"/>
-    <p:sldId id="259" r:id="rId4"/>
-    <p:sldId id="266" r:id="rId5"/>
-    <p:sldId id="265" r:id="rId6"/>
-    <p:sldId id="260" r:id="rId7"/>
+    <p:sldId id="260" r:id="rId2"/>
+    <p:sldId id="261" r:id="rId3"/>
+    <p:sldId id="262" r:id="rId4"/>
+    <p:sldId id="267" r:id="rId5"/>
+    <p:sldId id="263" r:id="rId6"/>
+    <p:sldId id="264" r:id="rId7"/>
     <p:sldId id="268" r:id="rId8"/>
-    <p:sldId id="261" r:id="rId9"/>
-    <p:sldId id="262" r:id="rId10"/>
-    <p:sldId id="267" r:id="rId11"/>
-    <p:sldId id="263" r:id="rId12"/>
-    <p:sldId id="264" r:id="rId13"/>
+    <p:sldId id="277" r:id="rId9"/>
+    <p:sldId id="269" r:id="rId10"/>
+    <p:sldId id="278" r:id="rId11"/>
+    <p:sldId id="270" r:id="rId12"/>
+    <p:sldId id="271" r:id="rId13"/>
+    <p:sldId id="272" r:id="rId14"/>
+    <p:sldId id="273" r:id="rId15"/>
+    <p:sldId id="279" r:id="rId16"/>
+    <p:sldId id="274" r:id="rId17"/>
+    <p:sldId id="280" r:id="rId18"/>
+    <p:sldId id="275" r:id="rId19"/>
+    <p:sldId id="276" r:id="rId20"/>
   </p:sldIdLst>
   <p:sldSz cx="12192000" cy="6858000"/>
   <p:notesSz cx="6858000" cy="9144000"/>
@@ -5097,2094 +5104,6 @@
       </p:grpSpPr>
       <p:sp useBgFill="1">
         <p:nvSpPr>
-          <p:cNvPr id="20" name="Rectangle 19">
-            <a:extLst>
-              <a:ext uri="{FF2B5EF4-FFF2-40B4-BE49-F238E27FC236}">
-                <a16:creationId xmlns:a16="http://schemas.microsoft.com/office/drawing/2014/main" id="{0671A8AE-40A1-4631-A6B8-581AFF065482}"/>
-              </a:ext>
-              <a:ext uri="{C183D7F6-B498-43B3-948B-1728B52AA6E4}">
-                <adec:decorative xmlns:adec="http://schemas.microsoft.com/office/drawing/2017/decorative" val="1"/>
-              </a:ext>
-            </a:extLst>
-          </p:cNvPr>
-          <p:cNvSpPr>
-            <a:spLocks noGrp="1" noRot="1" noChangeAspect="1" noMove="1" noResize="1" noEditPoints="1" noAdjustHandles="1" noChangeArrowheads="1" noChangeShapeType="1" noTextEdit="1"/>
-          </p:cNvSpPr>
-          <p:nvPr>
-            <p:extLst>
-              <p:ext uri="{386F3935-93C4-4BCD-93E2-E3B085C9AB24}">
-                <p16:designElem xmlns:p16="http://schemas.microsoft.com/office/powerpoint/2015/main" val="1"/>
-              </p:ext>
-            </p:extLst>
-          </p:nvPr>
-        </p:nvSpPr>
-        <p:spPr>
-          <a:xfrm>
-            <a:off x="0" y="0"/>
-            <a:ext cx="12192000" cy="6858000"/>
-          </a:xfrm>
-          <a:prstGeom prst="rect">
-            <a:avLst/>
-          </a:prstGeom>
-          <a:ln>
-            <a:noFill/>
-          </a:ln>
-        </p:spPr>
-        <p:style>
-          <a:lnRef idx="2">
-            <a:schemeClr val="accent1">
-              <a:shade val="50000"/>
-            </a:schemeClr>
-          </a:lnRef>
-          <a:fillRef idx="1">
-            <a:schemeClr val="accent1"/>
-          </a:fillRef>
-          <a:effectRef idx="0">
-            <a:schemeClr val="accent1"/>
-          </a:effectRef>
-          <a:fontRef idx="minor">
-            <a:schemeClr val="lt1"/>
-          </a:fontRef>
-        </p:style>
-        <p:txBody>
-          <a:bodyPr rtlCol="0" anchor="ctr"/>
-          <a:lstStyle/>
-          <a:p>
-            <a:pPr algn="ctr"/>
-            <a:endParaRPr lang="en-US"/>
-          </a:p>
-        </p:txBody>
-      </p:sp>
-      <p:sp>
-        <p:nvSpPr>
-          <p:cNvPr id="22" name="Rectangle 21">
-            <a:extLst>
-              <a:ext uri="{FF2B5EF4-FFF2-40B4-BE49-F238E27FC236}">
-                <a16:creationId xmlns:a16="http://schemas.microsoft.com/office/drawing/2014/main" id="{A44CD100-6267-4E62-AA64-2182A3A6A1C0}"/>
-              </a:ext>
-              <a:ext uri="{C183D7F6-B498-43B3-948B-1728B52AA6E4}">
-                <adec:decorative xmlns:adec="http://schemas.microsoft.com/office/drawing/2017/decorative" val="1"/>
-              </a:ext>
-            </a:extLst>
-          </p:cNvPr>
-          <p:cNvSpPr>
-            <a:spLocks noGrp="1" noRot="1" noChangeAspect="1" noMove="1" noResize="1" noEditPoints="1" noAdjustHandles="1" noChangeArrowheads="1" noChangeShapeType="1" noTextEdit="1"/>
-          </p:cNvSpPr>
-          <p:nvPr>
-            <p:extLst>
-              <p:ext uri="{386F3935-93C4-4BCD-93E2-E3B085C9AB24}">
-                <p16:designElem xmlns:p16="http://schemas.microsoft.com/office/powerpoint/2015/main" val="1"/>
-              </p:ext>
-            </p:extLst>
-          </p:nvPr>
-        </p:nvSpPr>
-        <p:spPr>
-          <a:xfrm>
-            <a:off x="3" y="0"/>
-            <a:ext cx="9339207" cy="6858000"/>
-          </a:xfrm>
-          <a:prstGeom prst="rect">
-            <a:avLst/>
-          </a:prstGeom>
-          <a:gradFill>
-            <a:gsLst>
-              <a:gs pos="58000">
-                <a:schemeClr val="bg1"/>
-              </a:gs>
-              <a:gs pos="33000">
-                <a:schemeClr val="bg1">
-                  <a:alpha val="64000"/>
-                </a:schemeClr>
-              </a:gs>
-              <a:gs pos="0">
-                <a:schemeClr val="bg1">
-                  <a:alpha val="0"/>
-                </a:schemeClr>
-              </a:gs>
-              <a:gs pos="100000">
-                <a:schemeClr val="bg1"/>
-              </a:gs>
-            </a:gsLst>
-            <a:lin ang="10800000" scaled="0"/>
-          </a:gradFill>
-          <a:ln>
-            <a:noFill/>
-          </a:ln>
-        </p:spPr>
-        <p:style>
-          <a:lnRef idx="2">
-            <a:schemeClr val="accent1">
-              <a:shade val="50000"/>
-            </a:schemeClr>
-          </a:lnRef>
-          <a:fillRef idx="1">
-            <a:schemeClr val="accent1"/>
-          </a:fillRef>
-          <a:effectRef idx="0">
-            <a:schemeClr val="accent1"/>
-          </a:effectRef>
-          <a:fontRef idx="minor">
-            <a:schemeClr val="lt1"/>
-          </a:fontRef>
-        </p:style>
-        <p:txBody>
-          <a:bodyPr rtlCol="0" anchor="ctr"/>
-          <a:lstStyle/>
-          <a:p>
-            <a:pPr algn="ctr"/>
-            <a:endParaRPr lang="en-US" dirty="0"/>
-          </a:p>
-        </p:txBody>
-      </p:sp>
-      <p:sp>
-        <p:nvSpPr>
-          <p:cNvPr id="3" name="Subtitle 2">
-            <a:extLst>
-              <a:ext uri="{FF2B5EF4-FFF2-40B4-BE49-F238E27FC236}">
-                <a16:creationId xmlns:a16="http://schemas.microsoft.com/office/drawing/2014/main" id="{98E2B97C-649B-48E3-ACE1-7F29BC08BD38}"/>
-              </a:ext>
-            </a:extLst>
-          </p:cNvPr>
-          <p:cNvSpPr>
-            <a:spLocks noGrp="1"/>
-          </p:cNvSpPr>
-          <p:nvPr>
-            <p:ph type="subTitle" idx="1"/>
-          </p:nvPr>
-        </p:nvSpPr>
-        <p:spPr>
-          <a:xfrm>
-            <a:off x="477982" y="4872923"/>
-            <a:ext cx="4023359" cy="1208141"/>
-          </a:xfrm>
-        </p:spPr>
-        <p:txBody>
-          <a:bodyPr>
-            <a:normAutofit/>
-          </a:bodyPr>
-          <a:lstStyle/>
-          <a:p>
-            <a:endParaRPr lang="en-US" sz="2000" dirty="0"/>
-          </a:p>
-        </p:txBody>
-      </p:sp>
-      <p:sp>
-        <p:nvSpPr>
-          <p:cNvPr id="24" name="Rectangle 23">
-            <a:extLst>
-              <a:ext uri="{FF2B5EF4-FFF2-40B4-BE49-F238E27FC236}">
-                <a16:creationId xmlns:a16="http://schemas.microsoft.com/office/drawing/2014/main" id="{AF2F604E-43BE-4DC3-B983-E071523364F8}"/>
-              </a:ext>
-              <a:ext uri="{C183D7F6-B498-43B3-948B-1728B52AA6E4}">
-                <adec:decorative xmlns:adec="http://schemas.microsoft.com/office/drawing/2017/decorative" val="1"/>
-              </a:ext>
-            </a:extLst>
-          </p:cNvPr>
-          <p:cNvSpPr>
-            <a:spLocks noGrp="1" noRot="1" noChangeAspect="1" noMove="1" noResize="1" noEditPoints="1" noAdjustHandles="1" noChangeArrowheads="1" noChangeShapeType="1" noTextEdit="1"/>
-          </p:cNvSpPr>
-          <p:nvPr>
-            <p:extLst>
-              <p:ext uri="{386F3935-93C4-4BCD-93E2-E3B085C9AB24}">
-                <p16:designElem xmlns:p16="http://schemas.microsoft.com/office/powerpoint/2015/main" val="1"/>
-              </p:ext>
-            </p:extLst>
-          </p:nvPr>
-        </p:nvSpPr>
-        <p:spPr>
-          <a:xfrm rot="5400000">
-            <a:off x="759921" y="346791"/>
-            <a:ext cx="146304" cy="704088"/>
-          </a:xfrm>
-          <a:prstGeom prst="rect">
-            <a:avLst/>
-          </a:prstGeom>
-          <a:solidFill>
-            <a:schemeClr val="accent1"/>
-          </a:solidFill>
-          <a:ln>
-            <a:noFill/>
-          </a:ln>
-        </p:spPr>
-        <p:style>
-          <a:lnRef idx="2">
-            <a:schemeClr val="accent1">
-              <a:shade val="50000"/>
-            </a:schemeClr>
-          </a:lnRef>
-          <a:fillRef idx="1">
-            <a:schemeClr val="accent1"/>
-          </a:fillRef>
-          <a:effectRef idx="0">
-            <a:schemeClr val="accent1"/>
-          </a:effectRef>
-          <a:fontRef idx="minor">
-            <a:schemeClr val="lt1"/>
-          </a:fontRef>
-        </p:style>
-        <p:txBody>
-          <a:bodyPr rtlCol="0" anchor="ctr"/>
-          <a:lstStyle/>
-          <a:p>
-            <a:pPr algn="ctr" defTabSz="914377">
-              <a:defRPr/>
-            </a:pPr>
-            <a:endParaRPr lang="en-US">
-              <a:solidFill>
-                <a:prstClr val="white"/>
-              </a:solidFill>
-              <a:latin typeface="Calibri" panose="020F0502020204030204"/>
-            </a:endParaRPr>
-          </a:p>
-        </p:txBody>
-      </p:sp>
-      <p:sp>
-        <p:nvSpPr>
-          <p:cNvPr id="5" name="Rectangle 4">
-            <a:extLst>
-              <a:ext uri="{FF2B5EF4-FFF2-40B4-BE49-F238E27FC236}">
-                <a16:creationId xmlns:a16="http://schemas.microsoft.com/office/drawing/2014/main" id="{9FABF18B-60E8-4C21-940B-53181641C402}"/>
-              </a:ext>
-            </a:extLst>
-          </p:cNvPr>
-          <p:cNvSpPr/>
-          <p:nvPr/>
-        </p:nvSpPr>
-        <p:spPr>
-          <a:xfrm>
-            <a:off x="393289" y="422787"/>
-            <a:ext cx="1602659" cy="699576"/>
-          </a:xfrm>
-          <a:prstGeom prst="rect">
-            <a:avLst/>
-          </a:prstGeom>
-        </p:spPr>
-        <p:style>
-          <a:lnRef idx="2">
-            <a:schemeClr val="dk1">
-              <a:shade val="50000"/>
-            </a:schemeClr>
-          </a:lnRef>
-          <a:fillRef idx="1">
-            <a:schemeClr val="dk1"/>
-          </a:fillRef>
-          <a:effectRef idx="0">
-            <a:schemeClr val="dk1"/>
-          </a:effectRef>
-          <a:fontRef idx="minor">
-            <a:schemeClr val="lt1"/>
-          </a:fontRef>
-        </p:style>
-        <p:txBody>
-          <a:bodyPr rtlCol="0" anchor="ctr"/>
-          <a:lstStyle/>
-          <a:p>
-            <a:pPr algn="ctr"/>
-            <a:endParaRPr lang="en-US"/>
-          </a:p>
-        </p:txBody>
-      </p:sp>
-      <p:sp>
-        <p:nvSpPr>
-          <p:cNvPr id="26" name="Rectangle 25">
-            <a:extLst>
-              <a:ext uri="{FF2B5EF4-FFF2-40B4-BE49-F238E27FC236}">
-                <a16:creationId xmlns:a16="http://schemas.microsoft.com/office/drawing/2014/main" id="{08C9B587-E65E-4B52-B37C-ABEBB6E87928}"/>
-              </a:ext>
-              <a:ext uri="{C183D7F6-B498-43B3-948B-1728B52AA6E4}">
-                <adec:decorative xmlns:adec="http://schemas.microsoft.com/office/drawing/2017/decorative" val="1"/>
-              </a:ext>
-            </a:extLst>
-          </p:cNvPr>
-          <p:cNvSpPr>
-            <a:spLocks noGrp="1" noRot="1" noChangeAspect="1" noMove="1" noResize="1" noEditPoints="1" noAdjustHandles="1" noChangeArrowheads="1" noChangeShapeType="1" noTextEdit="1"/>
-          </p:cNvSpPr>
-          <p:nvPr>
-            <p:extLst>
-              <p:ext uri="{386F3935-93C4-4BCD-93E2-E3B085C9AB24}">
-                <p16:designElem xmlns:p16="http://schemas.microsoft.com/office/powerpoint/2015/main" val="1"/>
-              </p:ext>
-            </p:extLst>
-          </p:nvPr>
-        </p:nvSpPr>
-        <p:spPr>
-          <a:xfrm>
-            <a:off x="481029" y="4546920"/>
-            <a:ext cx="3977640" cy="18288"/>
-          </a:xfrm>
-          <a:prstGeom prst="rect">
-            <a:avLst/>
-          </a:prstGeom>
-          <a:solidFill>
-            <a:schemeClr val="tx1"/>
-          </a:solidFill>
-          <a:ln w="3175">
-            <a:noFill/>
-          </a:ln>
-          <a:effectLst/>
-        </p:spPr>
-        <p:style>
-          <a:lnRef idx="2">
-            <a:schemeClr val="accent1">
-              <a:shade val="50000"/>
-            </a:schemeClr>
-          </a:lnRef>
-          <a:fillRef idx="1">
-            <a:schemeClr val="accent1"/>
-          </a:fillRef>
-          <a:effectRef idx="0">
-            <a:schemeClr val="accent1"/>
-          </a:effectRef>
-          <a:fontRef idx="minor">
-            <a:schemeClr val="lt1"/>
-          </a:fontRef>
-        </p:style>
-        <p:txBody>
-          <a:bodyPr rtlCol="0" anchor="ctr"/>
-          <a:lstStyle/>
-          <a:p>
-            <a:pPr algn="ctr" defTabSz="914377">
-              <a:defRPr/>
-            </a:pPr>
-            <a:endParaRPr lang="en-US">
-              <a:solidFill>
-                <a:prstClr val="white"/>
-              </a:solidFill>
-              <a:latin typeface="Calibri" panose="020F0502020204030204"/>
-            </a:endParaRPr>
-          </a:p>
-        </p:txBody>
-      </p:sp>
-      <p:pic>
-        <p:nvPicPr>
-          <p:cNvPr id="7" name="Picture 6">
-            <a:extLst>
-              <a:ext uri="{FF2B5EF4-FFF2-40B4-BE49-F238E27FC236}">
-                <a16:creationId xmlns:a16="http://schemas.microsoft.com/office/drawing/2014/main" id="{F20ECECD-2A2F-4401-9399-E17AC8A98F9C}"/>
-              </a:ext>
-            </a:extLst>
-          </p:cNvPr>
-          <p:cNvPicPr>
-            <a:picLocks noChangeAspect="1"/>
-          </p:cNvPicPr>
-          <p:nvPr/>
-        </p:nvPicPr>
-        <p:blipFill>
-          <a:blip r:embed="rId2"/>
-          <a:stretch>
-            <a:fillRect/>
-          </a:stretch>
-        </p:blipFill>
-        <p:spPr>
-          <a:xfrm>
-            <a:off x="-3" y="9832"/>
-            <a:ext cx="12192000" cy="6858000"/>
-          </a:xfrm>
-          <a:prstGeom prst="rect">
-            <a:avLst/>
-          </a:prstGeom>
-        </p:spPr>
-      </p:pic>
-      <p:sp>
-        <p:nvSpPr>
-          <p:cNvPr id="25" name="TextBox 24">
-            <a:extLst>
-              <a:ext uri="{FF2B5EF4-FFF2-40B4-BE49-F238E27FC236}">
-                <a16:creationId xmlns:a16="http://schemas.microsoft.com/office/drawing/2014/main" id="{290227A0-69E0-4469-B1E3-FCE527233EAA}"/>
-              </a:ext>
-            </a:extLst>
-          </p:cNvPr>
-          <p:cNvSpPr txBox="1"/>
-          <p:nvPr/>
-        </p:nvSpPr>
-        <p:spPr>
-          <a:xfrm>
-            <a:off x="477982" y="1430078"/>
-            <a:ext cx="4733115" cy="1323439"/>
-          </a:xfrm>
-          <a:prstGeom prst="rect">
-            <a:avLst/>
-          </a:prstGeom>
-          <a:noFill/>
-        </p:spPr>
-        <p:txBody>
-          <a:bodyPr wrap="square" rtlCol="0">
-            <a:spAutoFit/>
-          </a:bodyPr>
-          <a:lstStyle/>
-          <a:p>
-            <a:r>
-              <a:rPr lang="en-US" sz="4000" dirty="0"/>
-              <a:t>Tracking the COVID19 Outbreak</a:t>
-            </a:r>
-          </a:p>
-        </p:txBody>
-      </p:sp>
-      <p:cxnSp>
-        <p:nvCxnSpPr>
-          <p:cNvPr id="27" name="Straight Connector 26">
-            <a:extLst>
-              <a:ext uri="{FF2B5EF4-FFF2-40B4-BE49-F238E27FC236}">
-                <a16:creationId xmlns:a16="http://schemas.microsoft.com/office/drawing/2014/main" id="{ED2103DE-EB6F-4C46-A331-4C72E653C1CC}"/>
-              </a:ext>
-            </a:extLst>
-          </p:cNvPr>
-          <p:cNvCxnSpPr/>
-          <p:nvPr/>
-        </p:nvCxnSpPr>
-        <p:spPr>
-          <a:xfrm>
-            <a:off x="477982" y="2894441"/>
-            <a:ext cx="4782276" cy="0"/>
-          </a:xfrm>
-          <a:prstGeom prst="line">
-            <a:avLst/>
-          </a:prstGeom>
-          <a:ln w="28575">
-            <a:solidFill>
-              <a:schemeClr val="tx1"/>
-            </a:solidFill>
-          </a:ln>
-        </p:spPr>
-        <p:style>
-          <a:lnRef idx="1">
-            <a:schemeClr val="accent1"/>
-          </a:lnRef>
-          <a:fillRef idx="0">
-            <a:schemeClr val="accent1"/>
-          </a:fillRef>
-          <a:effectRef idx="0">
-            <a:schemeClr val="accent1"/>
-          </a:effectRef>
-          <a:fontRef idx="minor">
-            <a:schemeClr val="tx1"/>
-          </a:fontRef>
-        </p:style>
-      </p:cxnSp>
-      <p:sp>
-        <p:nvSpPr>
-          <p:cNvPr id="28" name="TextBox 27">
-            <a:extLst>
-              <a:ext uri="{FF2B5EF4-FFF2-40B4-BE49-F238E27FC236}">
-                <a16:creationId xmlns:a16="http://schemas.microsoft.com/office/drawing/2014/main" id="{CDB1B1EA-B111-4119-9873-5904085B6241}"/>
-              </a:ext>
-            </a:extLst>
-          </p:cNvPr>
-          <p:cNvSpPr txBox="1"/>
-          <p:nvPr/>
-        </p:nvSpPr>
-        <p:spPr>
-          <a:xfrm>
-            <a:off x="527143" y="3094444"/>
-            <a:ext cx="4733115" cy="1015663"/>
-          </a:xfrm>
-          <a:prstGeom prst="rect">
-            <a:avLst/>
-          </a:prstGeom>
-          <a:noFill/>
-        </p:spPr>
-        <p:txBody>
-          <a:bodyPr wrap="square" rtlCol="0">
-            <a:spAutoFit/>
-          </a:bodyPr>
-          <a:lstStyle/>
-          <a:p>
-            <a:r>
-              <a:rPr lang="en-US" sz="2000" dirty="0"/>
-              <a:t>By:  Prajakta </a:t>
-            </a:r>
-            <a:r>
-              <a:rPr lang="en-US" sz="2000" dirty="0" err="1"/>
-              <a:t>Galvankar</a:t>
-            </a:r>
-            <a:endParaRPr lang="en-US" sz="2000" dirty="0"/>
-          </a:p>
-          <a:p>
-            <a:r>
-              <a:rPr lang="en-US" sz="2000" dirty="0"/>
-              <a:t>        </a:t>
-            </a:r>
-            <a:r>
-              <a:rPr lang="en-US" sz="2000" dirty="0" err="1"/>
-              <a:t>Lujane</a:t>
-            </a:r>
-            <a:r>
-              <a:rPr lang="en-US" sz="2000" dirty="0"/>
-              <a:t> </a:t>
-            </a:r>
-            <a:r>
-              <a:rPr lang="en-US" sz="2000" dirty="0" err="1"/>
-              <a:t>Abdelgadir</a:t>
-            </a:r>
-            <a:endParaRPr lang="en-US" sz="2000" dirty="0"/>
-          </a:p>
-          <a:p>
-            <a:r>
-              <a:rPr lang="en-US" sz="2000" dirty="0"/>
-              <a:t>        </a:t>
-            </a:r>
-          </a:p>
-        </p:txBody>
-      </p:sp>
-    </p:spTree>
-    <p:extLst>
-      <p:ext uri="{BB962C8B-B14F-4D97-AF65-F5344CB8AC3E}">
-        <p14:creationId xmlns:p14="http://schemas.microsoft.com/office/powerpoint/2010/main" val="1238066464"/>
-      </p:ext>
-    </p:extLst>
-  </p:cSld>
-  <p:clrMapOvr>
-    <a:overrideClrMapping bg1="dk1" tx1="lt1" bg2="dk2" tx2="lt2" accent1="accent1" accent2="accent2" accent3="accent3" accent4="accent4" accent5="accent5" accent6="accent6" hlink="hlink" folHlink="folHlink"/>
-  </p:clrMapOvr>
-</p:sld>
-</file>
-
-<file path=ppt/slides/slide10.xml><?xml version="1.0" encoding="utf-8"?>
-<p:sld xmlns:a="http://schemas.openxmlformats.org/drawingml/2006/main" xmlns:r="http://schemas.openxmlformats.org/officeDocument/2006/relationships" xmlns:p="http://schemas.openxmlformats.org/presentationml/2006/main">
-  <p:cSld>
-    <p:spTree>
-      <p:nvGrpSpPr>
-        <p:cNvPr id="1" name=""/>
-        <p:cNvGrpSpPr/>
-        <p:nvPr/>
-      </p:nvGrpSpPr>
-      <p:grpSpPr>
-        <a:xfrm>
-          <a:off x="0" y="0"/>
-          <a:ext cx="0" cy="0"/>
-          <a:chOff x="0" y="0"/>
-          <a:chExt cx="0" cy="0"/>
-        </a:xfrm>
-      </p:grpSpPr>
-      <p:sp>
-        <p:nvSpPr>
-          <p:cNvPr id="2" name="Title 1">
-            <a:extLst>
-              <a:ext uri="{FF2B5EF4-FFF2-40B4-BE49-F238E27FC236}">
-                <a16:creationId xmlns:a16="http://schemas.microsoft.com/office/drawing/2014/main" id="{25807E7B-F1C7-49FA-BF0F-C4122D4D8821}"/>
-              </a:ext>
-            </a:extLst>
-          </p:cNvPr>
-          <p:cNvSpPr>
-            <a:spLocks noGrp="1"/>
-          </p:cNvSpPr>
-          <p:nvPr>
-            <p:ph type="title"/>
-          </p:nvPr>
-        </p:nvSpPr>
-        <p:spPr/>
-        <p:txBody>
-          <a:bodyPr/>
-          <a:lstStyle/>
-          <a:p>
-            <a:endParaRPr lang="en-US"/>
-          </a:p>
-        </p:txBody>
-      </p:sp>
-      <p:sp>
-        <p:nvSpPr>
-          <p:cNvPr id="3" name="Content Placeholder 2">
-            <a:extLst>
-              <a:ext uri="{FF2B5EF4-FFF2-40B4-BE49-F238E27FC236}">
-                <a16:creationId xmlns:a16="http://schemas.microsoft.com/office/drawing/2014/main" id="{285487F8-2415-47DA-BFDB-EE9EBAB1731A}"/>
-              </a:ext>
-            </a:extLst>
-          </p:cNvPr>
-          <p:cNvSpPr>
-            <a:spLocks noGrp="1"/>
-          </p:cNvSpPr>
-          <p:nvPr>
-            <p:ph idx="1"/>
-          </p:nvPr>
-        </p:nvSpPr>
-        <p:spPr/>
-        <p:txBody>
-          <a:bodyPr/>
-          <a:lstStyle/>
-          <a:p>
-            <a:endParaRPr lang="en-US"/>
-          </a:p>
-        </p:txBody>
-      </p:sp>
-      <p:pic>
-        <p:nvPicPr>
-          <p:cNvPr id="4" name="Picture 3" descr="A picture containing animal&#10;&#10;Description automatically generated">
-            <a:extLst>
-              <a:ext uri="{FF2B5EF4-FFF2-40B4-BE49-F238E27FC236}">
-                <a16:creationId xmlns:a16="http://schemas.microsoft.com/office/drawing/2014/main" id="{DCB08DF3-DA7C-4949-9ABC-5CCD8C0E19EB}"/>
-              </a:ext>
-            </a:extLst>
-          </p:cNvPr>
-          <p:cNvPicPr>
-            <a:picLocks noChangeAspect="1"/>
-          </p:cNvPicPr>
-          <p:nvPr/>
-        </p:nvPicPr>
-        <p:blipFill>
-          <a:blip r:embed="rId2">
-            <a:extLst>
-              <a:ext uri="{28A0092B-C50C-407E-A947-70E740481C1C}">
-                <a14:useLocalDpi xmlns:a14="http://schemas.microsoft.com/office/drawing/2010/main" val="0"/>
-              </a:ext>
-            </a:extLst>
-          </a:blip>
-          <a:stretch>
-            <a:fillRect/>
-          </a:stretch>
-        </p:blipFill>
-        <p:spPr>
-          <a:xfrm>
-            <a:off x="0" y="3371"/>
-            <a:ext cx="12191999" cy="6807392"/>
-          </a:xfrm>
-          <a:prstGeom prst="rect">
-            <a:avLst/>
-          </a:prstGeom>
-        </p:spPr>
-      </p:pic>
-      <p:sp>
-        <p:nvSpPr>
-          <p:cNvPr id="5" name="Rectangle 4">
-            <a:extLst>
-              <a:ext uri="{FF2B5EF4-FFF2-40B4-BE49-F238E27FC236}">
-                <a16:creationId xmlns:a16="http://schemas.microsoft.com/office/drawing/2014/main" id="{8B9BCD95-D669-401F-9B11-7731E197D926}"/>
-              </a:ext>
-            </a:extLst>
-          </p:cNvPr>
-          <p:cNvSpPr/>
-          <p:nvPr/>
-        </p:nvSpPr>
-        <p:spPr>
-          <a:xfrm>
-            <a:off x="0" y="2300748"/>
-            <a:ext cx="12192000" cy="2349910"/>
-          </a:xfrm>
-          <a:prstGeom prst="rect">
-            <a:avLst/>
-          </a:prstGeom>
-          <a:solidFill>
-            <a:srgbClr val="000000">
-              <a:alpha val="74902"/>
-            </a:srgbClr>
-          </a:solidFill>
-          <a:ln>
-            <a:noFill/>
-          </a:ln>
-        </p:spPr>
-        <p:style>
-          <a:lnRef idx="2">
-            <a:schemeClr val="accent1">
-              <a:shade val="50000"/>
-            </a:schemeClr>
-          </a:lnRef>
-          <a:fillRef idx="1">
-            <a:schemeClr val="accent1"/>
-          </a:fillRef>
-          <a:effectRef idx="0">
-            <a:schemeClr val="accent1"/>
-          </a:effectRef>
-          <a:fontRef idx="minor">
-            <a:schemeClr val="lt1"/>
-          </a:fontRef>
-        </p:style>
-        <p:txBody>
-          <a:bodyPr rtlCol="0" anchor="ctr"/>
-          <a:lstStyle/>
-          <a:p>
-            <a:pPr algn="ctr"/>
-            <a:r>
-              <a:rPr lang="en-US" sz="5400" dirty="0"/>
-              <a:t>Tracking the COVID19 Outbreak</a:t>
-            </a:r>
-          </a:p>
-          <a:p>
-            <a:pPr algn="ctr"/>
-            <a:r>
-              <a:rPr lang="en-US" sz="2400" dirty="0"/>
-              <a:t>By:  Prajakta </a:t>
-            </a:r>
-            <a:r>
-              <a:rPr lang="en-US" sz="2400" dirty="0" err="1"/>
-              <a:t>Galvankar</a:t>
-            </a:r>
-            <a:r>
-              <a:rPr lang="en-US" sz="2400" dirty="0"/>
-              <a:t> &amp; </a:t>
-            </a:r>
-            <a:r>
-              <a:rPr lang="en-US" sz="2400" dirty="0" err="1"/>
-              <a:t>Lujane</a:t>
-            </a:r>
-            <a:r>
-              <a:rPr lang="en-US" sz="2400" dirty="0"/>
-              <a:t> </a:t>
-            </a:r>
-            <a:r>
-              <a:rPr lang="en-US" sz="2400" dirty="0" err="1"/>
-              <a:t>Abdelgadir</a:t>
-            </a:r>
-            <a:endParaRPr lang="en-US" sz="2400" dirty="0"/>
-          </a:p>
-        </p:txBody>
-      </p:sp>
-    </p:spTree>
-    <p:extLst>
-      <p:ext uri="{BB962C8B-B14F-4D97-AF65-F5344CB8AC3E}">
-        <p14:creationId xmlns:p14="http://schemas.microsoft.com/office/powerpoint/2010/main" val="3804009256"/>
-      </p:ext>
-    </p:extLst>
-  </p:cSld>
-  <p:clrMapOvr>
-    <a:masterClrMapping/>
-  </p:clrMapOvr>
-</p:sld>
-</file>
-
-<file path=ppt/slides/slide11.xml><?xml version="1.0" encoding="utf-8"?>
-<p:sld xmlns:a="http://schemas.openxmlformats.org/drawingml/2006/main" xmlns:r="http://schemas.openxmlformats.org/officeDocument/2006/relationships" xmlns:p="http://schemas.openxmlformats.org/presentationml/2006/main">
-  <p:cSld>
-    <p:spTree>
-      <p:nvGrpSpPr>
-        <p:cNvPr id="1" name=""/>
-        <p:cNvGrpSpPr/>
-        <p:nvPr/>
-      </p:nvGrpSpPr>
-      <p:grpSpPr>
-        <a:xfrm>
-          <a:off x="0" y="0"/>
-          <a:ext cx="0" cy="0"/>
-          <a:chOff x="0" y="0"/>
-          <a:chExt cx="0" cy="0"/>
-        </a:xfrm>
-      </p:grpSpPr>
-      <p:sp>
-        <p:nvSpPr>
-          <p:cNvPr id="2" name="Title 1">
-            <a:extLst>
-              <a:ext uri="{FF2B5EF4-FFF2-40B4-BE49-F238E27FC236}">
-                <a16:creationId xmlns:a16="http://schemas.microsoft.com/office/drawing/2014/main" id="{15AE197D-5427-49C4-80C4-51B10F4148BB}"/>
-              </a:ext>
-            </a:extLst>
-          </p:cNvPr>
-          <p:cNvSpPr>
-            <a:spLocks noGrp="1"/>
-          </p:cNvSpPr>
-          <p:nvPr>
-            <p:ph type="title"/>
-          </p:nvPr>
-        </p:nvSpPr>
-        <p:spPr/>
-        <p:txBody>
-          <a:bodyPr/>
-          <a:lstStyle/>
-          <a:p>
-            <a:endParaRPr lang="en-US"/>
-          </a:p>
-        </p:txBody>
-      </p:sp>
-      <p:pic>
-        <p:nvPicPr>
-          <p:cNvPr id="5" name="Content Placeholder 4">
-            <a:extLst>
-              <a:ext uri="{FF2B5EF4-FFF2-40B4-BE49-F238E27FC236}">
-                <a16:creationId xmlns:a16="http://schemas.microsoft.com/office/drawing/2014/main" id="{B59F54A9-6A1F-4711-9C10-B124C1441637}"/>
-              </a:ext>
-            </a:extLst>
-          </p:cNvPr>
-          <p:cNvPicPr>
-            <a:picLocks noGrp="1" noChangeAspect="1"/>
-          </p:cNvPicPr>
-          <p:nvPr>
-            <p:ph idx="1"/>
-          </p:nvPr>
-        </p:nvPicPr>
-        <p:blipFill rotWithShape="1">
-          <a:blip r:embed="rId2">
-            <a:extLst>
-              <a:ext uri="{28A0092B-C50C-407E-A947-70E740481C1C}">
-                <a14:useLocalDpi xmlns:a14="http://schemas.microsoft.com/office/drawing/2010/main" val="0"/>
-              </a:ext>
-            </a:extLst>
-          </a:blip>
-          <a:srcRect l="4933" t="-407" r="4933" b="407"/>
-          <a:stretch/>
-        </p:blipFill>
-        <p:spPr>
-          <a:xfrm>
-            <a:off x="1" y="-26895"/>
-            <a:ext cx="12192000" cy="6858000"/>
-          </a:xfrm>
-        </p:spPr>
-      </p:pic>
-      <p:sp>
-        <p:nvSpPr>
-          <p:cNvPr id="4" name="Rectangle 3">
-            <a:extLst>
-              <a:ext uri="{FF2B5EF4-FFF2-40B4-BE49-F238E27FC236}">
-                <a16:creationId xmlns:a16="http://schemas.microsoft.com/office/drawing/2014/main" id="{3D2E7322-B671-47CC-B685-6FA4CB1BE984}"/>
-              </a:ext>
-            </a:extLst>
-          </p:cNvPr>
-          <p:cNvSpPr/>
-          <p:nvPr/>
-        </p:nvSpPr>
-        <p:spPr>
-          <a:xfrm>
-            <a:off x="0" y="2300748"/>
-            <a:ext cx="12192000" cy="2349910"/>
-          </a:xfrm>
-          <a:prstGeom prst="rect">
-            <a:avLst/>
-          </a:prstGeom>
-          <a:solidFill>
-            <a:srgbClr val="000000">
-              <a:alpha val="74902"/>
-            </a:srgbClr>
-          </a:solidFill>
-          <a:ln>
-            <a:noFill/>
-          </a:ln>
-        </p:spPr>
-        <p:style>
-          <a:lnRef idx="2">
-            <a:schemeClr val="accent1">
-              <a:shade val="50000"/>
-            </a:schemeClr>
-          </a:lnRef>
-          <a:fillRef idx="1">
-            <a:schemeClr val="accent1"/>
-          </a:fillRef>
-          <a:effectRef idx="0">
-            <a:schemeClr val="accent1"/>
-          </a:effectRef>
-          <a:fontRef idx="minor">
-            <a:schemeClr val="lt1"/>
-          </a:fontRef>
-        </p:style>
-        <p:txBody>
-          <a:bodyPr rtlCol="0" anchor="ctr"/>
-          <a:lstStyle/>
-          <a:p>
-            <a:pPr algn="ctr"/>
-            <a:r>
-              <a:rPr lang="en-US" sz="5400" dirty="0"/>
-              <a:t>Tracking the COVID19 Outbreak</a:t>
-            </a:r>
-          </a:p>
-          <a:p>
-            <a:pPr algn="ctr"/>
-            <a:r>
-              <a:rPr lang="en-US" sz="2400" dirty="0"/>
-              <a:t>By:  Prajakta </a:t>
-            </a:r>
-            <a:r>
-              <a:rPr lang="en-US" sz="2400" dirty="0" err="1"/>
-              <a:t>Galvankar</a:t>
-            </a:r>
-            <a:r>
-              <a:rPr lang="en-US" sz="2400" dirty="0"/>
-              <a:t> &amp; </a:t>
-            </a:r>
-            <a:r>
-              <a:rPr lang="en-US" sz="2400" dirty="0" err="1"/>
-              <a:t>Lujane</a:t>
-            </a:r>
-            <a:r>
-              <a:rPr lang="en-US" sz="2400" dirty="0"/>
-              <a:t> </a:t>
-            </a:r>
-            <a:r>
-              <a:rPr lang="en-US" sz="2400" dirty="0" err="1"/>
-              <a:t>Abdelgadir</a:t>
-            </a:r>
-            <a:endParaRPr lang="en-US" sz="2400" dirty="0"/>
-          </a:p>
-        </p:txBody>
-      </p:sp>
-    </p:spTree>
-    <p:extLst>
-      <p:ext uri="{BB962C8B-B14F-4D97-AF65-F5344CB8AC3E}">
-        <p14:creationId xmlns:p14="http://schemas.microsoft.com/office/powerpoint/2010/main" val="2036569106"/>
-      </p:ext>
-    </p:extLst>
-  </p:cSld>
-  <p:clrMapOvr>
-    <a:masterClrMapping/>
-  </p:clrMapOvr>
-</p:sld>
-</file>
-
-<file path=ppt/slides/slide12.xml><?xml version="1.0" encoding="utf-8"?>
-<p:sld xmlns:a="http://schemas.openxmlformats.org/drawingml/2006/main" xmlns:r="http://schemas.openxmlformats.org/officeDocument/2006/relationships" xmlns:p="http://schemas.openxmlformats.org/presentationml/2006/main">
-  <p:cSld>
-    <p:spTree>
-      <p:nvGrpSpPr>
-        <p:cNvPr id="1" name=""/>
-        <p:cNvGrpSpPr/>
-        <p:nvPr/>
-      </p:nvGrpSpPr>
-      <p:grpSpPr>
-        <a:xfrm>
-          <a:off x="0" y="0"/>
-          <a:ext cx="0" cy="0"/>
-          <a:chOff x="0" y="0"/>
-          <a:chExt cx="0" cy="0"/>
-        </a:xfrm>
-      </p:grpSpPr>
-      <p:sp>
-        <p:nvSpPr>
-          <p:cNvPr id="2" name="Title 1">
-            <a:extLst>
-              <a:ext uri="{FF2B5EF4-FFF2-40B4-BE49-F238E27FC236}">
-                <a16:creationId xmlns:a16="http://schemas.microsoft.com/office/drawing/2014/main" id="{4E2148DA-F50D-497F-9408-D2CD3E454753}"/>
-              </a:ext>
-            </a:extLst>
-          </p:cNvPr>
-          <p:cNvSpPr>
-            <a:spLocks noGrp="1"/>
-          </p:cNvSpPr>
-          <p:nvPr>
-            <p:ph type="title"/>
-          </p:nvPr>
-        </p:nvSpPr>
-        <p:spPr/>
-        <p:txBody>
-          <a:bodyPr/>
-          <a:lstStyle/>
-          <a:p>
-            <a:endParaRPr lang="en-US"/>
-          </a:p>
-        </p:txBody>
-      </p:sp>
-      <p:pic>
-        <p:nvPicPr>
-          <p:cNvPr id="5" name="Content Placeholder 4">
-            <a:extLst>
-              <a:ext uri="{FF2B5EF4-FFF2-40B4-BE49-F238E27FC236}">
-                <a16:creationId xmlns:a16="http://schemas.microsoft.com/office/drawing/2014/main" id="{CE2721DC-47E6-41B5-B72E-EE2CDE73F034}"/>
-              </a:ext>
-            </a:extLst>
-          </p:cNvPr>
-          <p:cNvPicPr>
-            <a:picLocks noGrp="1" noChangeAspect="1"/>
-          </p:cNvPicPr>
-          <p:nvPr>
-            <p:ph idx="1"/>
-          </p:nvPr>
-        </p:nvPicPr>
-        <p:blipFill>
-          <a:blip r:embed="rId2">
-            <a:extLst>
-              <a:ext uri="{28A0092B-C50C-407E-A947-70E740481C1C}">
-                <a14:useLocalDpi xmlns:a14="http://schemas.microsoft.com/office/drawing/2010/main" val="0"/>
-              </a:ext>
-            </a:extLst>
-          </a:blip>
-          <a:stretch>
-            <a:fillRect/>
-          </a:stretch>
-        </p:blipFill>
-        <p:spPr>
-          <a:xfrm>
-            <a:off x="-1" y="0"/>
-            <a:ext cx="12188387" cy="6858000"/>
-          </a:xfrm>
-        </p:spPr>
-      </p:pic>
-      <p:sp>
-        <p:nvSpPr>
-          <p:cNvPr id="4" name="Rectangle 3">
-            <a:extLst>
-              <a:ext uri="{FF2B5EF4-FFF2-40B4-BE49-F238E27FC236}">
-                <a16:creationId xmlns:a16="http://schemas.microsoft.com/office/drawing/2014/main" id="{8EC927D0-96EE-4B67-86BA-AFBB9382632F}"/>
-              </a:ext>
-            </a:extLst>
-          </p:cNvPr>
-          <p:cNvSpPr/>
-          <p:nvPr/>
-        </p:nvSpPr>
-        <p:spPr>
-          <a:xfrm>
-            <a:off x="0" y="4539123"/>
-            <a:ext cx="12192000" cy="2349910"/>
-          </a:xfrm>
-          <a:prstGeom prst="rect">
-            <a:avLst/>
-          </a:prstGeom>
-          <a:solidFill>
-            <a:srgbClr val="000000">
-              <a:alpha val="74902"/>
-            </a:srgbClr>
-          </a:solidFill>
-          <a:ln>
-            <a:noFill/>
-          </a:ln>
-        </p:spPr>
-        <p:style>
-          <a:lnRef idx="2">
-            <a:schemeClr val="accent1">
-              <a:shade val="50000"/>
-            </a:schemeClr>
-          </a:lnRef>
-          <a:fillRef idx="1">
-            <a:schemeClr val="accent1"/>
-          </a:fillRef>
-          <a:effectRef idx="0">
-            <a:schemeClr val="accent1"/>
-          </a:effectRef>
-          <a:fontRef idx="minor">
-            <a:schemeClr val="lt1"/>
-          </a:fontRef>
-        </p:style>
-        <p:txBody>
-          <a:bodyPr rtlCol="0" anchor="ctr"/>
-          <a:lstStyle/>
-          <a:p>
-            <a:pPr lvl="1"/>
-            <a:r>
-              <a:rPr lang="en-US" sz="5400" dirty="0"/>
-              <a:t>Tracking the COVID19 Outbreak</a:t>
-            </a:r>
-          </a:p>
-          <a:p>
-            <a:pPr lvl="1"/>
-            <a:r>
-              <a:rPr lang="en-US" sz="2400" dirty="0"/>
-              <a:t>By:  Prajakta </a:t>
-            </a:r>
-            <a:r>
-              <a:rPr lang="en-US" sz="2400" dirty="0" err="1"/>
-              <a:t>Galvankar</a:t>
-            </a:r>
-            <a:r>
-              <a:rPr lang="en-US" sz="2400" dirty="0"/>
-              <a:t> &amp; </a:t>
-            </a:r>
-            <a:r>
-              <a:rPr lang="en-US" sz="2400" dirty="0" err="1"/>
-              <a:t>Lujane</a:t>
-            </a:r>
-            <a:r>
-              <a:rPr lang="en-US" sz="2400" dirty="0"/>
-              <a:t> </a:t>
-            </a:r>
-            <a:r>
-              <a:rPr lang="en-US" sz="2400" dirty="0" err="1"/>
-              <a:t>Abdelgadir</a:t>
-            </a:r>
-            <a:endParaRPr lang="en-US" sz="2400" dirty="0"/>
-          </a:p>
-        </p:txBody>
-      </p:sp>
-    </p:spTree>
-    <p:extLst>
-      <p:ext uri="{BB962C8B-B14F-4D97-AF65-F5344CB8AC3E}">
-        <p14:creationId xmlns:p14="http://schemas.microsoft.com/office/powerpoint/2010/main" val="645199317"/>
-      </p:ext>
-    </p:extLst>
-  </p:cSld>
-  <p:clrMapOvr>
-    <a:masterClrMapping/>
-  </p:clrMapOvr>
-</p:sld>
-</file>
-
-<file path=ppt/slides/slide2.xml><?xml version="1.0" encoding="utf-8"?>
-<p:sld xmlns:a="http://schemas.openxmlformats.org/drawingml/2006/main" xmlns:r="http://schemas.openxmlformats.org/officeDocument/2006/relationships" xmlns:p="http://schemas.openxmlformats.org/presentationml/2006/main">
-  <p:cSld>
-    <p:spTree>
-      <p:nvGrpSpPr>
-        <p:cNvPr id="1" name=""/>
-        <p:cNvGrpSpPr/>
-        <p:nvPr/>
-      </p:nvGrpSpPr>
-      <p:grpSpPr>
-        <a:xfrm>
-          <a:off x="0" y="0"/>
-          <a:ext cx="0" cy="0"/>
-          <a:chOff x="0" y="0"/>
-          <a:chExt cx="0" cy="0"/>
-        </a:xfrm>
-      </p:grpSpPr>
-      <p:sp>
-        <p:nvSpPr>
-          <p:cNvPr id="4" name="Title 3">
-            <a:extLst>
-              <a:ext uri="{FF2B5EF4-FFF2-40B4-BE49-F238E27FC236}">
-                <a16:creationId xmlns:a16="http://schemas.microsoft.com/office/drawing/2014/main" id="{F021D6C0-30E5-4388-93CD-0B2E6576D8C0}"/>
-              </a:ext>
-            </a:extLst>
-          </p:cNvPr>
-          <p:cNvSpPr>
-            <a:spLocks noGrp="1"/>
-          </p:cNvSpPr>
-          <p:nvPr>
-            <p:ph type="ctrTitle"/>
-          </p:nvPr>
-        </p:nvSpPr>
-        <p:spPr/>
-        <p:txBody>
-          <a:bodyPr/>
-          <a:lstStyle/>
-          <a:p>
-            <a:endParaRPr lang="en-US"/>
-          </a:p>
-        </p:txBody>
-      </p:sp>
-      <p:sp>
-        <p:nvSpPr>
-          <p:cNvPr id="5" name="Subtitle 4">
-            <a:extLst>
-              <a:ext uri="{FF2B5EF4-FFF2-40B4-BE49-F238E27FC236}">
-                <a16:creationId xmlns:a16="http://schemas.microsoft.com/office/drawing/2014/main" id="{1A020D7D-AE80-4D38-971B-91B088D9A682}"/>
-              </a:ext>
-            </a:extLst>
-          </p:cNvPr>
-          <p:cNvSpPr>
-            <a:spLocks noGrp="1"/>
-          </p:cNvSpPr>
-          <p:nvPr>
-            <p:ph type="subTitle" idx="1"/>
-          </p:nvPr>
-        </p:nvSpPr>
-        <p:spPr/>
-        <p:txBody>
-          <a:bodyPr/>
-          <a:lstStyle/>
-          <a:p>
-            <a:endParaRPr lang="en-US"/>
-          </a:p>
-        </p:txBody>
-      </p:sp>
-      <p:pic>
-        <p:nvPicPr>
-          <p:cNvPr id="3" name="Picture 2">
-            <a:extLst>
-              <a:ext uri="{FF2B5EF4-FFF2-40B4-BE49-F238E27FC236}">
-                <a16:creationId xmlns:a16="http://schemas.microsoft.com/office/drawing/2014/main" id="{C4007325-D91A-45BC-990F-7EDE42B51B56}"/>
-              </a:ext>
-            </a:extLst>
-          </p:cNvPr>
-          <p:cNvPicPr>
-            <a:picLocks noChangeAspect="1"/>
-          </p:cNvPicPr>
-          <p:nvPr/>
-        </p:nvPicPr>
-        <p:blipFill>
-          <a:blip r:embed="rId2"/>
-          <a:stretch>
-            <a:fillRect/>
-          </a:stretch>
-        </p:blipFill>
-        <p:spPr>
-          <a:xfrm>
-            <a:off x="0" y="0"/>
-            <a:ext cx="12192000" cy="6858000"/>
-          </a:xfrm>
-          <a:prstGeom prst="rect">
-            <a:avLst/>
-          </a:prstGeom>
-        </p:spPr>
-      </p:pic>
-      <p:sp>
-        <p:nvSpPr>
-          <p:cNvPr id="17" name="TextBox 16">
-            <a:extLst>
-              <a:ext uri="{FF2B5EF4-FFF2-40B4-BE49-F238E27FC236}">
-                <a16:creationId xmlns:a16="http://schemas.microsoft.com/office/drawing/2014/main" id="{150C8AEC-4268-4E76-BFD3-1C229C5B57E2}"/>
-              </a:ext>
-            </a:extLst>
-          </p:cNvPr>
-          <p:cNvSpPr txBox="1"/>
-          <p:nvPr/>
-        </p:nvSpPr>
-        <p:spPr>
-          <a:xfrm>
-            <a:off x="477982" y="1430078"/>
-            <a:ext cx="5806277" cy="1569660"/>
-          </a:xfrm>
-          <a:prstGeom prst="rect">
-            <a:avLst/>
-          </a:prstGeom>
-          <a:noFill/>
-        </p:spPr>
-        <p:txBody>
-          <a:bodyPr wrap="square" rtlCol="0">
-            <a:spAutoFit/>
-          </a:bodyPr>
-          <a:lstStyle/>
-          <a:p>
-            <a:r>
-              <a:rPr lang="en-US" sz="4800" dirty="0">
-                <a:solidFill>
-                  <a:schemeClr val="bg1"/>
-                </a:solidFill>
-              </a:rPr>
-              <a:t>Tracking the COVID19 Outbreak</a:t>
-            </a:r>
-          </a:p>
-        </p:txBody>
-      </p:sp>
-      <p:cxnSp>
-        <p:nvCxnSpPr>
-          <p:cNvPr id="18" name="Straight Connector 17">
-            <a:extLst>
-              <a:ext uri="{FF2B5EF4-FFF2-40B4-BE49-F238E27FC236}">
-                <a16:creationId xmlns:a16="http://schemas.microsoft.com/office/drawing/2014/main" id="{3EE185F6-9F82-4A0C-862D-A2AE05595851}"/>
-              </a:ext>
-            </a:extLst>
-          </p:cNvPr>
-          <p:cNvCxnSpPr/>
-          <p:nvPr/>
-        </p:nvCxnSpPr>
-        <p:spPr>
-          <a:xfrm>
-            <a:off x="477982" y="3208208"/>
-            <a:ext cx="5577840" cy="0"/>
-          </a:xfrm>
-          <a:prstGeom prst="line">
-            <a:avLst/>
-          </a:prstGeom>
-          <a:noFill/>
-          <a:ln w="28575" cap="flat" cmpd="sng" algn="ctr">
-            <a:solidFill>
-              <a:srgbClr val="FFFFFF"/>
-            </a:solidFill>
-            <a:prstDash val="solid"/>
-            <a:miter lim="800000"/>
-          </a:ln>
-          <a:effectLst/>
-        </p:spPr>
-      </p:cxnSp>
-      <p:sp>
-        <p:nvSpPr>
-          <p:cNvPr id="19" name="TextBox 18">
-            <a:extLst>
-              <a:ext uri="{FF2B5EF4-FFF2-40B4-BE49-F238E27FC236}">
-                <a16:creationId xmlns:a16="http://schemas.microsoft.com/office/drawing/2014/main" id="{4B8CDA78-B108-4BB2-89C5-21DA37D49665}"/>
-              </a:ext>
-            </a:extLst>
-          </p:cNvPr>
-          <p:cNvSpPr txBox="1"/>
-          <p:nvPr/>
-        </p:nvSpPr>
-        <p:spPr>
-          <a:xfrm>
-            <a:off x="527143" y="3408211"/>
-            <a:ext cx="4733115" cy="707886"/>
-          </a:xfrm>
-          <a:prstGeom prst="rect">
-            <a:avLst/>
-          </a:prstGeom>
-          <a:noFill/>
-        </p:spPr>
-        <p:txBody>
-          <a:bodyPr wrap="square" rtlCol="0">
-            <a:spAutoFit/>
-          </a:bodyPr>
-          <a:lstStyle/>
-          <a:p>
-            <a:r>
-              <a:rPr lang="en-US" sz="2000" dirty="0">
-                <a:solidFill>
-                  <a:schemeClr val="bg1"/>
-                </a:solidFill>
-              </a:rPr>
-              <a:t>By:  Prajakta </a:t>
-            </a:r>
-            <a:r>
-              <a:rPr lang="en-US" sz="2000" dirty="0" err="1">
-                <a:solidFill>
-                  <a:schemeClr val="bg1"/>
-                </a:solidFill>
-              </a:rPr>
-              <a:t>Galvankar</a:t>
-            </a:r>
-            <a:endParaRPr lang="en-US" sz="2000" dirty="0">
-              <a:solidFill>
-                <a:schemeClr val="bg1"/>
-              </a:solidFill>
-            </a:endParaRPr>
-          </a:p>
-          <a:p>
-            <a:r>
-              <a:rPr lang="en-US" sz="2000" dirty="0">
-                <a:solidFill>
-                  <a:schemeClr val="bg1"/>
-                </a:solidFill>
-              </a:rPr>
-              <a:t>        </a:t>
-            </a:r>
-            <a:r>
-              <a:rPr lang="en-US" sz="2000" dirty="0" err="1">
-                <a:solidFill>
-                  <a:schemeClr val="bg1"/>
-                </a:solidFill>
-              </a:rPr>
-              <a:t>Lujane</a:t>
-            </a:r>
-            <a:r>
-              <a:rPr lang="en-US" sz="2000" dirty="0">
-                <a:solidFill>
-                  <a:schemeClr val="bg1"/>
-                </a:solidFill>
-              </a:rPr>
-              <a:t> </a:t>
-            </a:r>
-            <a:r>
-              <a:rPr lang="en-US" sz="2000" dirty="0" err="1">
-                <a:solidFill>
-                  <a:schemeClr val="bg1"/>
-                </a:solidFill>
-              </a:rPr>
-              <a:t>Abdelgadir</a:t>
-            </a:r>
-            <a:endParaRPr lang="en-US" sz="2000" dirty="0">
-              <a:solidFill>
-                <a:schemeClr val="bg1"/>
-              </a:solidFill>
-            </a:endParaRPr>
-          </a:p>
-        </p:txBody>
-      </p:sp>
-    </p:spTree>
-    <p:extLst>
-      <p:ext uri="{BB962C8B-B14F-4D97-AF65-F5344CB8AC3E}">
-        <p14:creationId xmlns:p14="http://schemas.microsoft.com/office/powerpoint/2010/main" val="2587712046"/>
-      </p:ext>
-    </p:extLst>
-  </p:cSld>
-  <p:clrMapOvr>
-    <a:masterClrMapping/>
-  </p:clrMapOvr>
-</p:sld>
-</file>
-
-<file path=ppt/slides/slide3.xml><?xml version="1.0" encoding="utf-8"?>
-<p:sld xmlns:a="http://schemas.openxmlformats.org/drawingml/2006/main" xmlns:r="http://schemas.openxmlformats.org/officeDocument/2006/relationships" xmlns:p="http://schemas.openxmlformats.org/presentationml/2006/main">
-  <p:cSld>
-    <p:spTree>
-      <p:nvGrpSpPr>
-        <p:cNvPr id="1" name=""/>
-        <p:cNvGrpSpPr/>
-        <p:nvPr/>
-      </p:nvGrpSpPr>
-      <p:grpSpPr>
-        <a:xfrm>
-          <a:off x="0" y="0"/>
-          <a:ext cx="0" cy="0"/>
-          <a:chOff x="0" y="0"/>
-          <a:chExt cx="0" cy="0"/>
-        </a:xfrm>
-      </p:grpSpPr>
-      <p:sp>
-        <p:nvSpPr>
-          <p:cNvPr id="2" name="Title 1">
-            <a:extLst>
-              <a:ext uri="{FF2B5EF4-FFF2-40B4-BE49-F238E27FC236}">
-                <a16:creationId xmlns:a16="http://schemas.microsoft.com/office/drawing/2014/main" id="{3348AD3F-9C0A-420F-8A89-BEA08FADE80A}"/>
-              </a:ext>
-            </a:extLst>
-          </p:cNvPr>
-          <p:cNvSpPr>
-            <a:spLocks noGrp="1"/>
-          </p:cNvSpPr>
-          <p:nvPr>
-            <p:ph type="title"/>
-          </p:nvPr>
-        </p:nvSpPr>
-        <p:spPr/>
-        <p:txBody>
-          <a:bodyPr/>
-          <a:lstStyle/>
-          <a:p>
-            <a:endParaRPr lang="en-US"/>
-          </a:p>
-        </p:txBody>
-      </p:sp>
-      <p:pic>
-        <p:nvPicPr>
-          <p:cNvPr id="5" name="Content Placeholder 4">
-            <a:extLst>
-              <a:ext uri="{FF2B5EF4-FFF2-40B4-BE49-F238E27FC236}">
-                <a16:creationId xmlns:a16="http://schemas.microsoft.com/office/drawing/2014/main" id="{09AD2CFE-83B1-43CF-AEC0-CA67F5994A85}"/>
-              </a:ext>
-              <a:ext uri="{C183D7F6-B498-43B3-948B-1728B52AA6E4}">
-                <adec:decorative xmlns:adec="http://schemas.microsoft.com/office/drawing/2017/decorative" val="0"/>
-              </a:ext>
-            </a:extLst>
-          </p:cNvPr>
-          <p:cNvPicPr>
-            <a:picLocks noGrp="1" noChangeAspect="1"/>
-          </p:cNvPicPr>
-          <p:nvPr>
-            <p:ph idx="1"/>
-          </p:nvPr>
-        </p:nvPicPr>
-        <p:blipFill>
-          <a:blip r:embed="rId2">
-            <a:extLst>
-              <a:ext uri="{28A0092B-C50C-407E-A947-70E740481C1C}">
-                <a14:useLocalDpi xmlns:a14="http://schemas.microsoft.com/office/drawing/2010/main" val="0"/>
-              </a:ext>
-            </a:extLst>
-          </a:blip>
-          <a:stretch>
-            <a:fillRect/>
-          </a:stretch>
-        </p:blipFill>
-        <p:spPr>
-          <a:xfrm>
-            <a:off x="-33910" y="-334537"/>
-            <a:ext cx="12225910" cy="7192537"/>
-          </a:xfrm>
-        </p:spPr>
-      </p:pic>
-      <p:sp>
-        <p:nvSpPr>
-          <p:cNvPr id="6" name="Rectangle 5">
-            <a:extLst>
-              <a:ext uri="{FF2B5EF4-FFF2-40B4-BE49-F238E27FC236}">
-                <a16:creationId xmlns:a16="http://schemas.microsoft.com/office/drawing/2014/main" id="{3A72EC83-9C62-41A7-8046-24B47B3C54F7}"/>
-              </a:ext>
-            </a:extLst>
-          </p:cNvPr>
-          <p:cNvSpPr/>
-          <p:nvPr/>
-        </p:nvSpPr>
-        <p:spPr>
-          <a:xfrm>
-            <a:off x="0" y="2300748"/>
-            <a:ext cx="12192000" cy="2349910"/>
-          </a:xfrm>
-          <a:prstGeom prst="rect">
-            <a:avLst/>
-          </a:prstGeom>
-          <a:solidFill>
-            <a:srgbClr val="000000">
-              <a:alpha val="74902"/>
-            </a:srgbClr>
-          </a:solidFill>
-          <a:ln>
-            <a:noFill/>
-          </a:ln>
-        </p:spPr>
-        <p:style>
-          <a:lnRef idx="2">
-            <a:schemeClr val="accent1">
-              <a:shade val="50000"/>
-            </a:schemeClr>
-          </a:lnRef>
-          <a:fillRef idx="1">
-            <a:schemeClr val="accent1"/>
-          </a:fillRef>
-          <a:effectRef idx="0">
-            <a:schemeClr val="accent1"/>
-          </a:effectRef>
-          <a:fontRef idx="minor">
-            <a:schemeClr val="lt1"/>
-          </a:fontRef>
-        </p:style>
-        <p:txBody>
-          <a:bodyPr rtlCol="0" anchor="ctr"/>
-          <a:lstStyle/>
-          <a:p>
-            <a:pPr algn="ctr"/>
-            <a:r>
-              <a:rPr lang="en-US" sz="5400" dirty="0"/>
-              <a:t>Tracking the COVID19 Outbreak</a:t>
-            </a:r>
-          </a:p>
-          <a:p>
-            <a:pPr algn="ctr"/>
-            <a:r>
-              <a:rPr lang="en-US" sz="2400" dirty="0"/>
-              <a:t>By:  Prajakta </a:t>
-            </a:r>
-            <a:r>
-              <a:rPr lang="en-US" sz="2400" dirty="0" err="1"/>
-              <a:t>Galvankar</a:t>
-            </a:r>
-            <a:r>
-              <a:rPr lang="en-US" sz="2400" dirty="0"/>
-              <a:t> &amp; </a:t>
-            </a:r>
-            <a:r>
-              <a:rPr lang="en-US" sz="2400" dirty="0" err="1"/>
-              <a:t>Lujane</a:t>
-            </a:r>
-            <a:r>
-              <a:rPr lang="en-US" sz="2400" dirty="0"/>
-              <a:t> </a:t>
-            </a:r>
-            <a:r>
-              <a:rPr lang="en-US" sz="2400" dirty="0" err="1"/>
-              <a:t>Abdelgadir</a:t>
-            </a:r>
-            <a:endParaRPr lang="en-US" sz="2400" dirty="0"/>
-          </a:p>
-        </p:txBody>
-      </p:sp>
-    </p:spTree>
-    <p:extLst>
-      <p:ext uri="{BB962C8B-B14F-4D97-AF65-F5344CB8AC3E}">
-        <p14:creationId xmlns:p14="http://schemas.microsoft.com/office/powerpoint/2010/main" val="3183667834"/>
-      </p:ext>
-    </p:extLst>
-  </p:cSld>
-  <p:clrMapOvr>
-    <a:masterClrMapping/>
-  </p:clrMapOvr>
-</p:sld>
-</file>
-
-<file path=ppt/slides/slide4.xml><?xml version="1.0" encoding="utf-8"?>
-<p:sld xmlns:a="http://schemas.openxmlformats.org/drawingml/2006/main" xmlns:r="http://schemas.openxmlformats.org/officeDocument/2006/relationships" xmlns:p="http://schemas.openxmlformats.org/presentationml/2006/main">
-  <p:cSld>
-    <p:spTree>
-      <p:nvGrpSpPr>
-        <p:cNvPr id="1" name=""/>
-        <p:cNvGrpSpPr/>
-        <p:nvPr/>
-      </p:nvGrpSpPr>
-      <p:grpSpPr>
-        <a:xfrm>
-          <a:off x="0" y="0"/>
-          <a:ext cx="0" cy="0"/>
-          <a:chOff x="0" y="0"/>
-          <a:chExt cx="0" cy="0"/>
-        </a:xfrm>
-      </p:grpSpPr>
-      <p:sp>
-        <p:nvSpPr>
-          <p:cNvPr id="2" name="Title 1">
-            <a:extLst>
-              <a:ext uri="{FF2B5EF4-FFF2-40B4-BE49-F238E27FC236}">
-                <a16:creationId xmlns:a16="http://schemas.microsoft.com/office/drawing/2014/main" id="{62190B5D-6741-42A9-B3AE-BB6A340CFF17}"/>
-              </a:ext>
-            </a:extLst>
-          </p:cNvPr>
-          <p:cNvSpPr>
-            <a:spLocks noGrp="1"/>
-          </p:cNvSpPr>
-          <p:nvPr>
-            <p:ph type="title"/>
-          </p:nvPr>
-        </p:nvSpPr>
-        <p:spPr/>
-        <p:txBody>
-          <a:bodyPr/>
-          <a:lstStyle/>
-          <a:p>
-            <a:endParaRPr lang="en-US"/>
-          </a:p>
-        </p:txBody>
-      </p:sp>
-      <p:pic>
-        <p:nvPicPr>
-          <p:cNvPr id="5" name="Content Placeholder 4" descr="A picture containing stop, red, traffic, light&#10;&#10;Description automatically generated">
-            <a:extLst>
-              <a:ext uri="{FF2B5EF4-FFF2-40B4-BE49-F238E27FC236}">
-                <a16:creationId xmlns:a16="http://schemas.microsoft.com/office/drawing/2014/main" id="{4445D2B1-3260-4861-A85E-CD6453BDBA78}"/>
-              </a:ext>
-            </a:extLst>
-          </p:cNvPr>
-          <p:cNvPicPr>
-            <a:picLocks noGrp="1" noChangeAspect="1"/>
-          </p:cNvPicPr>
-          <p:nvPr>
-            <p:ph idx="1"/>
-          </p:nvPr>
-        </p:nvPicPr>
-        <p:blipFill>
-          <a:blip r:embed="rId2">
-            <a:extLst>
-              <a:ext uri="{28A0092B-C50C-407E-A947-70E740481C1C}">
-                <a14:useLocalDpi xmlns:a14="http://schemas.microsoft.com/office/drawing/2010/main" val="0"/>
-              </a:ext>
-            </a:extLst>
-          </a:blip>
-          <a:stretch>
-            <a:fillRect/>
-          </a:stretch>
-        </p:blipFill>
-        <p:spPr>
-          <a:xfrm>
-            <a:off x="1449766" y="0"/>
-            <a:ext cx="10742234" cy="6858000"/>
-          </a:xfrm>
-        </p:spPr>
-      </p:pic>
-      <p:sp>
-        <p:nvSpPr>
-          <p:cNvPr id="8" name="Rectangle 7">
-            <a:extLst>
-              <a:ext uri="{FF2B5EF4-FFF2-40B4-BE49-F238E27FC236}">
-                <a16:creationId xmlns:a16="http://schemas.microsoft.com/office/drawing/2014/main" id="{166CB348-91AC-4576-9DDB-1A45786775F9}"/>
-              </a:ext>
-            </a:extLst>
-          </p:cNvPr>
-          <p:cNvSpPr/>
-          <p:nvPr/>
-        </p:nvSpPr>
-        <p:spPr>
-          <a:xfrm>
-            <a:off x="0" y="0"/>
-            <a:ext cx="12192000" cy="6858000"/>
-          </a:xfrm>
-          <a:prstGeom prst="rect">
-            <a:avLst/>
-          </a:prstGeom>
-          <a:gradFill flip="none" rotWithShape="1">
-            <a:gsLst>
-              <a:gs pos="0">
-                <a:schemeClr val="tx1"/>
-              </a:gs>
-              <a:gs pos="43000">
-                <a:srgbClr val="000000"/>
-              </a:gs>
-              <a:gs pos="76000">
-                <a:schemeClr val="tx1">
-                  <a:alpha val="50000"/>
-                </a:schemeClr>
-              </a:gs>
-              <a:gs pos="100000">
-                <a:schemeClr val="bg1">
-                  <a:alpha val="0"/>
-                </a:schemeClr>
-              </a:gs>
-            </a:gsLst>
-            <a:lin ang="0" scaled="1"/>
-            <a:tileRect/>
-          </a:gradFill>
-        </p:spPr>
-        <p:style>
-          <a:lnRef idx="2">
-            <a:schemeClr val="accent1">
-              <a:shade val="50000"/>
-            </a:schemeClr>
-          </a:lnRef>
-          <a:fillRef idx="1">
-            <a:schemeClr val="accent1"/>
-          </a:fillRef>
-          <a:effectRef idx="0">
-            <a:schemeClr val="accent1"/>
-          </a:effectRef>
-          <a:fontRef idx="minor">
-            <a:schemeClr val="lt1"/>
-          </a:fontRef>
-        </p:style>
-        <p:txBody>
-          <a:bodyPr rtlCol="0" anchor="ctr"/>
-          <a:lstStyle/>
-          <a:p>
-            <a:pPr algn="ctr"/>
-            <a:endParaRPr lang="en-US"/>
-          </a:p>
-        </p:txBody>
-      </p:sp>
-      <p:sp>
-        <p:nvSpPr>
-          <p:cNvPr id="6" name="TextBox 5">
-            <a:extLst>
-              <a:ext uri="{FF2B5EF4-FFF2-40B4-BE49-F238E27FC236}">
-                <a16:creationId xmlns:a16="http://schemas.microsoft.com/office/drawing/2014/main" id="{C1B8977D-AD97-4995-BC16-10B3D4631CEA}"/>
-              </a:ext>
-            </a:extLst>
-          </p:cNvPr>
-          <p:cNvSpPr txBox="1"/>
-          <p:nvPr/>
-        </p:nvSpPr>
-        <p:spPr>
-          <a:xfrm>
-            <a:off x="477982" y="1430078"/>
-            <a:ext cx="5806277" cy="1569660"/>
-          </a:xfrm>
-          <a:prstGeom prst="rect">
-            <a:avLst/>
-          </a:prstGeom>
-          <a:noFill/>
-        </p:spPr>
-        <p:txBody>
-          <a:bodyPr wrap="square" rtlCol="0">
-            <a:spAutoFit/>
-          </a:bodyPr>
-          <a:lstStyle/>
-          <a:p>
-            <a:r>
-              <a:rPr lang="en-US" sz="4800" dirty="0">
-                <a:solidFill>
-                  <a:schemeClr val="bg1"/>
-                </a:solidFill>
-              </a:rPr>
-              <a:t>Tracking the COVID19 Outbreak</a:t>
-            </a:r>
-          </a:p>
-        </p:txBody>
-      </p:sp>
-      <p:cxnSp>
-        <p:nvCxnSpPr>
-          <p:cNvPr id="7" name="Straight Connector 6">
-            <a:extLst>
-              <a:ext uri="{FF2B5EF4-FFF2-40B4-BE49-F238E27FC236}">
-                <a16:creationId xmlns:a16="http://schemas.microsoft.com/office/drawing/2014/main" id="{27EF2840-55E6-46E4-B85D-2A433BD54DD9}"/>
-              </a:ext>
-            </a:extLst>
-          </p:cNvPr>
-          <p:cNvCxnSpPr/>
-          <p:nvPr/>
-        </p:nvCxnSpPr>
-        <p:spPr>
-          <a:xfrm>
-            <a:off x="477982" y="3208208"/>
-            <a:ext cx="5577840" cy="0"/>
-          </a:xfrm>
-          <a:prstGeom prst="line">
-            <a:avLst/>
-          </a:prstGeom>
-          <a:noFill/>
-          <a:ln w="28575" cap="flat" cmpd="sng" algn="ctr">
-            <a:solidFill>
-              <a:srgbClr val="FFFFFF"/>
-            </a:solidFill>
-            <a:prstDash val="solid"/>
-            <a:miter lim="800000"/>
-          </a:ln>
-          <a:effectLst/>
-        </p:spPr>
-      </p:cxnSp>
-      <p:sp>
-        <p:nvSpPr>
-          <p:cNvPr id="9" name="TextBox 8">
-            <a:extLst>
-              <a:ext uri="{FF2B5EF4-FFF2-40B4-BE49-F238E27FC236}">
-                <a16:creationId xmlns:a16="http://schemas.microsoft.com/office/drawing/2014/main" id="{05B3C808-2C5D-4A57-9E15-7446391860B5}"/>
-              </a:ext>
-            </a:extLst>
-          </p:cNvPr>
-          <p:cNvSpPr txBox="1"/>
-          <p:nvPr/>
-        </p:nvSpPr>
-        <p:spPr>
-          <a:xfrm>
-            <a:off x="527143" y="3408211"/>
-            <a:ext cx="4733115" cy="707886"/>
-          </a:xfrm>
-          <a:prstGeom prst="rect">
-            <a:avLst/>
-          </a:prstGeom>
-          <a:noFill/>
-        </p:spPr>
-        <p:txBody>
-          <a:bodyPr wrap="square" rtlCol="0">
-            <a:spAutoFit/>
-          </a:bodyPr>
-          <a:lstStyle/>
-          <a:p>
-            <a:r>
-              <a:rPr lang="en-US" sz="2000" dirty="0">
-                <a:solidFill>
-                  <a:schemeClr val="bg1"/>
-                </a:solidFill>
-              </a:rPr>
-              <a:t>By:  Prajakta </a:t>
-            </a:r>
-            <a:r>
-              <a:rPr lang="en-US" sz="2000" dirty="0" err="1">
-                <a:solidFill>
-                  <a:schemeClr val="bg1"/>
-                </a:solidFill>
-              </a:rPr>
-              <a:t>Galvankar</a:t>
-            </a:r>
-            <a:endParaRPr lang="en-US" sz="2000" dirty="0">
-              <a:solidFill>
-                <a:schemeClr val="bg1"/>
-              </a:solidFill>
-            </a:endParaRPr>
-          </a:p>
-          <a:p>
-            <a:r>
-              <a:rPr lang="en-US" sz="2000" dirty="0">
-                <a:solidFill>
-                  <a:schemeClr val="bg1"/>
-                </a:solidFill>
-              </a:rPr>
-              <a:t>        </a:t>
-            </a:r>
-            <a:r>
-              <a:rPr lang="en-US" sz="2000" dirty="0" err="1">
-                <a:solidFill>
-                  <a:schemeClr val="bg1"/>
-                </a:solidFill>
-              </a:rPr>
-              <a:t>Lujane</a:t>
-            </a:r>
-            <a:r>
-              <a:rPr lang="en-US" sz="2000" dirty="0">
-                <a:solidFill>
-                  <a:schemeClr val="bg1"/>
-                </a:solidFill>
-              </a:rPr>
-              <a:t> </a:t>
-            </a:r>
-            <a:r>
-              <a:rPr lang="en-US" sz="2000" dirty="0" err="1">
-                <a:solidFill>
-                  <a:schemeClr val="bg1"/>
-                </a:solidFill>
-              </a:rPr>
-              <a:t>Abdelgadir</a:t>
-            </a:r>
-            <a:endParaRPr lang="en-US" sz="2000" dirty="0">
-              <a:solidFill>
-                <a:schemeClr val="bg1"/>
-              </a:solidFill>
-            </a:endParaRPr>
-          </a:p>
-        </p:txBody>
-      </p:sp>
-    </p:spTree>
-    <p:extLst>
-      <p:ext uri="{BB962C8B-B14F-4D97-AF65-F5344CB8AC3E}">
-        <p14:creationId xmlns:p14="http://schemas.microsoft.com/office/powerpoint/2010/main" val="366505477"/>
-      </p:ext>
-    </p:extLst>
-  </p:cSld>
-  <p:clrMapOvr>
-    <a:masterClrMapping/>
-  </p:clrMapOvr>
-</p:sld>
-</file>
-
-<file path=ppt/slides/slide5.xml><?xml version="1.0" encoding="utf-8"?>
-<p:sld xmlns:a="http://schemas.openxmlformats.org/drawingml/2006/main" xmlns:r="http://schemas.openxmlformats.org/officeDocument/2006/relationships" xmlns:p="http://schemas.openxmlformats.org/presentationml/2006/main">
-  <p:cSld>
-    <p:spTree>
-      <p:nvGrpSpPr>
-        <p:cNvPr id="1" name=""/>
-        <p:cNvGrpSpPr/>
-        <p:nvPr/>
-      </p:nvGrpSpPr>
-      <p:grpSpPr>
-        <a:xfrm>
-          <a:off x="0" y="0"/>
-          <a:ext cx="0" cy="0"/>
-          <a:chOff x="0" y="0"/>
-          <a:chExt cx="0" cy="0"/>
-        </a:xfrm>
-      </p:grpSpPr>
-      <p:sp>
-        <p:nvSpPr>
-          <p:cNvPr id="2" name="Title 1">
-            <a:extLst>
-              <a:ext uri="{FF2B5EF4-FFF2-40B4-BE49-F238E27FC236}">
-                <a16:creationId xmlns:a16="http://schemas.microsoft.com/office/drawing/2014/main" id="{9338BDDE-9104-40E9-AC97-79806646704C}"/>
-              </a:ext>
-            </a:extLst>
-          </p:cNvPr>
-          <p:cNvSpPr>
-            <a:spLocks noGrp="1"/>
-          </p:cNvSpPr>
-          <p:nvPr>
-            <p:ph type="title"/>
-          </p:nvPr>
-        </p:nvSpPr>
-        <p:spPr/>
-        <p:txBody>
-          <a:bodyPr/>
-          <a:lstStyle/>
-          <a:p>
-            <a:endParaRPr lang="en-US"/>
-          </a:p>
-        </p:txBody>
-      </p:sp>
-      <p:sp>
-        <p:nvSpPr>
-          <p:cNvPr id="3" name="Content Placeholder 2">
-            <a:extLst>
-              <a:ext uri="{FF2B5EF4-FFF2-40B4-BE49-F238E27FC236}">
-                <a16:creationId xmlns:a16="http://schemas.microsoft.com/office/drawing/2014/main" id="{4D19390F-7C22-4D31-8F6B-8C86B79E4B67}"/>
-              </a:ext>
-            </a:extLst>
-          </p:cNvPr>
-          <p:cNvSpPr>
-            <a:spLocks noGrp="1"/>
-          </p:cNvSpPr>
-          <p:nvPr>
-            <p:ph idx="1"/>
-          </p:nvPr>
-        </p:nvSpPr>
-        <p:spPr/>
-        <p:txBody>
-          <a:bodyPr/>
-          <a:lstStyle/>
-          <a:p>
-            <a:endParaRPr lang="en-US"/>
-          </a:p>
-        </p:txBody>
-      </p:sp>
-      <p:pic>
-        <p:nvPicPr>
-          <p:cNvPr id="4" name="Picture 3">
-            <a:extLst>
-              <a:ext uri="{FF2B5EF4-FFF2-40B4-BE49-F238E27FC236}">
-                <a16:creationId xmlns:a16="http://schemas.microsoft.com/office/drawing/2014/main" id="{AF23D974-3D17-4F9A-B771-709485B9D5E4}"/>
-              </a:ext>
-            </a:extLst>
-          </p:cNvPr>
-          <p:cNvPicPr>
-            <a:picLocks noChangeAspect="1"/>
-          </p:cNvPicPr>
-          <p:nvPr/>
-        </p:nvPicPr>
-        <p:blipFill>
-          <a:blip r:embed="rId2">
-            <a:extLst>
-              <a:ext uri="{28A0092B-C50C-407E-A947-70E740481C1C}">
-                <a14:useLocalDpi xmlns:a14="http://schemas.microsoft.com/office/drawing/2010/main" val="0"/>
-              </a:ext>
-            </a:extLst>
-          </a:blip>
-          <a:stretch>
-            <a:fillRect/>
-          </a:stretch>
-        </p:blipFill>
-        <p:spPr>
-          <a:xfrm>
-            <a:off x="0" y="3478"/>
-            <a:ext cx="12192000" cy="6851046"/>
-          </a:xfrm>
-          <a:prstGeom prst="rect">
-            <a:avLst/>
-          </a:prstGeom>
-        </p:spPr>
-      </p:pic>
-      <p:sp>
-        <p:nvSpPr>
-          <p:cNvPr id="5" name="Rectangle 4">
-            <a:extLst>
-              <a:ext uri="{FF2B5EF4-FFF2-40B4-BE49-F238E27FC236}">
-                <a16:creationId xmlns:a16="http://schemas.microsoft.com/office/drawing/2014/main" id="{E7D1F65C-6C46-4195-B463-78FA44414446}"/>
-              </a:ext>
-            </a:extLst>
-          </p:cNvPr>
-          <p:cNvSpPr/>
-          <p:nvPr/>
-        </p:nvSpPr>
-        <p:spPr>
-          <a:xfrm>
-            <a:off x="0" y="2300748"/>
-            <a:ext cx="12192000" cy="2349910"/>
-          </a:xfrm>
-          <a:prstGeom prst="rect">
-            <a:avLst/>
-          </a:prstGeom>
-          <a:solidFill>
-            <a:srgbClr val="000000">
-              <a:alpha val="74902"/>
-            </a:srgbClr>
-          </a:solidFill>
-          <a:ln>
-            <a:noFill/>
-          </a:ln>
-        </p:spPr>
-        <p:style>
-          <a:lnRef idx="2">
-            <a:schemeClr val="accent1">
-              <a:shade val="50000"/>
-            </a:schemeClr>
-          </a:lnRef>
-          <a:fillRef idx="1">
-            <a:schemeClr val="accent1"/>
-          </a:fillRef>
-          <a:effectRef idx="0">
-            <a:schemeClr val="accent1"/>
-          </a:effectRef>
-          <a:fontRef idx="minor">
-            <a:schemeClr val="lt1"/>
-          </a:fontRef>
-        </p:style>
-        <p:txBody>
-          <a:bodyPr rtlCol="0" anchor="ctr"/>
-          <a:lstStyle/>
-          <a:p>
-            <a:pPr algn="ctr"/>
-            <a:r>
-              <a:rPr lang="en-US" sz="5400" dirty="0"/>
-              <a:t>Tracking the COVID19 Outbreak</a:t>
-            </a:r>
-          </a:p>
-          <a:p>
-            <a:pPr algn="ctr"/>
-            <a:r>
-              <a:rPr lang="en-US" sz="2400" dirty="0"/>
-              <a:t>By:  Prajakta </a:t>
-            </a:r>
-            <a:r>
-              <a:rPr lang="en-US" sz="2400" dirty="0" err="1"/>
-              <a:t>Galvankar</a:t>
-            </a:r>
-            <a:r>
-              <a:rPr lang="en-US" sz="2400" dirty="0"/>
-              <a:t> &amp; </a:t>
-            </a:r>
-            <a:r>
-              <a:rPr lang="en-US" sz="2400" dirty="0" err="1"/>
-              <a:t>Lujane</a:t>
-            </a:r>
-            <a:r>
-              <a:rPr lang="en-US" sz="2400" dirty="0"/>
-              <a:t> </a:t>
-            </a:r>
-            <a:r>
-              <a:rPr lang="en-US" sz="2400" dirty="0" err="1"/>
-              <a:t>Abdelgadir</a:t>
-            </a:r>
-            <a:endParaRPr lang="en-US" sz="2400" dirty="0"/>
-          </a:p>
-        </p:txBody>
-      </p:sp>
-    </p:spTree>
-    <p:extLst>
-      <p:ext uri="{BB962C8B-B14F-4D97-AF65-F5344CB8AC3E}">
-        <p14:creationId xmlns:p14="http://schemas.microsoft.com/office/powerpoint/2010/main" val="3719184508"/>
-      </p:ext>
-    </p:extLst>
-  </p:cSld>
-  <p:clrMapOvr>
-    <a:masterClrMapping/>
-  </p:clrMapOvr>
-</p:sld>
-</file>
-
-<file path=ppt/slides/slide6.xml><?xml version="1.0" encoding="utf-8"?>
-<p:sld xmlns:a="http://schemas.openxmlformats.org/drawingml/2006/main" xmlns:r="http://schemas.openxmlformats.org/officeDocument/2006/relationships" xmlns:p="http://schemas.openxmlformats.org/presentationml/2006/main">
-  <p:cSld>
-    <p:bg>
-      <p:bgPr>
-        <a:solidFill>
-          <a:schemeClr val="bg1"/>
-        </a:solidFill>
-        <a:effectLst/>
-      </p:bgPr>
-    </p:bg>
-    <p:spTree>
-      <p:nvGrpSpPr>
-        <p:cNvPr id="1" name=""/>
-        <p:cNvGrpSpPr/>
-        <p:nvPr/>
-      </p:nvGrpSpPr>
-      <p:grpSpPr>
-        <a:xfrm>
-          <a:off x="0" y="0"/>
-          <a:ext cx="0" cy="0"/>
-          <a:chOff x="0" y="0"/>
-          <a:chExt cx="0" cy="0"/>
-        </a:xfrm>
-      </p:grpSpPr>
-      <p:sp useBgFill="1">
-        <p:nvSpPr>
           <p:cNvPr id="10" name="Rectangle 9">
             <a:extLst>
               <a:ext uri="{FF2B5EF4-FFF2-40B4-BE49-F238E27FC236}">
@@ -7889,7 +5808,7 @@
             <a:pPr algn="ctr"/>
             <a:r>
               <a:rPr lang="en-US" sz="2400" dirty="0"/>
-              <a:t>By:  Prajakta </a:t>
+              <a:t>ETL Project Report By: Prajakta </a:t>
             </a:r>
             <a:r>
               <a:rPr lang="en-US" sz="2400" dirty="0" err="1"/>
@@ -7919,6 +5838,2133 @@
     <p:extLst>
       <p:ext uri="{BB962C8B-B14F-4D97-AF65-F5344CB8AC3E}">
         <p14:creationId xmlns:p14="http://schemas.microsoft.com/office/powerpoint/2010/main" val="376302313"/>
+      </p:ext>
+    </p:extLst>
+  </p:cSld>
+  <p:clrMapOvr>
+    <a:masterClrMapping/>
+  </p:clrMapOvr>
+</p:sld>
+</file>
+
+<file path=ppt/slides/slide10.xml><?xml version="1.0" encoding="utf-8"?>
+<p:sld xmlns:a="http://schemas.openxmlformats.org/drawingml/2006/main" xmlns:r="http://schemas.openxmlformats.org/officeDocument/2006/relationships" xmlns:p="http://schemas.openxmlformats.org/presentationml/2006/main">
+  <p:cSld>
+    <p:spTree>
+      <p:nvGrpSpPr>
+        <p:cNvPr id="1" name=""/>
+        <p:cNvGrpSpPr/>
+        <p:nvPr/>
+      </p:nvGrpSpPr>
+      <p:grpSpPr>
+        <a:xfrm>
+          <a:off x="0" y="0"/>
+          <a:ext cx="0" cy="0"/>
+          <a:chOff x="0" y="0"/>
+          <a:chExt cx="0" cy="0"/>
+        </a:xfrm>
+      </p:grpSpPr>
+      <p:sp>
+        <p:nvSpPr>
+          <p:cNvPr id="2" name="Title 1">
+            <a:extLst>
+              <a:ext uri="{FF2B5EF4-FFF2-40B4-BE49-F238E27FC236}">
+                <a16:creationId xmlns:a16="http://schemas.microsoft.com/office/drawing/2014/main" id="{D56B9A28-B7E1-4981-ACAB-B88D4869B6BF}"/>
+              </a:ext>
+            </a:extLst>
+          </p:cNvPr>
+          <p:cNvSpPr>
+            <a:spLocks noGrp="1"/>
+          </p:cNvSpPr>
+          <p:nvPr>
+            <p:ph type="title"/>
+          </p:nvPr>
+        </p:nvSpPr>
+        <p:spPr/>
+        <p:txBody>
+          <a:bodyPr/>
+          <a:lstStyle/>
+          <a:p>
+            <a:endParaRPr lang="en-US"/>
+          </a:p>
+        </p:txBody>
+      </p:sp>
+      <p:pic>
+        <p:nvPicPr>
+          <p:cNvPr id="7" name="Picture 6">
+            <a:extLst>
+              <a:ext uri="{FF2B5EF4-FFF2-40B4-BE49-F238E27FC236}">
+                <a16:creationId xmlns:a16="http://schemas.microsoft.com/office/drawing/2014/main" id="{6254F217-B724-45F6-8EB5-FE6A4C340295}"/>
+              </a:ext>
+            </a:extLst>
+          </p:cNvPr>
+          <p:cNvPicPr>
+            <a:picLocks noChangeAspect="1"/>
+          </p:cNvPicPr>
+          <p:nvPr/>
+        </p:nvPicPr>
+        <p:blipFill rotWithShape="1">
+          <a:blip r:embed="rId2"/>
+          <a:srcRect t="1303"/>
+          <a:stretch/>
+        </p:blipFill>
+        <p:spPr>
+          <a:xfrm>
+            <a:off x="0" y="0"/>
+            <a:ext cx="12192000" cy="6845391"/>
+          </a:xfrm>
+          <a:prstGeom prst="rect">
+            <a:avLst/>
+          </a:prstGeom>
+        </p:spPr>
+      </p:pic>
+      <p:sp>
+        <p:nvSpPr>
+          <p:cNvPr id="11" name="Title 1">
+            <a:extLst>
+              <a:ext uri="{FF2B5EF4-FFF2-40B4-BE49-F238E27FC236}">
+                <a16:creationId xmlns:a16="http://schemas.microsoft.com/office/drawing/2014/main" id="{B8D24F62-FA71-46BB-89CB-62108221087E}"/>
+              </a:ext>
+            </a:extLst>
+          </p:cNvPr>
+          <p:cNvSpPr txBox="1">
+            <a:spLocks/>
+          </p:cNvSpPr>
+          <p:nvPr/>
+        </p:nvSpPr>
+        <p:spPr>
+          <a:xfrm>
+            <a:off x="2514600" y="2243119"/>
+            <a:ext cx="7086600" cy="1179576"/>
+          </a:xfrm>
+          <a:prstGeom prst="rect">
+            <a:avLst/>
+          </a:prstGeom>
+        </p:spPr>
+        <p:txBody>
+          <a:bodyPr vert="horz" lIns="91440" tIns="45720" rIns="91440" bIns="45720" rtlCol="0" anchor="ctr">
+            <a:normAutofit/>
+          </a:bodyPr>
+          <a:lstStyle>
+            <a:lvl1pPr algn="l" defTabSz="914377" rtl="0" eaLnBrk="1" latinLnBrk="0" hangingPunct="1">
+              <a:lnSpc>
+                <a:spcPct val="90000"/>
+              </a:lnSpc>
+              <a:spcBef>
+                <a:spcPct val="0"/>
+              </a:spcBef>
+              <a:buNone/>
+              <a:defRPr sz="4000" kern="1200">
+                <a:solidFill>
+                  <a:schemeClr val="tx1"/>
+                </a:solidFill>
+                <a:latin typeface="+mj-lt"/>
+                <a:ea typeface="+mj-ea"/>
+                <a:cs typeface="+mj-cs"/>
+              </a:defRPr>
+            </a:lvl1pPr>
+          </a:lstStyle>
+          <a:p>
+            <a:pPr algn="ctr"/>
+            <a:r>
+              <a:rPr lang="en-US" b="1" dirty="0">
+                <a:solidFill>
+                  <a:schemeClr val="bg1"/>
+                </a:solidFill>
+              </a:rPr>
+              <a:t>ETL Process summary</a:t>
+            </a:r>
+          </a:p>
+        </p:txBody>
+      </p:sp>
+    </p:spTree>
+    <p:extLst>
+      <p:ext uri="{BB962C8B-B14F-4D97-AF65-F5344CB8AC3E}">
+        <p14:creationId xmlns:p14="http://schemas.microsoft.com/office/powerpoint/2010/main" val="4238470136"/>
+      </p:ext>
+    </p:extLst>
+  </p:cSld>
+  <p:clrMapOvr>
+    <a:masterClrMapping/>
+  </p:clrMapOvr>
+</p:sld>
+</file>
+
+<file path=ppt/slides/slide11.xml><?xml version="1.0" encoding="utf-8"?>
+<p:sld xmlns:a="http://schemas.openxmlformats.org/drawingml/2006/main" xmlns:r="http://schemas.openxmlformats.org/officeDocument/2006/relationships" xmlns:p="http://schemas.openxmlformats.org/presentationml/2006/main">
+  <p:cSld>
+    <p:spTree>
+      <p:nvGrpSpPr>
+        <p:cNvPr id="1" name=""/>
+        <p:cNvGrpSpPr/>
+        <p:nvPr/>
+      </p:nvGrpSpPr>
+      <p:grpSpPr>
+        <a:xfrm>
+          <a:off x="0" y="0"/>
+          <a:ext cx="0" cy="0"/>
+          <a:chOff x="0" y="0"/>
+          <a:chExt cx="0" cy="0"/>
+        </a:xfrm>
+      </p:grpSpPr>
+      <p:sp>
+        <p:nvSpPr>
+          <p:cNvPr id="2" name="Title 1">
+            <a:extLst>
+              <a:ext uri="{FF2B5EF4-FFF2-40B4-BE49-F238E27FC236}">
+                <a16:creationId xmlns:a16="http://schemas.microsoft.com/office/drawing/2014/main" id="{E59645AC-C5A5-45BB-ADC2-640C656845FE}"/>
+              </a:ext>
+            </a:extLst>
+          </p:cNvPr>
+          <p:cNvSpPr>
+            <a:spLocks noGrp="1"/>
+          </p:cNvSpPr>
+          <p:nvPr>
+            <p:ph type="title"/>
+          </p:nvPr>
+        </p:nvSpPr>
+        <p:spPr/>
+        <p:txBody>
+          <a:bodyPr>
+            <a:normAutofit/>
+          </a:bodyPr>
+          <a:lstStyle/>
+          <a:p>
+            <a:r>
+              <a:rPr lang="en-US" dirty="0"/>
+              <a:t>ETL Process summary</a:t>
+            </a:r>
+          </a:p>
+        </p:txBody>
+      </p:sp>
+      <p:sp>
+        <p:nvSpPr>
+          <p:cNvPr id="3" name="Content Placeholder 2">
+            <a:extLst>
+              <a:ext uri="{FF2B5EF4-FFF2-40B4-BE49-F238E27FC236}">
+                <a16:creationId xmlns:a16="http://schemas.microsoft.com/office/drawing/2014/main" id="{B2A1A1AA-B7AE-4E6E-B4F4-2F24C9C444EF}"/>
+              </a:ext>
+            </a:extLst>
+          </p:cNvPr>
+          <p:cNvSpPr>
+            <a:spLocks noGrp="1"/>
+          </p:cNvSpPr>
+          <p:nvPr>
+            <p:ph idx="1"/>
+          </p:nvPr>
+        </p:nvSpPr>
+        <p:spPr/>
+        <p:txBody>
+          <a:bodyPr/>
+          <a:lstStyle/>
+          <a:p>
+            <a:endParaRPr lang="en-US"/>
+          </a:p>
+        </p:txBody>
+      </p:sp>
+    </p:spTree>
+    <p:extLst>
+      <p:ext uri="{BB962C8B-B14F-4D97-AF65-F5344CB8AC3E}">
+        <p14:creationId xmlns:p14="http://schemas.microsoft.com/office/powerpoint/2010/main" val="359045072"/>
+      </p:ext>
+    </p:extLst>
+  </p:cSld>
+  <p:clrMapOvr>
+    <a:masterClrMapping/>
+  </p:clrMapOvr>
+</p:sld>
+</file>
+
+<file path=ppt/slides/slide12.xml><?xml version="1.0" encoding="utf-8"?>
+<p:sld xmlns:a="http://schemas.openxmlformats.org/drawingml/2006/main" xmlns:r="http://schemas.openxmlformats.org/officeDocument/2006/relationships" xmlns:p="http://schemas.openxmlformats.org/presentationml/2006/main">
+  <p:cSld>
+    <p:spTree>
+      <p:nvGrpSpPr>
+        <p:cNvPr id="1" name=""/>
+        <p:cNvGrpSpPr/>
+        <p:nvPr/>
+      </p:nvGrpSpPr>
+      <p:grpSpPr>
+        <a:xfrm>
+          <a:off x="0" y="0"/>
+          <a:ext cx="0" cy="0"/>
+          <a:chOff x="0" y="0"/>
+          <a:chExt cx="0" cy="0"/>
+        </a:xfrm>
+      </p:grpSpPr>
+      <p:sp>
+        <p:nvSpPr>
+          <p:cNvPr id="2" name="Title 1">
+            <a:extLst>
+              <a:ext uri="{FF2B5EF4-FFF2-40B4-BE49-F238E27FC236}">
+                <a16:creationId xmlns:a16="http://schemas.microsoft.com/office/drawing/2014/main" id="{E59645AC-C5A5-45BB-ADC2-640C656845FE}"/>
+              </a:ext>
+            </a:extLst>
+          </p:cNvPr>
+          <p:cNvSpPr>
+            <a:spLocks noGrp="1"/>
+          </p:cNvSpPr>
+          <p:nvPr>
+            <p:ph type="title"/>
+          </p:nvPr>
+        </p:nvSpPr>
+        <p:spPr/>
+        <p:txBody>
+          <a:bodyPr>
+            <a:normAutofit/>
+          </a:bodyPr>
+          <a:lstStyle/>
+          <a:p>
+            <a:r>
+              <a:rPr lang="en-US" dirty="0"/>
+              <a:t>ETL Process: Extraction</a:t>
+            </a:r>
+          </a:p>
+        </p:txBody>
+      </p:sp>
+      <p:sp>
+        <p:nvSpPr>
+          <p:cNvPr id="3" name="Content Placeholder 2">
+            <a:extLst>
+              <a:ext uri="{FF2B5EF4-FFF2-40B4-BE49-F238E27FC236}">
+                <a16:creationId xmlns:a16="http://schemas.microsoft.com/office/drawing/2014/main" id="{B2A1A1AA-B7AE-4E6E-B4F4-2F24C9C444EF}"/>
+              </a:ext>
+            </a:extLst>
+          </p:cNvPr>
+          <p:cNvSpPr>
+            <a:spLocks noGrp="1"/>
+          </p:cNvSpPr>
+          <p:nvPr>
+            <p:ph idx="1"/>
+          </p:nvPr>
+        </p:nvSpPr>
+        <p:spPr/>
+        <p:txBody>
+          <a:bodyPr/>
+          <a:lstStyle/>
+          <a:p>
+            <a:endParaRPr lang="en-US"/>
+          </a:p>
+        </p:txBody>
+      </p:sp>
+    </p:spTree>
+    <p:extLst>
+      <p:ext uri="{BB962C8B-B14F-4D97-AF65-F5344CB8AC3E}">
+        <p14:creationId xmlns:p14="http://schemas.microsoft.com/office/powerpoint/2010/main" val="1051933970"/>
+      </p:ext>
+    </p:extLst>
+  </p:cSld>
+  <p:clrMapOvr>
+    <a:masterClrMapping/>
+  </p:clrMapOvr>
+</p:sld>
+</file>
+
+<file path=ppt/slides/slide13.xml><?xml version="1.0" encoding="utf-8"?>
+<p:sld xmlns:a="http://schemas.openxmlformats.org/drawingml/2006/main" xmlns:r="http://schemas.openxmlformats.org/officeDocument/2006/relationships" xmlns:p="http://schemas.openxmlformats.org/presentationml/2006/main">
+  <p:cSld>
+    <p:spTree>
+      <p:nvGrpSpPr>
+        <p:cNvPr id="1" name=""/>
+        <p:cNvGrpSpPr/>
+        <p:nvPr/>
+      </p:nvGrpSpPr>
+      <p:grpSpPr>
+        <a:xfrm>
+          <a:off x="0" y="0"/>
+          <a:ext cx="0" cy="0"/>
+          <a:chOff x="0" y="0"/>
+          <a:chExt cx="0" cy="0"/>
+        </a:xfrm>
+      </p:grpSpPr>
+      <p:sp>
+        <p:nvSpPr>
+          <p:cNvPr id="2" name="Title 1">
+            <a:extLst>
+              <a:ext uri="{FF2B5EF4-FFF2-40B4-BE49-F238E27FC236}">
+                <a16:creationId xmlns:a16="http://schemas.microsoft.com/office/drawing/2014/main" id="{E59645AC-C5A5-45BB-ADC2-640C656845FE}"/>
+              </a:ext>
+            </a:extLst>
+          </p:cNvPr>
+          <p:cNvSpPr>
+            <a:spLocks noGrp="1"/>
+          </p:cNvSpPr>
+          <p:nvPr>
+            <p:ph type="title"/>
+          </p:nvPr>
+        </p:nvSpPr>
+        <p:spPr/>
+        <p:txBody>
+          <a:bodyPr>
+            <a:normAutofit/>
+          </a:bodyPr>
+          <a:lstStyle/>
+          <a:p>
+            <a:r>
+              <a:rPr lang="en-US" dirty="0"/>
+              <a:t>ETL Process: Transformation</a:t>
+            </a:r>
+          </a:p>
+        </p:txBody>
+      </p:sp>
+      <p:sp>
+        <p:nvSpPr>
+          <p:cNvPr id="3" name="Content Placeholder 2">
+            <a:extLst>
+              <a:ext uri="{FF2B5EF4-FFF2-40B4-BE49-F238E27FC236}">
+                <a16:creationId xmlns:a16="http://schemas.microsoft.com/office/drawing/2014/main" id="{B2A1A1AA-B7AE-4E6E-B4F4-2F24C9C444EF}"/>
+              </a:ext>
+            </a:extLst>
+          </p:cNvPr>
+          <p:cNvSpPr>
+            <a:spLocks noGrp="1"/>
+          </p:cNvSpPr>
+          <p:nvPr>
+            <p:ph idx="1"/>
+          </p:nvPr>
+        </p:nvSpPr>
+        <p:spPr/>
+        <p:txBody>
+          <a:bodyPr/>
+          <a:lstStyle/>
+          <a:p>
+            <a:endParaRPr lang="en-US"/>
+          </a:p>
+        </p:txBody>
+      </p:sp>
+    </p:spTree>
+    <p:extLst>
+      <p:ext uri="{BB962C8B-B14F-4D97-AF65-F5344CB8AC3E}">
+        <p14:creationId xmlns:p14="http://schemas.microsoft.com/office/powerpoint/2010/main" val="1466166826"/>
+      </p:ext>
+    </p:extLst>
+  </p:cSld>
+  <p:clrMapOvr>
+    <a:masterClrMapping/>
+  </p:clrMapOvr>
+</p:sld>
+</file>
+
+<file path=ppt/slides/slide14.xml><?xml version="1.0" encoding="utf-8"?>
+<p:sld xmlns:a="http://schemas.openxmlformats.org/drawingml/2006/main" xmlns:r="http://schemas.openxmlformats.org/officeDocument/2006/relationships" xmlns:p="http://schemas.openxmlformats.org/presentationml/2006/main">
+  <p:cSld>
+    <p:spTree>
+      <p:nvGrpSpPr>
+        <p:cNvPr id="1" name=""/>
+        <p:cNvGrpSpPr/>
+        <p:nvPr/>
+      </p:nvGrpSpPr>
+      <p:grpSpPr>
+        <a:xfrm>
+          <a:off x="0" y="0"/>
+          <a:ext cx="0" cy="0"/>
+          <a:chOff x="0" y="0"/>
+          <a:chExt cx="0" cy="0"/>
+        </a:xfrm>
+      </p:grpSpPr>
+      <p:sp>
+        <p:nvSpPr>
+          <p:cNvPr id="2" name="Title 1">
+            <a:extLst>
+              <a:ext uri="{FF2B5EF4-FFF2-40B4-BE49-F238E27FC236}">
+                <a16:creationId xmlns:a16="http://schemas.microsoft.com/office/drawing/2014/main" id="{E59645AC-C5A5-45BB-ADC2-640C656845FE}"/>
+              </a:ext>
+            </a:extLst>
+          </p:cNvPr>
+          <p:cNvSpPr>
+            <a:spLocks noGrp="1"/>
+          </p:cNvSpPr>
+          <p:nvPr>
+            <p:ph type="title"/>
+          </p:nvPr>
+        </p:nvSpPr>
+        <p:spPr/>
+        <p:txBody>
+          <a:bodyPr>
+            <a:normAutofit/>
+          </a:bodyPr>
+          <a:lstStyle/>
+          <a:p>
+            <a:r>
+              <a:rPr lang="en-US" dirty="0"/>
+              <a:t>ETL Process: Loading</a:t>
+            </a:r>
+          </a:p>
+        </p:txBody>
+      </p:sp>
+      <p:sp>
+        <p:nvSpPr>
+          <p:cNvPr id="3" name="Content Placeholder 2">
+            <a:extLst>
+              <a:ext uri="{FF2B5EF4-FFF2-40B4-BE49-F238E27FC236}">
+                <a16:creationId xmlns:a16="http://schemas.microsoft.com/office/drawing/2014/main" id="{B2A1A1AA-B7AE-4E6E-B4F4-2F24C9C444EF}"/>
+              </a:ext>
+            </a:extLst>
+          </p:cNvPr>
+          <p:cNvSpPr>
+            <a:spLocks noGrp="1"/>
+          </p:cNvSpPr>
+          <p:nvPr>
+            <p:ph idx="1"/>
+          </p:nvPr>
+        </p:nvSpPr>
+        <p:spPr/>
+        <p:txBody>
+          <a:bodyPr/>
+          <a:lstStyle/>
+          <a:p>
+            <a:endParaRPr lang="en-US"/>
+          </a:p>
+        </p:txBody>
+      </p:sp>
+    </p:spTree>
+    <p:extLst>
+      <p:ext uri="{BB962C8B-B14F-4D97-AF65-F5344CB8AC3E}">
+        <p14:creationId xmlns:p14="http://schemas.microsoft.com/office/powerpoint/2010/main" val="75251494"/>
+      </p:ext>
+    </p:extLst>
+  </p:cSld>
+  <p:clrMapOvr>
+    <a:masterClrMapping/>
+  </p:clrMapOvr>
+</p:sld>
+</file>
+
+<file path=ppt/slides/slide15.xml><?xml version="1.0" encoding="utf-8"?>
+<p:sld xmlns:a="http://schemas.openxmlformats.org/drawingml/2006/main" xmlns:r="http://schemas.openxmlformats.org/officeDocument/2006/relationships" xmlns:p="http://schemas.openxmlformats.org/presentationml/2006/main">
+  <p:cSld>
+    <p:spTree>
+      <p:nvGrpSpPr>
+        <p:cNvPr id="1" name=""/>
+        <p:cNvGrpSpPr/>
+        <p:nvPr/>
+      </p:nvGrpSpPr>
+      <p:grpSpPr>
+        <a:xfrm>
+          <a:off x="0" y="0"/>
+          <a:ext cx="0" cy="0"/>
+          <a:chOff x="0" y="0"/>
+          <a:chExt cx="0" cy="0"/>
+        </a:xfrm>
+      </p:grpSpPr>
+      <p:sp>
+        <p:nvSpPr>
+          <p:cNvPr id="2" name="Title 1">
+            <a:extLst>
+              <a:ext uri="{FF2B5EF4-FFF2-40B4-BE49-F238E27FC236}">
+                <a16:creationId xmlns:a16="http://schemas.microsoft.com/office/drawing/2014/main" id="{D56B9A28-B7E1-4981-ACAB-B88D4869B6BF}"/>
+              </a:ext>
+            </a:extLst>
+          </p:cNvPr>
+          <p:cNvSpPr>
+            <a:spLocks noGrp="1"/>
+          </p:cNvSpPr>
+          <p:nvPr>
+            <p:ph type="title"/>
+          </p:nvPr>
+        </p:nvSpPr>
+        <p:spPr/>
+        <p:txBody>
+          <a:bodyPr/>
+          <a:lstStyle/>
+          <a:p>
+            <a:endParaRPr lang="en-US"/>
+          </a:p>
+        </p:txBody>
+      </p:sp>
+      <p:pic>
+        <p:nvPicPr>
+          <p:cNvPr id="7" name="Picture 6">
+            <a:extLst>
+              <a:ext uri="{FF2B5EF4-FFF2-40B4-BE49-F238E27FC236}">
+                <a16:creationId xmlns:a16="http://schemas.microsoft.com/office/drawing/2014/main" id="{6254F217-B724-45F6-8EB5-FE6A4C340295}"/>
+              </a:ext>
+            </a:extLst>
+          </p:cNvPr>
+          <p:cNvPicPr>
+            <a:picLocks noChangeAspect="1"/>
+          </p:cNvPicPr>
+          <p:nvPr/>
+        </p:nvPicPr>
+        <p:blipFill rotWithShape="1">
+          <a:blip r:embed="rId2"/>
+          <a:srcRect t="1303"/>
+          <a:stretch/>
+        </p:blipFill>
+        <p:spPr>
+          <a:xfrm>
+            <a:off x="0" y="0"/>
+            <a:ext cx="12192000" cy="6845391"/>
+          </a:xfrm>
+          <a:prstGeom prst="rect">
+            <a:avLst/>
+          </a:prstGeom>
+        </p:spPr>
+      </p:pic>
+      <p:sp>
+        <p:nvSpPr>
+          <p:cNvPr id="11" name="Title 1">
+            <a:extLst>
+              <a:ext uri="{FF2B5EF4-FFF2-40B4-BE49-F238E27FC236}">
+                <a16:creationId xmlns:a16="http://schemas.microsoft.com/office/drawing/2014/main" id="{B8D24F62-FA71-46BB-89CB-62108221087E}"/>
+              </a:ext>
+            </a:extLst>
+          </p:cNvPr>
+          <p:cNvSpPr txBox="1">
+            <a:spLocks/>
+          </p:cNvSpPr>
+          <p:nvPr/>
+        </p:nvSpPr>
+        <p:spPr>
+          <a:xfrm>
+            <a:off x="2514600" y="2243119"/>
+            <a:ext cx="7086600" cy="1179576"/>
+          </a:xfrm>
+          <a:prstGeom prst="rect">
+            <a:avLst/>
+          </a:prstGeom>
+        </p:spPr>
+        <p:txBody>
+          <a:bodyPr vert="horz" lIns="91440" tIns="45720" rIns="91440" bIns="45720" rtlCol="0" anchor="ctr">
+            <a:normAutofit/>
+          </a:bodyPr>
+          <a:lstStyle>
+            <a:lvl1pPr algn="l" defTabSz="914377" rtl="0" eaLnBrk="1" latinLnBrk="0" hangingPunct="1">
+              <a:lnSpc>
+                <a:spcPct val="90000"/>
+              </a:lnSpc>
+              <a:spcBef>
+                <a:spcPct val="0"/>
+              </a:spcBef>
+              <a:buNone/>
+              <a:defRPr sz="4000" kern="1200">
+                <a:solidFill>
+                  <a:schemeClr val="tx1"/>
+                </a:solidFill>
+                <a:latin typeface="+mj-lt"/>
+                <a:ea typeface="+mj-ea"/>
+                <a:cs typeface="+mj-cs"/>
+              </a:defRPr>
+            </a:lvl1pPr>
+          </a:lstStyle>
+          <a:p>
+            <a:pPr algn="ctr"/>
+            <a:r>
+              <a:rPr lang="en-US" b="1" dirty="0">
+                <a:solidFill>
+                  <a:schemeClr val="bg1"/>
+                </a:solidFill>
+              </a:rPr>
+              <a:t>Analysis and Findings</a:t>
+            </a:r>
+          </a:p>
+        </p:txBody>
+      </p:sp>
+    </p:spTree>
+    <p:extLst>
+      <p:ext uri="{BB962C8B-B14F-4D97-AF65-F5344CB8AC3E}">
+        <p14:creationId xmlns:p14="http://schemas.microsoft.com/office/powerpoint/2010/main" val="3118550205"/>
+      </p:ext>
+    </p:extLst>
+  </p:cSld>
+  <p:clrMapOvr>
+    <a:masterClrMapping/>
+  </p:clrMapOvr>
+</p:sld>
+</file>
+
+<file path=ppt/slides/slide16.xml><?xml version="1.0" encoding="utf-8"?>
+<p:sld xmlns:a="http://schemas.openxmlformats.org/drawingml/2006/main" xmlns:r="http://schemas.openxmlformats.org/officeDocument/2006/relationships" xmlns:p="http://schemas.openxmlformats.org/presentationml/2006/main">
+  <p:cSld>
+    <p:spTree>
+      <p:nvGrpSpPr>
+        <p:cNvPr id="1" name=""/>
+        <p:cNvGrpSpPr/>
+        <p:nvPr/>
+      </p:nvGrpSpPr>
+      <p:grpSpPr>
+        <a:xfrm>
+          <a:off x="0" y="0"/>
+          <a:ext cx="0" cy="0"/>
+          <a:chOff x="0" y="0"/>
+          <a:chExt cx="0" cy="0"/>
+        </a:xfrm>
+      </p:grpSpPr>
+      <p:sp>
+        <p:nvSpPr>
+          <p:cNvPr id="2" name="Title 1">
+            <a:extLst>
+              <a:ext uri="{FF2B5EF4-FFF2-40B4-BE49-F238E27FC236}">
+                <a16:creationId xmlns:a16="http://schemas.microsoft.com/office/drawing/2014/main" id="{E59645AC-C5A5-45BB-ADC2-640C656845FE}"/>
+              </a:ext>
+            </a:extLst>
+          </p:cNvPr>
+          <p:cNvSpPr>
+            <a:spLocks noGrp="1"/>
+          </p:cNvSpPr>
+          <p:nvPr>
+            <p:ph type="title"/>
+          </p:nvPr>
+        </p:nvSpPr>
+        <p:spPr/>
+        <p:txBody>
+          <a:bodyPr>
+            <a:normAutofit/>
+          </a:bodyPr>
+          <a:lstStyle/>
+          <a:p>
+            <a:r>
+              <a:rPr lang="en-US" dirty="0"/>
+              <a:t>Analysis and findings</a:t>
+            </a:r>
+          </a:p>
+        </p:txBody>
+      </p:sp>
+      <p:sp>
+        <p:nvSpPr>
+          <p:cNvPr id="3" name="Content Placeholder 2">
+            <a:extLst>
+              <a:ext uri="{FF2B5EF4-FFF2-40B4-BE49-F238E27FC236}">
+                <a16:creationId xmlns:a16="http://schemas.microsoft.com/office/drawing/2014/main" id="{B2A1A1AA-B7AE-4E6E-B4F4-2F24C9C444EF}"/>
+              </a:ext>
+            </a:extLst>
+          </p:cNvPr>
+          <p:cNvSpPr>
+            <a:spLocks noGrp="1"/>
+          </p:cNvSpPr>
+          <p:nvPr>
+            <p:ph idx="1"/>
+          </p:nvPr>
+        </p:nvSpPr>
+        <p:spPr/>
+        <p:txBody>
+          <a:bodyPr/>
+          <a:lstStyle/>
+          <a:p>
+            <a:endParaRPr lang="en-US"/>
+          </a:p>
+        </p:txBody>
+      </p:sp>
+    </p:spTree>
+    <p:extLst>
+      <p:ext uri="{BB962C8B-B14F-4D97-AF65-F5344CB8AC3E}">
+        <p14:creationId xmlns:p14="http://schemas.microsoft.com/office/powerpoint/2010/main" val="1974837557"/>
+      </p:ext>
+    </p:extLst>
+  </p:cSld>
+  <p:clrMapOvr>
+    <a:masterClrMapping/>
+  </p:clrMapOvr>
+</p:sld>
+</file>
+
+<file path=ppt/slides/slide17.xml><?xml version="1.0" encoding="utf-8"?>
+<p:sld xmlns:a="http://schemas.openxmlformats.org/drawingml/2006/main" xmlns:r="http://schemas.openxmlformats.org/officeDocument/2006/relationships" xmlns:p="http://schemas.openxmlformats.org/presentationml/2006/main">
+  <p:cSld>
+    <p:spTree>
+      <p:nvGrpSpPr>
+        <p:cNvPr id="1" name=""/>
+        <p:cNvGrpSpPr/>
+        <p:nvPr/>
+      </p:nvGrpSpPr>
+      <p:grpSpPr>
+        <a:xfrm>
+          <a:off x="0" y="0"/>
+          <a:ext cx="0" cy="0"/>
+          <a:chOff x="0" y="0"/>
+          <a:chExt cx="0" cy="0"/>
+        </a:xfrm>
+      </p:grpSpPr>
+      <p:sp>
+        <p:nvSpPr>
+          <p:cNvPr id="2" name="Title 1">
+            <a:extLst>
+              <a:ext uri="{FF2B5EF4-FFF2-40B4-BE49-F238E27FC236}">
+                <a16:creationId xmlns:a16="http://schemas.microsoft.com/office/drawing/2014/main" id="{D56B9A28-B7E1-4981-ACAB-B88D4869B6BF}"/>
+              </a:ext>
+            </a:extLst>
+          </p:cNvPr>
+          <p:cNvSpPr>
+            <a:spLocks noGrp="1"/>
+          </p:cNvSpPr>
+          <p:nvPr>
+            <p:ph type="title"/>
+          </p:nvPr>
+        </p:nvSpPr>
+        <p:spPr/>
+        <p:txBody>
+          <a:bodyPr/>
+          <a:lstStyle/>
+          <a:p>
+            <a:endParaRPr lang="en-US"/>
+          </a:p>
+        </p:txBody>
+      </p:sp>
+      <p:pic>
+        <p:nvPicPr>
+          <p:cNvPr id="7" name="Picture 6">
+            <a:extLst>
+              <a:ext uri="{FF2B5EF4-FFF2-40B4-BE49-F238E27FC236}">
+                <a16:creationId xmlns:a16="http://schemas.microsoft.com/office/drawing/2014/main" id="{6254F217-B724-45F6-8EB5-FE6A4C340295}"/>
+              </a:ext>
+            </a:extLst>
+          </p:cNvPr>
+          <p:cNvPicPr>
+            <a:picLocks noChangeAspect="1"/>
+          </p:cNvPicPr>
+          <p:nvPr/>
+        </p:nvPicPr>
+        <p:blipFill rotWithShape="1">
+          <a:blip r:embed="rId2"/>
+          <a:srcRect t="1303"/>
+          <a:stretch/>
+        </p:blipFill>
+        <p:spPr>
+          <a:xfrm>
+            <a:off x="0" y="0"/>
+            <a:ext cx="12192000" cy="6845391"/>
+          </a:xfrm>
+          <a:prstGeom prst="rect">
+            <a:avLst/>
+          </a:prstGeom>
+        </p:spPr>
+      </p:pic>
+      <p:sp>
+        <p:nvSpPr>
+          <p:cNvPr id="11" name="Title 1">
+            <a:extLst>
+              <a:ext uri="{FF2B5EF4-FFF2-40B4-BE49-F238E27FC236}">
+                <a16:creationId xmlns:a16="http://schemas.microsoft.com/office/drawing/2014/main" id="{B8D24F62-FA71-46BB-89CB-62108221087E}"/>
+              </a:ext>
+            </a:extLst>
+          </p:cNvPr>
+          <p:cNvSpPr txBox="1">
+            <a:spLocks/>
+          </p:cNvSpPr>
+          <p:nvPr/>
+        </p:nvSpPr>
+        <p:spPr>
+          <a:xfrm>
+            <a:off x="2514600" y="2243119"/>
+            <a:ext cx="7086600" cy="1179576"/>
+          </a:xfrm>
+          <a:prstGeom prst="rect">
+            <a:avLst/>
+          </a:prstGeom>
+        </p:spPr>
+        <p:txBody>
+          <a:bodyPr vert="horz" lIns="91440" tIns="45720" rIns="91440" bIns="45720" rtlCol="0" anchor="ctr">
+            <a:normAutofit/>
+          </a:bodyPr>
+          <a:lstStyle>
+            <a:lvl1pPr algn="l" defTabSz="914377" rtl="0" eaLnBrk="1" latinLnBrk="0" hangingPunct="1">
+              <a:lnSpc>
+                <a:spcPct val="90000"/>
+              </a:lnSpc>
+              <a:spcBef>
+                <a:spcPct val="0"/>
+              </a:spcBef>
+              <a:buNone/>
+              <a:defRPr sz="4000" kern="1200">
+                <a:solidFill>
+                  <a:schemeClr val="tx1"/>
+                </a:solidFill>
+                <a:latin typeface="+mj-lt"/>
+                <a:ea typeface="+mj-ea"/>
+                <a:cs typeface="+mj-cs"/>
+              </a:defRPr>
+            </a:lvl1pPr>
+          </a:lstStyle>
+          <a:p>
+            <a:pPr algn="ctr"/>
+            <a:r>
+              <a:rPr lang="en-US" b="1" dirty="0">
+                <a:solidFill>
+                  <a:schemeClr val="bg1"/>
+                </a:solidFill>
+              </a:rPr>
+              <a:t>Conclusion and Limitations</a:t>
+            </a:r>
+          </a:p>
+        </p:txBody>
+      </p:sp>
+    </p:spTree>
+    <p:extLst>
+      <p:ext uri="{BB962C8B-B14F-4D97-AF65-F5344CB8AC3E}">
+        <p14:creationId xmlns:p14="http://schemas.microsoft.com/office/powerpoint/2010/main" val="4278219059"/>
+      </p:ext>
+    </p:extLst>
+  </p:cSld>
+  <p:clrMapOvr>
+    <a:masterClrMapping/>
+  </p:clrMapOvr>
+</p:sld>
+</file>
+
+<file path=ppt/slides/slide18.xml><?xml version="1.0" encoding="utf-8"?>
+<p:sld xmlns:a="http://schemas.openxmlformats.org/drawingml/2006/main" xmlns:r="http://schemas.openxmlformats.org/officeDocument/2006/relationships" xmlns:p="http://schemas.openxmlformats.org/presentationml/2006/main">
+  <p:cSld>
+    <p:spTree>
+      <p:nvGrpSpPr>
+        <p:cNvPr id="1" name=""/>
+        <p:cNvGrpSpPr/>
+        <p:nvPr/>
+      </p:nvGrpSpPr>
+      <p:grpSpPr>
+        <a:xfrm>
+          <a:off x="0" y="0"/>
+          <a:ext cx="0" cy="0"/>
+          <a:chOff x="0" y="0"/>
+          <a:chExt cx="0" cy="0"/>
+        </a:xfrm>
+      </p:grpSpPr>
+      <p:sp>
+        <p:nvSpPr>
+          <p:cNvPr id="2" name="Title 1">
+            <a:extLst>
+              <a:ext uri="{FF2B5EF4-FFF2-40B4-BE49-F238E27FC236}">
+                <a16:creationId xmlns:a16="http://schemas.microsoft.com/office/drawing/2014/main" id="{E59645AC-C5A5-45BB-ADC2-640C656845FE}"/>
+              </a:ext>
+            </a:extLst>
+          </p:cNvPr>
+          <p:cNvSpPr>
+            <a:spLocks noGrp="1"/>
+          </p:cNvSpPr>
+          <p:nvPr>
+            <p:ph type="title"/>
+          </p:nvPr>
+        </p:nvSpPr>
+        <p:spPr/>
+        <p:txBody>
+          <a:bodyPr>
+            <a:normAutofit/>
+          </a:bodyPr>
+          <a:lstStyle/>
+          <a:p>
+            <a:r>
+              <a:rPr lang="en-US" dirty="0"/>
+              <a:t>Conclusion and Limitations</a:t>
+            </a:r>
+          </a:p>
+        </p:txBody>
+      </p:sp>
+      <p:sp>
+        <p:nvSpPr>
+          <p:cNvPr id="3" name="Content Placeholder 2">
+            <a:extLst>
+              <a:ext uri="{FF2B5EF4-FFF2-40B4-BE49-F238E27FC236}">
+                <a16:creationId xmlns:a16="http://schemas.microsoft.com/office/drawing/2014/main" id="{B2A1A1AA-B7AE-4E6E-B4F4-2F24C9C444EF}"/>
+              </a:ext>
+            </a:extLst>
+          </p:cNvPr>
+          <p:cNvSpPr>
+            <a:spLocks noGrp="1"/>
+          </p:cNvSpPr>
+          <p:nvPr>
+            <p:ph idx="1"/>
+          </p:nvPr>
+        </p:nvSpPr>
+        <p:spPr/>
+        <p:txBody>
+          <a:bodyPr/>
+          <a:lstStyle/>
+          <a:p>
+            <a:endParaRPr lang="en-US"/>
+          </a:p>
+        </p:txBody>
+      </p:sp>
+    </p:spTree>
+    <p:extLst>
+      <p:ext uri="{BB962C8B-B14F-4D97-AF65-F5344CB8AC3E}">
+        <p14:creationId xmlns:p14="http://schemas.microsoft.com/office/powerpoint/2010/main" val="3501400038"/>
+      </p:ext>
+    </p:extLst>
+  </p:cSld>
+  <p:clrMapOvr>
+    <a:masterClrMapping/>
+  </p:clrMapOvr>
+</p:sld>
+</file>
+
+<file path=ppt/slides/slide19.xml><?xml version="1.0" encoding="utf-8"?>
+<p:sld xmlns:a="http://schemas.openxmlformats.org/drawingml/2006/main" xmlns:r="http://schemas.openxmlformats.org/officeDocument/2006/relationships" xmlns:p="http://schemas.openxmlformats.org/presentationml/2006/main">
+  <p:cSld>
+    <p:bg>
+      <p:bgPr>
+        <a:solidFill>
+          <a:schemeClr val="bg1"/>
+        </a:solidFill>
+        <a:effectLst/>
+      </p:bgPr>
+    </p:bg>
+    <p:spTree>
+      <p:nvGrpSpPr>
+        <p:cNvPr id="1" name=""/>
+        <p:cNvGrpSpPr/>
+        <p:nvPr/>
+      </p:nvGrpSpPr>
+      <p:grpSpPr>
+        <a:xfrm>
+          <a:off x="0" y="0"/>
+          <a:ext cx="0" cy="0"/>
+          <a:chOff x="0" y="0"/>
+          <a:chExt cx="0" cy="0"/>
+        </a:xfrm>
+      </p:grpSpPr>
+      <p:sp>
+        <p:nvSpPr>
+          <p:cNvPr id="4" name="Title 3">
+            <a:extLst>
+              <a:ext uri="{FF2B5EF4-FFF2-40B4-BE49-F238E27FC236}">
+                <a16:creationId xmlns:a16="http://schemas.microsoft.com/office/drawing/2014/main" id="{B70FC1B0-9895-4D32-A3F9-4D77099FCD9C}"/>
+              </a:ext>
+            </a:extLst>
+          </p:cNvPr>
+          <p:cNvSpPr>
+            <a:spLocks noGrp="1"/>
+          </p:cNvSpPr>
+          <p:nvPr>
+            <p:ph type="ctrTitle"/>
+          </p:nvPr>
+        </p:nvSpPr>
+        <p:spPr>
+          <a:xfrm>
+            <a:off x="1524003" y="1999615"/>
+            <a:ext cx="9144000" cy="2764028"/>
+          </a:xfrm>
+        </p:spPr>
+        <p:txBody>
+          <a:bodyPr anchor="ctr">
+            <a:normAutofit/>
+          </a:bodyPr>
+          <a:lstStyle/>
+          <a:p>
+            <a:pPr algn="ctr"/>
+            <a:endParaRPr lang="en-US" sz="7200"/>
+          </a:p>
+        </p:txBody>
+      </p:sp>
+      <p:sp>
+        <p:nvSpPr>
+          <p:cNvPr id="5" name="Subtitle 4">
+            <a:extLst>
+              <a:ext uri="{FF2B5EF4-FFF2-40B4-BE49-F238E27FC236}">
+                <a16:creationId xmlns:a16="http://schemas.microsoft.com/office/drawing/2014/main" id="{6EE0101E-7B3D-471D-B19F-C3A60941CDB6}"/>
+              </a:ext>
+            </a:extLst>
+          </p:cNvPr>
+          <p:cNvSpPr>
+            <a:spLocks noGrp="1"/>
+          </p:cNvSpPr>
+          <p:nvPr>
+            <p:ph type="subTitle" idx="1"/>
+          </p:nvPr>
+        </p:nvSpPr>
+        <p:spPr>
+          <a:xfrm>
+            <a:off x="1966912" y="5645150"/>
+            <a:ext cx="8258176" cy="631825"/>
+          </a:xfrm>
+        </p:spPr>
+        <p:txBody>
+          <a:bodyPr anchor="ctr">
+            <a:normAutofit/>
+          </a:bodyPr>
+          <a:lstStyle/>
+          <a:p>
+            <a:pPr algn="ctr"/>
+            <a:endParaRPr lang="en-US" dirty="0"/>
+          </a:p>
+        </p:txBody>
+      </p:sp>
+      <p:pic>
+        <p:nvPicPr>
+          <p:cNvPr id="7" name="Picture 6" descr="A close up of a coral&#10;&#10;Description automatically generated">
+            <a:extLst>
+              <a:ext uri="{FF2B5EF4-FFF2-40B4-BE49-F238E27FC236}">
+                <a16:creationId xmlns:a16="http://schemas.microsoft.com/office/drawing/2014/main" id="{5FC2D07D-3DFF-4FC4-8199-358851716E5B}"/>
+              </a:ext>
+            </a:extLst>
+          </p:cNvPr>
+          <p:cNvPicPr>
+            <a:picLocks noChangeAspect="1"/>
+          </p:cNvPicPr>
+          <p:nvPr/>
+        </p:nvPicPr>
+        <p:blipFill rotWithShape="1">
+          <a:blip r:embed="rId2">
+            <a:extLst>
+              <a:ext uri="{28A0092B-C50C-407E-A947-70E740481C1C}">
+                <a14:useLocalDpi xmlns:a14="http://schemas.microsoft.com/office/drawing/2010/main" val="0"/>
+              </a:ext>
+            </a:extLst>
+          </a:blip>
+          <a:srcRect l="11932"/>
+          <a:stretch/>
+        </p:blipFill>
+        <p:spPr>
+          <a:xfrm>
+            <a:off x="-18107" y="0"/>
+            <a:ext cx="12192001" cy="6858000"/>
+          </a:xfrm>
+          <a:prstGeom prst="rect">
+            <a:avLst/>
+          </a:prstGeom>
+        </p:spPr>
+      </p:pic>
+      <p:sp>
+        <p:nvSpPr>
+          <p:cNvPr id="6" name="Rectangle 5">
+            <a:extLst>
+              <a:ext uri="{FF2B5EF4-FFF2-40B4-BE49-F238E27FC236}">
+                <a16:creationId xmlns:a16="http://schemas.microsoft.com/office/drawing/2014/main" id="{51DF936A-F3E2-4542-8A52-2B0F2774919B}"/>
+              </a:ext>
+            </a:extLst>
+          </p:cNvPr>
+          <p:cNvSpPr/>
+          <p:nvPr/>
+        </p:nvSpPr>
+        <p:spPr>
+          <a:xfrm>
+            <a:off x="0" y="0"/>
+            <a:ext cx="12192000" cy="6858000"/>
+          </a:xfrm>
+          <a:prstGeom prst="rect">
+            <a:avLst/>
+          </a:prstGeom>
+          <a:gradFill flip="none" rotWithShape="1">
+            <a:gsLst>
+              <a:gs pos="0">
+                <a:schemeClr val="tx1"/>
+              </a:gs>
+              <a:gs pos="32000">
+                <a:srgbClr val="000000"/>
+              </a:gs>
+              <a:gs pos="71000">
+                <a:schemeClr val="tx1">
+                  <a:alpha val="50000"/>
+                </a:schemeClr>
+              </a:gs>
+              <a:gs pos="100000">
+                <a:schemeClr val="bg1">
+                  <a:alpha val="0"/>
+                </a:schemeClr>
+              </a:gs>
+            </a:gsLst>
+            <a:lin ang="0" scaled="1"/>
+            <a:tileRect/>
+          </a:gradFill>
+          <a:ln>
+            <a:noFill/>
+          </a:ln>
+        </p:spPr>
+        <p:style>
+          <a:lnRef idx="2">
+            <a:schemeClr val="accent1">
+              <a:shade val="50000"/>
+            </a:schemeClr>
+          </a:lnRef>
+          <a:fillRef idx="1">
+            <a:schemeClr val="accent1"/>
+          </a:fillRef>
+          <a:effectRef idx="0">
+            <a:schemeClr val="accent1"/>
+          </a:effectRef>
+          <a:fontRef idx="minor">
+            <a:schemeClr val="lt1"/>
+          </a:fontRef>
+        </p:style>
+        <p:txBody>
+          <a:bodyPr rtlCol="0" anchor="ctr"/>
+          <a:lstStyle/>
+          <a:p>
+            <a:pPr algn="ctr"/>
+            <a:endParaRPr lang="en-US"/>
+          </a:p>
+        </p:txBody>
+      </p:sp>
+      <p:sp>
+        <p:nvSpPr>
+          <p:cNvPr id="8" name="Title 1">
+            <a:extLst>
+              <a:ext uri="{FF2B5EF4-FFF2-40B4-BE49-F238E27FC236}">
+                <a16:creationId xmlns:a16="http://schemas.microsoft.com/office/drawing/2014/main" id="{A7BBDAE4-0781-42A6-8E7F-26A7EBC6345A}"/>
+              </a:ext>
+            </a:extLst>
+          </p:cNvPr>
+          <p:cNvSpPr txBox="1">
+            <a:spLocks/>
+          </p:cNvSpPr>
+          <p:nvPr/>
+        </p:nvSpPr>
+        <p:spPr>
+          <a:xfrm>
+            <a:off x="643468" y="1470212"/>
+            <a:ext cx="4666470" cy="3926980"/>
+          </a:xfrm>
+          <a:prstGeom prst="rect">
+            <a:avLst/>
+          </a:prstGeom>
+        </p:spPr>
+        <p:txBody>
+          <a:bodyPr vert="horz" lIns="91440" tIns="45720" rIns="91440" bIns="45720" rtlCol="0" anchor="ctr">
+            <a:normAutofit/>
+          </a:bodyPr>
+          <a:lstStyle>
+            <a:lvl1pPr algn="l" defTabSz="914377" rtl="0" eaLnBrk="1" latinLnBrk="0" hangingPunct="1">
+              <a:lnSpc>
+                <a:spcPct val="90000"/>
+              </a:lnSpc>
+              <a:spcBef>
+                <a:spcPct val="0"/>
+              </a:spcBef>
+              <a:buNone/>
+              <a:defRPr sz="8000" kern="1200">
+                <a:solidFill>
+                  <a:schemeClr val="tx1"/>
+                </a:solidFill>
+                <a:latin typeface="+mj-lt"/>
+                <a:ea typeface="+mj-ea"/>
+                <a:cs typeface="+mj-cs"/>
+              </a:defRPr>
+            </a:lvl1pPr>
+          </a:lstStyle>
+          <a:p>
+            <a:r>
+              <a:rPr lang="en-US" sz="4800" b="1" dirty="0">
+                <a:solidFill>
+                  <a:schemeClr val="bg1"/>
+                </a:solidFill>
+              </a:rPr>
+              <a:t>Thank you!</a:t>
+            </a:r>
+          </a:p>
+        </p:txBody>
+      </p:sp>
+    </p:spTree>
+    <p:extLst>
+      <p:ext uri="{BB962C8B-B14F-4D97-AF65-F5344CB8AC3E}">
+        <p14:creationId xmlns:p14="http://schemas.microsoft.com/office/powerpoint/2010/main" val="3358504688"/>
+      </p:ext>
+    </p:extLst>
+  </p:cSld>
+  <p:clrMapOvr>
+    <a:masterClrMapping/>
+  </p:clrMapOvr>
+</p:sld>
+</file>
+
+<file path=ppt/slides/slide2.xml><?xml version="1.0" encoding="utf-8"?>
+<p:sld xmlns:a="http://schemas.openxmlformats.org/drawingml/2006/main" xmlns:r="http://schemas.openxmlformats.org/officeDocument/2006/relationships" xmlns:p="http://schemas.openxmlformats.org/presentationml/2006/main">
+  <p:cSld>
+    <p:spTree>
+      <p:nvGrpSpPr>
+        <p:cNvPr id="1" name=""/>
+        <p:cNvGrpSpPr/>
+        <p:nvPr/>
+      </p:nvGrpSpPr>
+      <p:grpSpPr>
+        <a:xfrm>
+          <a:off x="0" y="0"/>
+          <a:ext cx="0" cy="0"/>
+          <a:chOff x="0" y="0"/>
+          <a:chExt cx="0" cy="0"/>
+        </a:xfrm>
+      </p:grpSpPr>
+      <p:sp>
+        <p:nvSpPr>
+          <p:cNvPr id="2" name="Title 1">
+            <a:extLst>
+              <a:ext uri="{FF2B5EF4-FFF2-40B4-BE49-F238E27FC236}">
+                <a16:creationId xmlns:a16="http://schemas.microsoft.com/office/drawing/2014/main" id="{79625FC5-4B5E-4F9F-83FC-40D5F864275A}"/>
+              </a:ext>
+            </a:extLst>
+          </p:cNvPr>
+          <p:cNvSpPr>
+            <a:spLocks noGrp="1"/>
+          </p:cNvSpPr>
+          <p:nvPr>
+            <p:ph type="title"/>
+          </p:nvPr>
+        </p:nvSpPr>
+        <p:spPr/>
+        <p:txBody>
+          <a:bodyPr/>
+          <a:lstStyle/>
+          <a:p>
+            <a:endParaRPr lang="en-US"/>
+          </a:p>
+        </p:txBody>
+      </p:sp>
+      <p:pic>
+        <p:nvPicPr>
+          <p:cNvPr id="5" name="Content Placeholder 4" descr="A picture containing sky&#10;&#10;Description automatically generated">
+            <a:extLst>
+              <a:ext uri="{FF2B5EF4-FFF2-40B4-BE49-F238E27FC236}">
+                <a16:creationId xmlns:a16="http://schemas.microsoft.com/office/drawing/2014/main" id="{6985E553-5666-4A88-9A11-7060AA40CBE6}"/>
+              </a:ext>
+            </a:extLst>
+          </p:cNvPr>
+          <p:cNvPicPr>
+            <a:picLocks noGrp="1" noChangeAspect="1"/>
+          </p:cNvPicPr>
+          <p:nvPr>
+            <p:ph idx="1"/>
+          </p:nvPr>
+        </p:nvPicPr>
+        <p:blipFill>
+          <a:blip r:embed="rId2">
+            <a:extLst>
+              <a:ext uri="{28A0092B-C50C-407E-A947-70E740481C1C}">
+                <a14:useLocalDpi xmlns:a14="http://schemas.microsoft.com/office/drawing/2010/main" val="0"/>
+              </a:ext>
+            </a:extLst>
+          </a:blip>
+          <a:stretch>
+            <a:fillRect/>
+          </a:stretch>
+        </p:blipFill>
+        <p:spPr>
+          <a:xfrm>
+            <a:off x="0" y="-1"/>
+            <a:ext cx="12132526" cy="6858001"/>
+          </a:xfrm>
+        </p:spPr>
+      </p:pic>
+      <p:sp>
+        <p:nvSpPr>
+          <p:cNvPr id="4" name="Rectangle 3">
+            <a:extLst>
+              <a:ext uri="{FF2B5EF4-FFF2-40B4-BE49-F238E27FC236}">
+                <a16:creationId xmlns:a16="http://schemas.microsoft.com/office/drawing/2014/main" id="{50A3FAF6-BCA0-40BE-B1C3-0C94C2775E6D}"/>
+              </a:ext>
+            </a:extLst>
+          </p:cNvPr>
+          <p:cNvSpPr/>
+          <p:nvPr/>
+        </p:nvSpPr>
+        <p:spPr>
+          <a:xfrm>
+            <a:off x="0" y="2300748"/>
+            <a:ext cx="12192000" cy="2349910"/>
+          </a:xfrm>
+          <a:prstGeom prst="rect">
+            <a:avLst/>
+          </a:prstGeom>
+          <a:solidFill>
+            <a:srgbClr val="000000">
+              <a:alpha val="74902"/>
+            </a:srgbClr>
+          </a:solidFill>
+          <a:ln>
+            <a:noFill/>
+          </a:ln>
+        </p:spPr>
+        <p:style>
+          <a:lnRef idx="2">
+            <a:schemeClr val="accent1">
+              <a:shade val="50000"/>
+            </a:schemeClr>
+          </a:lnRef>
+          <a:fillRef idx="1">
+            <a:schemeClr val="accent1"/>
+          </a:fillRef>
+          <a:effectRef idx="0">
+            <a:schemeClr val="accent1"/>
+          </a:effectRef>
+          <a:fontRef idx="minor">
+            <a:schemeClr val="lt1"/>
+          </a:fontRef>
+        </p:style>
+        <p:txBody>
+          <a:bodyPr rtlCol="0" anchor="ctr"/>
+          <a:lstStyle/>
+          <a:p>
+            <a:pPr algn="ctr"/>
+            <a:r>
+              <a:rPr lang="en-US" sz="5400" dirty="0"/>
+              <a:t>Tracking the COVID19 Outbreak</a:t>
+            </a:r>
+          </a:p>
+          <a:p>
+            <a:pPr algn="ctr"/>
+            <a:r>
+              <a:rPr lang="en-US" sz="2400"/>
+              <a:t>ETL Project Report By: </a:t>
+            </a:r>
+            <a:r>
+              <a:rPr lang="en-US" sz="2400" dirty="0"/>
+              <a:t>Prajakta </a:t>
+            </a:r>
+            <a:r>
+              <a:rPr lang="en-US" sz="2400" dirty="0" err="1"/>
+              <a:t>Galvankar</a:t>
+            </a:r>
+            <a:r>
+              <a:rPr lang="en-US" sz="2400" dirty="0"/>
+              <a:t> &amp; </a:t>
+            </a:r>
+            <a:r>
+              <a:rPr lang="en-US" sz="2400" dirty="0" err="1"/>
+              <a:t>Lujane</a:t>
+            </a:r>
+            <a:r>
+              <a:rPr lang="en-US" sz="2400" dirty="0"/>
+              <a:t> </a:t>
+            </a:r>
+            <a:r>
+              <a:rPr lang="en-US" sz="2400" dirty="0" err="1"/>
+              <a:t>Abdelgadir</a:t>
+            </a:r>
+            <a:endParaRPr lang="en-US" sz="2400" dirty="0"/>
+          </a:p>
+        </p:txBody>
+      </p:sp>
+    </p:spTree>
+    <p:extLst>
+      <p:ext uri="{BB962C8B-B14F-4D97-AF65-F5344CB8AC3E}">
+        <p14:creationId xmlns:p14="http://schemas.microsoft.com/office/powerpoint/2010/main" val="1840843981"/>
+      </p:ext>
+    </p:extLst>
+  </p:cSld>
+  <p:clrMapOvr>
+    <a:masterClrMapping/>
+  </p:clrMapOvr>
+</p:sld>
+</file>
+
+<file path=ppt/slides/slide3.xml><?xml version="1.0" encoding="utf-8"?>
+<p:sld xmlns:a="http://schemas.openxmlformats.org/drawingml/2006/main" xmlns:r="http://schemas.openxmlformats.org/officeDocument/2006/relationships" xmlns:p="http://schemas.openxmlformats.org/presentationml/2006/main">
+  <p:cSld>
+    <p:spTree>
+      <p:nvGrpSpPr>
+        <p:cNvPr id="1" name=""/>
+        <p:cNvGrpSpPr/>
+        <p:nvPr/>
+      </p:nvGrpSpPr>
+      <p:grpSpPr>
+        <a:xfrm>
+          <a:off x="0" y="0"/>
+          <a:ext cx="0" cy="0"/>
+          <a:chOff x="0" y="0"/>
+          <a:chExt cx="0" cy="0"/>
+        </a:xfrm>
+      </p:grpSpPr>
+      <p:sp>
+        <p:nvSpPr>
+          <p:cNvPr id="2" name="Title 1">
+            <a:extLst>
+              <a:ext uri="{FF2B5EF4-FFF2-40B4-BE49-F238E27FC236}">
+                <a16:creationId xmlns:a16="http://schemas.microsoft.com/office/drawing/2014/main" id="{08B7A197-BD8B-4EB3-BC0C-3AD5BF5DA8B5}"/>
+              </a:ext>
+            </a:extLst>
+          </p:cNvPr>
+          <p:cNvSpPr>
+            <a:spLocks noGrp="1"/>
+          </p:cNvSpPr>
+          <p:nvPr>
+            <p:ph type="title"/>
+          </p:nvPr>
+        </p:nvSpPr>
+        <p:spPr/>
+        <p:txBody>
+          <a:bodyPr/>
+          <a:lstStyle/>
+          <a:p>
+            <a:endParaRPr lang="en-US"/>
+          </a:p>
+        </p:txBody>
+      </p:sp>
+      <p:pic>
+        <p:nvPicPr>
+          <p:cNvPr id="5" name="Content Placeholder 4" descr="A picture containing animal&#10;&#10;Description automatically generated">
+            <a:extLst>
+              <a:ext uri="{FF2B5EF4-FFF2-40B4-BE49-F238E27FC236}">
+                <a16:creationId xmlns:a16="http://schemas.microsoft.com/office/drawing/2014/main" id="{0FCD7217-5EC0-4CA7-97DB-8E02173E305D}"/>
+              </a:ext>
+            </a:extLst>
+          </p:cNvPr>
+          <p:cNvPicPr>
+            <a:picLocks noGrp="1" noChangeAspect="1"/>
+          </p:cNvPicPr>
+          <p:nvPr>
+            <p:ph idx="1"/>
+          </p:nvPr>
+        </p:nvPicPr>
+        <p:blipFill>
+          <a:blip r:embed="rId2">
+            <a:extLst>
+              <a:ext uri="{28A0092B-C50C-407E-A947-70E740481C1C}">
+                <a14:useLocalDpi xmlns:a14="http://schemas.microsoft.com/office/drawing/2010/main" val="0"/>
+              </a:ext>
+            </a:extLst>
+          </a:blip>
+          <a:stretch>
+            <a:fillRect/>
+          </a:stretch>
+        </p:blipFill>
+        <p:spPr>
+          <a:xfrm>
+            <a:off x="0" y="-1"/>
+            <a:ext cx="12192000" cy="6858002"/>
+          </a:xfrm>
+        </p:spPr>
+      </p:pic>
+      <p:sp>
+        <p:nvSpPr>
+          <p:cNvPr id="6" name="Rectangle 5">
+            <a:extLst>
+              <a:ext uri="{FF2B5EF4-FFF2-40B4-BE49-F238E27FC236}">
+                <a16:creationId xmlns:a16="http://schemas.microsoft.com/office/drawing/2014/main" id="{441A4CF9-9828-497F-8F3D-89CBC40F3BBA}"/>
+              </a:ext>
+            </a:extLst>
+          </p:cNvPr>
+          <p:cNvSpPr/>
+          <p:nvPr/>
+        </p:nvSpPr>
+        <p:spPr>
+          <a:xfrm>
+            <a:off x="0" y="2300748"/>
+            <a:ext cx="12192000" cy="2349910"/>
+          </a:xfrm>
+          <a:prstGeom prst="rect">
+            <a:avLst/>
+          </a:prstGeom>
+          <a:solidFill>
+            <a:srgbClr val="000000">
+              <a:alpha val="74902"/>
+            </a:srgbClr>
+          </a:solidFill>
+          <a:ln>
+            <a:noFill/>
+          </a:ln>
+        </p:spPr>
+        <p:style>
+          <a:lnRef idx="2">
+            <a:schemeClr val="accent1">
+              <a:shade val="50000"/>
+            </a:schemeClr>
+          </a:lnRef>
+          <a:fillRef idx="1">
+            <a:schemeClr val="accent1"/>
+          </a:fillRef>
+          <a:effectRef idx="0">
+            <a:schemeClr val="accent1"/>
+          </a:effectRef>
+          <a:fontRef idx="minor">
+            <a:schemeClr val="lt1"/>
+          </a:fontRef>
+        </p:style>
+        <p:txBody>
+          <a:bodyPr rtlCol="0" anchor="ctr"/>
+          <a:lstStyle/>
+          <a:p>
+            <a:pPr algn="ctr"/>
+            <a:r>
+              <a:rPr lang="en-US" sz="5400" dirty="0"/>
+              <a:t>Tracking the COVID19 Outbreak</a:t>
+            </a:r>
+          </a:p>
+          <a:p>
+            <a:pPr algn="ctr"/>
+            <a:r>
+              <a:rPr lang="en-US" sz="2400"/>
+              <a:t>ETL Project Report By: </a:t>
+            </a:r>
+            <a:r>
+              <a:rPr lang="en-US" sz="2400" dirty="0"/>
+              <a:t>Prajakta </a:t>
+            </a:r>
+            <a:r>
+              <a:rPr lang="en-US" sz="2400" dirty="0" err="1"/>
+              <a:t>Galvankar</a:t>
+            </a:r>
+            <a:r>
+              <a:rPr lang="en-US" sz="2400" dirty="0"/>
+              <a:t> &amp; </a:t>
+            </a:r>
+            <a:r>
+              <a:rPr lang="en-US" sz="2400" dirty="0" err="1"/>
+              <a:t>Lujane</a:t>
+            </a:r>
+            <a:r>
+              <a:rPr lang="en-US" sz="2400" dirty="0"/>
+              <a:t> </a:t>
+            </a:r>
+            <a:r>
+              <a:rPr lang="en-US" sz="2400" dirty="0" err="1"/>
+              <a:t>Abdelgadir</a:t>
+            </a:r>
+            <a:endParaRPr lang="en-US" sz="2400" dirty="0"/>
+          </a:p>
+        </p:txBody>
+      </p:sp>
+    </p:spTree>
+    <p:extLst>
+      <p:ext uri="{BB962C8B-B14F-4D97-AF65-F5344CB8AC3E}">
+        <p14:creationId xmlns:p14="http://schemas.microsoft.com/office/powerpoint/2010/main" val="2522423781"/>
+      </p:ext>
+    </p:extLst>
+  </p:cSld>
+  <p:clrMapOvr>
+    <a:masterClrMapping/>
+  </p:clrMapOvr>
+</p:sld>
+</file>
+
+<file path=ppt/slides/slide4.xml><?xml version="1.0" encoding="utf-8"?>
+<p:sld xmlns:a="http://schemas.openxmlformats.org/drawingml/2006/main" xmlns:r="http://schemas.openxmlformats.org/officeDocument/2006/relationships" xmlns:p="http://schemas.openxmlformats.org/presentationml/2006/main">
+  <p:cSld>
+    <p:spTree>
+      <p:nvGrpSpPr>
+        <p:cNvPr id="1" name=""/>
+        <p:cNvGrpSpPr/>
+        <p:nvPr/>
+      </p:nvGrpSpPr>
+      <p:grpSpPr>
+        <a:xfrm>
+          <a:off x="0" y="0"/>
+          <a:ext cx="0" cy="0"/>
+          <a:chOff x="0" y="0"/>
+          <a:chExt cx="0" cy="0"/>
+        </a:xfrm>
+      </p:grpSpPr>
+      <p:sp>
+        <p:nvSpPr>
+          <p:cNvPr id="2" name="Title 1">
+            <a:extLst>
+              <a:ext uri="{FF2B5EF4-FFF2-40B4-BE49-F238E27FC236}">
+                <a16:creationId xmlns:a16="http://schemas.microsoft.com/office/drawing/2014/main" id="{25807E7B-F1C7-49FA-BF0F-C4122D4D8821}"/>
+              </a:ext>
+            </a:extLst>
+          </p:cNvPr>
+          <p:cNvSpPr>
+            <a:spLocks noGrp="1"/>
+          </p:cNvSpPr>
+          <p:nvPr>
+            <p:ph type="title"/>
+          </p:nvPr>
+        </p:nvSpPr>
+        <p:spPr/>
+        <p:txBody>
+          <a:bodyPr/>
+          <a:lstStyle/>
+          <a:p>
+            <a:endParaRPr lang="en-US"/>
+          </a:p>
+        </p:txBody>
+      </p:sp>
+      <p:sp>
+        <p:nvSpPr>
+          <p:cNvPr id="3" name="Content Placeholder 2">
+            <a:extLst>
+              <a:ext uri="{FF2B5EF4-FFF2-40B4-BE49-F238E27FC236}">
+                <a16:creationId xmlns:a16="http://schemas.microsoft.com/office/drawing/2014/main" id="{285487F8-2415-47DA-BFDB-EE9EBAB1731A}"/>
+              </a:ext>
+            </a:extLst>
+          </p:cNvPr>
+          <p:cNvSpPr>
+            <a:spLocks noGrp="1"/>
+          </p:cNvSpPr>
+          <p:nvPr>
+            <p:ph idx="1"/>
+          </p:nvPr>
+        </p:nvSpPr>
+        <p:spPr/>
+        <p:txBody>
+          <a:bodyPr/>
+          <a:lstStyle/>
+          <a:p>
+            <a:endParaRPr lang="en-US"/>
+          </a:p>
+        </p:txBody>
+      </p:sp>
+      <p:pic>
+        <p:nvPicPr>
+          <p:cNvPr id="4" name="Picture 3" descr="A picture containing animal&#10;&#10;Description automatically generated">
+            <a:extLst>
+              <a:ext uri="{FF2B5EF4-FFF2-40B4-BE49-F238E27FC236}">
+                <a16:creationId xmlns:a16="http://schemas.microsoft.com/office/drawing/2014/main" id="{DCB08DF3-DA7C-4949-9ABC-5CCD8C0E19EB}"/>
+              </a:ext>
+            </a:extLst>
+          </p:cNvPr>
+          <p:cNvPicPr>
+            <a:picLocks noChangeAspect="1"/>
+          </p:cNvPicPr>
+          <p:nvPr/>
+        </p:nvPicPr>
+        <p:blipFill>
+          <a:blip r:embed="rId2">
+            <a:extLst>
+              <a:ext uri="{28A0092B-C50C-407E-A947-70E740481C1C}">
+                <a14:useLocalDpi xmlns:a14="http://schemas.microsoft.com/office/drawing/2010/main" val="0"/>
+              </a:ext>
+            </a:extLst>
+          </a:blip>
+          <a:stretch>
+            <a:fillRect/>
+          </a:stretch>
+        </p:blipFill>
+        <p:spPr>
+          <a:xfrm>
+            <a:off x="0" y="3371"/>
+            <a:ext cx="12191999" cy="6807392"/>
+          </a:xfrm>
+          <a:prstGeom prst="rect">
+            <a:avLst/>
+          </a:prstGeom>
+        </p:spPr>
+      </p:pic>
+      <p:sp>
+        <p:nvSpPr>
+          <p:cNvPr id="5" name="Rectangle 4">
+            <a:extLst>
+              <a:ext uri="{FF2B5EF4-FFF2-40B4-BE49-F238E27FC236}">
+                <a16:creationId xmlns:a16="http://schemas.microsoft.com/office/drawing/2014/main" id="{8B9BCD95-D669-401F-9B11-7731E197D926}"/>
+              </a:ext>
+            </a:extLst>
+          </p:cNvPr>
+          <p:cNvSpPr/>
+          <p:nvPr/>
+        </p:nvSpPr>
+        <p:spPr>
+          <a:xfrm>
+            <a:off x="0" y="2300748"/>
+            <a:ext cx="12192000" cy="2349910"/>
+          </a:xfrm>
+          <a:prstGeom prst="rect">
+            <a:avLst/>
+          </a:prstGeom>
+          <a:solidFill>
+            <a:srgbClr val="000000">
+              <a:alpha val="74902"/>
+            </a:srgbClr>
+          </a:solidFill>
+          <a:ln>
+            <a:noFill/>
+          </a:ln>
+        </p:spPr>
+        <p:style>
+          <a:lnRef idx="2">
+            <a:schemeClr val="accent1">
+              <a:shade val="50000"/>
+            </a:schemeClr>
+          </a:lnRef>
+          <a:fillRef idx="1">
+            <a:schemeClr val="accent1"/>
+          </a:fillRef>
+          <a:effectRef idx="0">
+            <a:schemeClr val="accent1"/>
+          </a:effectRef>
+          <a:fontRef idx="minor">
+            <a:schemeClr val="lt1"/>
+          </a:fontRef>
+        </p:style>
+        <p:txBody>
+          <a:bodyPr rtlCol="0" anchor="ctr"/>
+          <a:lstStyle/>
+          <a:p>
+            <a:pPr algn="ctr"/>
+            <a:r>
+              <a:rPr lang="en-US" sz="5400" dirty="0"/>
+              <a:t>Tracking the COVID19 Outbreak</a:t>
+            </a:r>
+          </a:p>
+          <a:p>
+            <a:pPr algn="ctr"/>
+            <a:r>
+              <a:rPr lang="en-US" sz="2400"/>
+              <a:t>ETL Project Report By: </a:t>
+            </a:r>
+            <a:r>
+              <a:rPr lang="en-US" sz="2400" dirty="0"/>
+              <a:t>Prajakta </a:t>
+            </a:r>
+            <a:r>
+              <a:rPr lang="en-US" sz="2400" dirty="0" err="1"/>
+              <a:t>Galvankar</a:t>
+            </a:r>
+            <a:r>
+              <a:rPr lang="en-US" sz="2400" dirty="0"/>
+              <a:t> &amp; </a:t>
+            </a:r>
+            <a:r>
+              <a:rPr lang="en-US" sz="2400" dirty="0" err="1"/>
+              <a:t>Lujane</a:t>
+            </a:r>
+            <a:r>
+              <a:rPr lang="en-US" sz="2400" dirty="0"/>
+              <a:t> </a:t>
+            </a:r>
+            <a:r>
+              <a:rPr lang="en-US" sz="2400" dirty="0" err="1"/>
+              <a:t>Abdelgadir</a:t>
+            </a:r>
+            <a:endParaRPr lang="en-US" sz="2400" dirty="0"/>
+          </a:p>
+        </p:txBody>
+      </p:sp>
+    </p:spTree>
+    <p:extLst>
+      <p:ext uri="{BB962C8B-B14F-4D97-AF65-F5344CB8AC3E}">
+        <p14:creationId xmlns:p14="http://schemas.microsoft.com/office/powerpoint/2010/main" val="3804009256"/>
+      </p:ext>
+    </p:extLst>
+  </p:cSld>
+  <p:clrMapOvr>
+    <a:masterClrMapping/>
+  </p:clrMapOvr>
+</p:sld>
+</file>
+
+<file path=ppt/slides/slide5.xml><?xml version="1.0" encoding="utf-8"?>
+<p:sld xmlns:a="http://schemas.openxmlformats.org/drawingml/2006/main" xmlns:r="http://schemas.openxmlformats.org/officeDocument/2006/relationships" xmlns:p="http://schemas.openxmlformats.org/presentationml/2006/main">
+  <p:cSld>
+    <p:spTree>
+      <p:nvGrpSpPr>
+        <p:cNvPr id="1" name=""/>
+        <p:cNvGrpSpPr/>
+        <p:nvPr/>
+      </p:nvGrpSpPr>
+      <p:grpSpPr>
+        <a:xfrm>
+          <a:off x="0" y="0"/>
+          <a:ext cx="0" cy="0"/>
+          <a:chOff x="0" y="0"/>
+          <a:chExt cx="0" cy="0"/>
+        </a:xfrm>
+      </p:grpSpPr>
+      <p:sp>
+        <p:nvSpPr>
+          <p:cNvPr id="2" name="Title 1">
+            <a:extLst>
+              <a:ext uri="{FF2B5EF4-FFF2-40B4-BE49-F238E27FC236}">
+                <a16:creationId xmlns:a16="http://schemas.microsoft.com/office/drawing/2014/main" id="{15AE197D-5427-49C4-80C4-51B10F4148BB}"/>
+              </a:ext>
+            </a:extLst>
+          </p:cNvPr>
+          <p:cNvSpPr>
+            <a:spLocks noGrp="1"/>
+          </p:cNvSpPr>
+          <p:nvPr>
+            <p:ph type="title"/>
+          </p:nvPr>
+        </p:nvSpPr>
+        <p:spPr/>
+        <p:txBody>
+          <a:bodyPr/>
+          <a:lstStyle/>
+          <a:p>
+            <a:endParaRPr lang="en-US"/>
+          </a:p>
+        </p:txBody>
+      </p:sp>
+      <p:pic>
+        <p:nvPicPr>
+          <p:cNvPr id="5" name="Content Placeholder 4">
+            <a:extLst>
+              <a:ext uri="{FF2B5EF4-FFF2-40B4-BE49-F238E27FC236}">
+                <a16:creationId xmlns:a16="http://schemas.microsoft.com/office/drawing/2014/main" id="{B59F54A9-6A1F-4711-9C10-B124C1441637}"/>
+              </a:ext>
+            </a:extLst>
+          </p:cNvPr>
+          <p:cNvPicPr>
+            <a:picLocks noGrp="1" noChangeAspect="1"/>
+          </p:cNvPicPr>
+          <p:nvPr>
+            <p:ph idx="1"/>
+          </p:nvPr>
+        </p:nvPicPr>
+        <p:blipFill rotWithShape="1">
+          <a:blip r:embed="rId2">
+            <a:extLst>
+              <a:ext uri="{28A0092B-C50C-407E-A947-70E740481C1C}">
+                <a14:useLocalDpi xmlns:a14="http://schemas.microsoft.com/office/drawing/2010/main" val="0"/>
+              </a:ext>
+            </a:extLst>
+          </a:blip>
+          <a:srcRect l="4933" t="-407" r="4933" b="407"/>
+          <a:stretch/>
+        </p:blipFill>
+        <p:spPr>
+          <a:xfrm>
+            <a:off x="1" y="-26895"/>
+            <a:ext cx="12192000" cy="6858000"/>
+          </a:xfrm>
+        </p:spPr>
+      </p:pic>
+      <p:sp>
+        <p:nvSpPr>
+          <p:cNvPr id="4" name="Rectangle 3">
+            <a:extLst>
+              <a:ext uri="{FF2B5EF4-FFF2-40B4-BE49-F238E27FC236}">
+                <a16:creationId xmlns:a16="http://schemas.microsoft.com/office/drawing/2014/main" id="{3D2E7322-B671-47CC-B685-6FA4CB1BE984}"/>
+              </a:ext>
+            </a:extLst>
+          </p:cNvPr>
+          <p:cNvSpPr/>
+          <p:nvPr/>
+        </p:nvSpPr>
+        <p:spPr>
+          <a:xfrm>
+            <a:off x="0" y="2300748"/>
+            <a:ext cx="12192000" cy="2349910"/>
+          </a:xfrm>
+          <a:prstGeom prst="rect">
+            <a:avLst/>
+          </a:prstGeom>
+          <a:solidFill>
+            <a:srgbClr val="000000">
+              <a:alpha val="74902"/>
+            </a:srgbClr>
+          </a:solidFill>
+          <a:ln>
+            <a:noFill/>
+          </a:ln>
+        </p:spPr>
+        <p:style>
+          <a:lnRef idx="2">
+            <a:schemeClr val="accent1">
+              <a:shade val="50000"/>
+            </a:schemeClr>
+          </a:lnRef>
+          <a:fillRef idx="1">
+            <a:schemeClr val="accent1"/>
+          </a:fillRef>
+          <a:effectRef idx="0">
+            <a:schemeClr val="accent1"/>
+          </a:effectRef>
+          <a:fontRef idx="minor">
+            <a:schemeClr val="lt1"/>
+          </a:fontRef>
+        </p:style>
+        <p:txBody>
+          <a:bodyPr rtlCol="0" anchor="ctr"/>
+          <a:lstStyle/>
+          <a:p>
+            <a:pPr algn="ctr"/>
+            <a:r>
+              <a:rPr lang="en-US" sz="5400" dirty="0"/>
+              <a:t>Tracking the COVID19 Outbreak</a:t>
+            </a:r>
+          </a:p>
+          <a:p>
+            <a:pPr algn="ctr"/>
+            <a:r>
+              <a:rPr lang="en-US" sz="2400"/>
+              <a:t>ETL Project Report By: </a:t>
+            </a:r>
+            <a:r>
+              <a:rPr lang="en-US" sz="2400" dirty="0"/>
+              <a:t>Prajakta </a:t>
+            </a:r>
+            <a:r>
+              <a:rPr lang="en-US" sz="2400" dirty="0" err="1"/>
+              <a:t>Galvankar</a:t>
+            </a:r>
+            <a:r>
+              <a:rPr lang="en-US" sz="2400" dirty="0"/>
+              <a:t> &amp; </a:t>
+            </a:r>
+            <a:r>
+              <a:rPr lang="en-US" sz="2400" dirty="0" err="1"/>
+              <a:t>Lujane</a:t>
+            </a:r>
+            <a:r>
+              <a:rPr lang="en-US" sz="2400" dirty="0"/>
+              <a:t> </a:t>
+            </a:r>
+            <a:r>
+              <a:rPr lang="en-US" sz="2400" dirty="0" err="1"/>
+              <a:t>Abdelgadir</a:t>
+            </a:r>
+            <a:endParaRPr lang="en-US" sz="2400" dirty="0"/>
+          </a:p>
+        </p:txBody>
+      </p:sp>
+    </p:spTree>
+    <p:extLst>
+      <p:ext uri="{BB962C8B-B14F-4D97-AF65-F5344CB8AC3E}">
+        <p14:creationId xmlns:p14="http://schemas.microsoft.com/office/powerpoint/2010/main" val="2036569106"/>
+      </p:ext>
+    </p:extLst>
+  </p:cSld>
+  <p:clrMapOvr>
+    <a:masterClrMapping/>
+  </p:clrMapOvr>
+</p:sld>
+</file>
+
+<file path=ppt/slides/slide6.xml><?xml version="1.0" encoding="utf-8"?>
+<p:sld xmlns:a="http://schemas.openxmlformats.org/drawingml/2006/main" xmlns:r="http://schemas.openxmlformats.org/officeDocument/2006/relationships" xmlns:p="http://schemas.openxmlformats.org/presentationml/2006/main">
+  <p:cSld>
+    <p:spTree>
+      <p:nvGrpSpPr>
+        <p:cNvPr id="1" name=""/>
+        <p:cNvGrpSpPr/>
+        <p:nvPr/>
+      </p:nvGrpSpPr>
+      <p:grpSpPr>
+        <a:xfrm>
+          <a:off x="0" y="0"/>
+          <a:ext cx="0" cy="0"/>
+          <a:chOff x="0" y="0"/>
+          <a:chExt cx="0" cy="0"/>
+        </a:xfrm>
+      </p:grpSpPr>
+      <p:sp>
+        <p:nvSpPr>
+          <p:cNvPr id="2" name="Title 1">
+            <a:extLst>
+              <a:ext uri="{FF2B5EF4-FFF2-40B4-BE49-F238E27FC236}">
+                <a16:creationId xmlns:a16="http://schemas.microsoft.com/office/drawing/2014/main" id="{4E2148DA-F50D-497F-9408-D2CD3E454753}"/>
+              </a:ext>
+            </a:extLst>
+          </p:cNvPr>
+          <p:cNvSpPr>
+            <a:spLocks noGrp="1"/>
+          </p:cNvSpPr>
+          <p:nvPr>
+            <p:ph type="title"/>
+          </p:nvPr>
+        </p:nvSpPr>
+        <p:spPr/>
+        <p:txBody>
+          <a:bodyPr/>
+          <a:lstStyle/>
+          <a:p>
+            <a:endParaRPr lang="en-US"/>
+          </a:p>
+        </p:txBody>
+      </p:sp>
+      <p:pic>
+        <p:nvPicPr>
+          <p:cNvPr id="5" name="Content Placeholder 4">
+            <a:extLst>
+              <a:ext uri="{FF2B5EF4-FFF2-40B4-BE49-F238E27FC236}">
+                <a16:creationId xmlns:a16="http://schemas.microsoft.com/office/drawing/2014/main" id="{CE2721DC-47E6-41B5-B72E-EE2CDE73F034}"/>
+              </a:ext>
+            </a:extLst>
+          </p:cNvPr>
+          <p:cNvPicPr>
+            <a:picLocks noGrp="1" noChangeAspect="1"/>
+          </p:cNvPicPr>
+          <p:nvPr>
+            <p:ph idx="1"/>
+          </p:nvPr>
+        </p:nvPicPr>
+        <p:blipFill>
+          <a:blip r:embed="rId2">
+            <a:extLst>
+              <a:ext uri="{28A0092B-C50C-407E-A947-70E740481C1C}">
+                <a14:useLocalDpi xmlns:a14="http://schemas.microsoft.com/office/drawing/2010/main" val="0"/>
+              </a:ext>
+            </a:extLst>
+          </a:blip>
+          <a:stretch>
+            <a:fillRect/>
+          </a:stretch>
+        </p:blipFill>
+        <p:spPr>
+          <a:xfrm>
+            <a:off x="-1" y="0"/>
+            <a:ext cx="12188387" cy="6858000"/>
+          </a:xfrm>
+        </p:spPr>
+      </p:pic>
+      <p:sp>
+        <p:nvSpPr>
+          <p:cNvPr id="4" name="Rectangle 3">
+            <a:extLst>
+              <a:ext uri="{FF2B5EF4-FFF2-40B4-BE49-F238E27FC236}">
+                <a16:creationId xmlns:a16="http://schemas.microsoft.com/office/drawing/2014/main" id="{8EC927D0-96EE-4B67-86BA-AFBB9382632F}"/>
+              </a:ext>
+            </a:extLst>
+          </p:cNvPr>
+          <p:cNvSpPr/>
+          <p:nvPr/>
+        </p:nvSpPr>
+        <p:spPr>
+          <a:xfrm>
+            <a:off x="0" y="4539123"/>
+            <a:ext cx="12192000" cy="2349910"/>
+          </a:xfrm>
+          <a:prstGeom prst="rect">
+            <a:avLst/>
+          </a:prstGeom>
+          <a:solidFill>
+            <a:srgbClr val="000000">
+              <a:alpha val="74902"/>
+            </a:srgbClr>
+          </a:solidFill>
+          <a:ln>
+            <a:noFill/>
+          </a:ln>
+        </p:spPr>
+        <p:style>
+          <a:lnRef idx="2">
+            <a:schemeClr val="accent1">
+              <a:shade val="50000"/>
+            </a:schemeClr>
+          </a:lnRef>
+          <a:fillRef idx="1">
+            <a:schemeClr val="accent1"/>
+          </a:fillRef>
+          <a:effectRef idx="0">
+            <a:schemeClr val="accent1"/>
+          </a:effectRef>
+          <a:fontRef idx="minor">
+            <a:schemeClr val="lt1"/>
+          </a:fontRef>
+        </p:style>
+        <p:txBody>
+          <a:bodyPr rtlCol="0" anchor="ctr"/>
+          <a:lstStyle/>
+          <a:p>
+            <a:pPr lvl="1"/>
+            <a:r>
+              <a:rPr lang="en-US" sz="5400" dirty="0"/>
+              <a:t>Tracking the COVID19 Outbreak</a:t>
+            </a:r>
+          </a:p>
+          <a:p>
+            <a:pPr lvl="1"/>
+            <a:r>
+              <a:rPr lang="en-US" sz="2400"/>
+              <a:t>ETL Project Report By: </a:t>
+            </a:r>
+            <a:r>
+              <a:rPr lang="en-US" sz="2400" dirty="0"/>
+              <a:t>Prajakta </a:t>
+            </a:r>
+            <a:r>
+              <a:rPr lang="en-US" sz="2400" dirty="0" err="1"/>
+              <a:t>Galvankar</a:t>
+            </a:r>
+            <a:r>
+              <a:rPr lang="en-US" sz="2400" dirty="0"/>
+              <a:t> &amp; </a:t>
+            </a:r>
+            <a:r>
+              <a:rPr lang="en-US" sz="2400" dirty="0" err="1"/>
+              <a:t>Lujane</a:t>
+            </a:r>
+            <a:r>
+              <a:rPr lang="en-US" sz="2400" dirty="0"/>
+              <a:t> </a:t>
+            </a:r>
+            <a:r>
+              <a:rPr lang="en-US" sz="2400" dirty="0" err="1"/>
+              <a:t>Abdelgadir</a:t>
+            </a:r>
+            <a:endParaRPr lang="en-US" sz="2400" dirty="0"/>
+          </a:p>
+        </p:txBody>
+      </p:sp>
+    </p:spTree>
+    <p:extLst>
+      <p:ext uri="{BB962C8B-B14F-4D97-AF65-F5344CB8AC3E}">
+        <p14:creationId xmlns:p14="http://schemas.microsoft.com/office/powerpoint/2010/main" val="645199317"/>
       </p:ext>
     </p:extLst>
   </p:cSld>
@@ -8079,10 +8125,10 @@
               <a:gs pos="0">
                 <a:schemeClr val="tx1"/>
               </a:gs>
-              <a:gs pos="43000">
+              <a:gs pos="32000">
                 <a:srgbClr val="000000"/>
               </a:gs>
-              <a:gs pos="76000">
+              <a:gs pos="71000">
                 <a:schemeClr val="tx1">
                   <a:alpha val="50000"/>
                 </a:schemeClr>
@@ -8096,6 +8142,9 @@
             <a:lin ang="0" scaled="1"/>
             <a:tileRect/>
           </a:gradFill>
+          <a:ln>
+            <a:noFill/>
+          </a:ln>
         </p:spPr>
         <p:style>
           <a:lnRef idx="2">
@@ -8122,167 +8171,516 @@
           </a:p>
         </p:txBody>
       </p:sp>
-      <p:sp>
-        <p:nvSpPr>
-          <p:cNvPr id="8" name="TextBox 7">
-            <a:extLst>
-              <a:ext uri="{FF2B5EF4-FFF2-40B4-BE49-F238E27FC236}">
-                <a16:creationId xmlns:a16="http://schemas.microsoft.com/office/drawing/2014/main" id="{3FFCF821-8C92-4A75-84E5-632E5EAC6947}"/>
-              </a:ext>
-            </a:extLst>
-          </p:cNvPr>
-          <p:cNvSpPr txBox="1"/>
-          <p:nvPr/>
-        </p:nvSpPr>
-        <p:spPr>
-          <a:xfrm>
-            <a:off x="477982" y="1430078"/>
-            <a:ext cx="5806277" cy="1569660"/>
-          </a:xfrm>
-          <a:prstGeom prst="rect">
-            <a:avLst/>
-          </a:prstGeom>
-          <a:noFill/>
-        </p:spPr>
-        <p:txBody>
-          <a:bodyPr wrap="square" rtlCol="0">
-            <a:spAutoFit/>
-          </a:bodyPr>
-          <a:lstStyle/>
-          <a:p>
-            <a:r>
-              <a:rPr lang="en-US" sz="4800" dirty="0">
-                <a:solidFill>
-                  <a:schemeClr val="bg1"/>
-                </a:solidFill>
-              </a:rPr>
-              <a:t>Tracking the COVID19 Outbreak</a:t>
-            </a:r>
-          </a:p>
-        </p:txBody>
-      </p:sp>
-      <p:cxnSp>
-        <p:nvCxnSpPr>
-          <p:cNvPr id="10" name="Straight Connector 9">
-            <a:extLst>
-              <a:ext uri="{FF2B5EF4-FFF2-40B4-BE49-F238E27FC236}">
-                <a16:creationId xmlns:a16="http://schemas.microsoft.com/office/drawing/2014/main" id="{38023BB6-0865-4D5F-B232-FDBAC745411A}"/>
-              </a:ext>
-            </a:extLst>
-          </p:cNvPr>
-          <p:cNvCxnSpPr/>
-          <p:nvPr/>
-        </p:nvCxnSpPr>
-        <p:spPr>
-          <a:xfrm>
-            <a:off x="477982" y="3208208"/>
-            <a:ext cx="5577840" cy="0"/>
-          </a:xfrm>
-          <a:prstGeom prst="line">
-            <a:avLst/>
-          </a:prstGeom>
-          <a:noFill/>
-          <a:ln w="28575" cap="flat" cmpd="sng" algn="ctr">
-            <a:solidFill>
-              <a:srgbClr val="FFFFFF"/>
-            </a:solidFill>
-            <a:prstDash val="solid"/>
-            <a:miter lim="800000"/>
-          </a:ln>
-          <a:effectLst/>
-        </p:spPr>
-      </p:cxnSp>
-      <p:sp>
-        <p:nvSpPr>
-          <p:cNvPr id="11" name="TextBox 10">
-            <a:extLst>
-              <a:ext uri="{FF2B5EF4-FFF2-40B4-BE49-F238E27FC236}">
-                <a16:creationId xmlns:a16="http://schemas.microsoft.com/office/drawing/2014/main" id="{728FE480-EFBA-47A3-88D3-08A9B3EBAD54}"/>
-              </a:ext>
-            </a:extLst>
-          </p:cNvPr>
-          <p:cNvSpPr txBox="1"/>
-          <p:nvPr/>
-        </p:nvSpPr>
-        <p:spPr>
-          <a:xfrm>
-            <a:off x="527143" y="3408211"/>
-            <a:ext cx="4733115" cy="707886"/>
-          </a:xfrm>
-          <a:prstGeom prst="rect">
-            <a:avLst/>
-          </a:prstGeom>
-          <a:noFill/>
-        </p:spPr>
-        <p:txBody>
-          <a:bodyPr wrap="square" rtlCol="0">
-            <a:spAutoFit/>
-          </a:bodyPr>
-          <a:lstStyle/>
-          <a:p>
-            <a:r>
-              <a:rPr lang="en-US" sz="2000" dirty="0">
-                <a:solidFill>
-                  <a:schemeClr val="bg1"/>
-                </a:solidFill>
-              </a:rPr>
-              <a:t>By:  Prajakta </a:t>
-            </a:r>
-            <a:r>
-              <a:rPr lang="en-US" sz="2000" dirty="0" err="1">
-                <a:solidFill>
-                  <a:schemeClr val="bg1"/>
-                </a:solidFill>
-              </a:rPr>
-              <a:t>Galvankar</a:t>
-            </a:r>
-            <a:endParaRPr lang="en-US" sz="2000" dirty="0">
-              <a:solidFill>
-                <a:schemeClr val="bg1"/>
-              </a:solidFill>
-            </a:endParaRPr>
-          </a:p>
-          <a:p>
-            <a:r>
-              <a:rPr lang="en-US" sz="2000" dirty="0">
-                <a:solidFill>
-                  <a:schemeClr val="bg1"/>
-                </a:solidFill>
-              </a:rPr>
-              <a:t>        </a:t>
-            </a:r>
-            <a:r>
-              <a:rPr lang="en-US" sz="2000" dirty="0" err="1">
-                <a:solidFill>
-                  <a:schemeClr val="bg1"/>
-                </a:solidFill>
-              </a:rPr>
-              <a:t>Lujane</a:t>
-            </a:r>
-            <a:r>
-              <a:rPr lang="en-US" sz="2000" dirty="0">
-                <a:solidFill>
-                  <a:schemeClr val="bg1"/>
-                </a:solidFill>
-              </a:rPr>
-              <a:t> </a:t>
-            </a:r>
-            <a:r>
-              <a:rPr lang="en-US" sz="2000" dirty="0" err="1">
-                <a:solidFill>
-                  <a:schemeClr val="bg1"/>
-                </a:solidFill>
-              </a:rPr>
-              <a:t>Abdelgadir</a:t>
-            </a:r>
-            <a:endParaRPr lang="en-US" sz="2000" dirty="0">
-              <a:solidFill>
-                <a:schemeClr val="bg1"/>
-              </a:solidFill>
-            </a:endParaRPr>
-          </a:p>
-        </p:txBody>
-      </p:sp>
+      <p:graphicFrame>
+        <p:nvGraphicFramePr>
+          <p:cNvPr id="13" name="Table 6">
+            <a:extLst>
+              <a:ext uri="{FF2B5EF4-FFF2-40B4-BE49-F238E27FC236}">
+                <a16:creationId xmlns:a16="http://schemas.microsoft.com/office/drawing/2014/main" id="{8D44A80E-55C5-46A6-A0D9-B6066545829B}"/>
+              </a:ext>
+            </a:extLst>
+          </p:cNvPr>
+          <p:cNvGraphicFramePr>
+            <a:graphicFrameLocks noGrp="1"/>
+          </p:cNvGraphicFramePr>
+          <p:nvPr>
+            <p:extLst>
+              <p:ext uri="{D42A27DB-BD31-4B8C-83A1-F6EECF244321}">
+                <p14:modId xmlns:p14="http://schemas.microsoft.com/office/powerpoint/2010/main" val="2461528523"/>
+              </p:ext>
+            </p:extLst>
+          </p:nvPr>
+        </p:nvGraphicFramePr>
+        <p:xfrm>
+          <a:off x="913869" y="981996"/>
+          <a:ext cx="4666471" cy="5425074"/>
+        </p:xfrm>
+        <a:graphic>
+          <a:graphicData uri="http://schemas.openxmlformats.org/drawingml/2006/table">
+            <a:tbl>
+              <a:tblPr firstRow="1" bandRow="1">
+                <a:tableStyleId>{5C22544A-7EE6-4342-B048-85BDC9FD1C3A}</a:tableStyleId>
+              </a:tblPr>
+              <a:tblGrid>
+                <a:gridCol w="4666471">
+                  <a:extLst>
+                    <a:ext uri="{9D8B030D-6E8A-4147-A177-3AD203B41FA5}">
+                      <a16:colId xmlns:a16="http://schemas.microsoft.com/office/drawing/2014/main" val="1166251982"/>
+                    </a:ext>
+                  </a:extLst>
+                </a:gridCol>
+              </a:tblGrid>
+              <a:tr h="602786">
+                <a:tc>
+                  <a:txBody>
+                    <a:bodyPr/>
+                    <a:lstStyle/>
+                    <a:p>
+                      <a:r>
+                        <a:rPr lang="en-US" sz="2400" dirty="0">
+                          <a:solidFill>
+                            <a:schemeClr val="bg1"/>
+                          </a:solidFill>
+                        </a:rPr>
+                        <a:t>Table of contents</a:t>
+                      </a:r>
+                    </a:p>
+                  </a:txBody>
+                  <a:tcPr anchor="ctr">
+                    <a:lnL w="12700" cmpd="sng">
+                      <a:noFill/>
+                    </a:lnL>
+                    <a:lnR w="12700" cmpd="sng">
+                      <a:noFill/>
+                    </a:lnR>
+                    <a:lnT w="12700" cmpd="sng">
+                      <a:noFill/>
+                    </a:lnT>
+                    <a:lnB w="38100" cmpd="sng">
+                      <a:noFill/>
+                    </a:lnB>
+                    <a:lnTlToBr w="12700" cmpd="sng">
+                      <a:noFill/>
+                      <a:prstDash val="solid"/>
+                    </a:lnTlToBr>
+                    <a:lnBlToTr w="12700" cmpd="sng">
+                      <a:noFill/>
+                      <a:prstDash val="solid"/>
+                    </a:lnBlToTr>
+                    <a:noFill/>
+                  </a:tcPr>
+                </a:tc>
+                <a:extLst>
+                  <a:ext uri="{0D108BD9-81ED-4DB2-BD59-A6C34878D82A}">
+                    <a16:rowId xmlns:a16="http://schemas.microsoft.com/office/drawing/2014/main" val="167863420"/>
+                  </a:ext>
+                </a:extLst>
+              </a:tr>
+              <a:tr h="602786">
+                <a:tc>
+                  <a:txBody>
+                    <a:bodyPr/>
+                    <a:lstStyle/>
+                    <a:p>
+                      <a:pPr marL="285750" indent="-285750">
+                        <a:buFont typeface="Arial" panose="020B0604020202020204" pitchFamily="34" charset="0"/>
+                        <a:buChar char="•"/>
+                      </a:pPr>
+                      <a:r>
+                        <a:rPr lang="en-US" dirty="0">
+                          <a:solidFill>
+                            <a:schemeClr val="bg1"/>
+                          </a:solidFill>
+                        </a:rPr>
+                        <a:t>Motivations &amp; Summary</a:t>
+                      </a:r>
+                    </a:p>
+                  </a:txBody>
+                  <a:tcPr anchor="ctr">
+                    <a:lnL w="12700" cmpd="sng">
+                      <a:noFill/>
+                    </a:lnL>
+                    <a:lnR w="12700" cmpd="sng">
+                      <a:noFill/>
+                    </a:lnR>
+                    <a:lnT w="38100" cmpd="sng">
+                      <a:noFill/>
+                    </a:lnT>
+                    <a:lnB w="12700" cmpd="sng">
+                      <a:noFill/>
+                    </a:lnB>
+                    <a:lnTlToBr w="12700" cmpd="sng">
+                      <a:noFill/>
+                      <a:prstDash val="solid"/>
+                    </a:lnTlToBr>
+                    <a:lnBlToTr w="12700" cmpd="sng">
+                      <a:noFill/>
+                      <a:prstDash val="solid"/>
+                    </a:lnBlToTr>
+                    <a:noFill/>
+                  </a:tcPr>
+                </a:tc>
+                <a:extLst>
+                  <a:ext uri="{0D108BD9-81ED-4DB2-BD59-A6C34878D82A}">
+                    <a16:rowId xmlns:a16="http://schemas.microsoft.com/office/drawing/2014/main" val="1069986554"/>
+                  </a:ext>
+                </a:extLst>
+              </a:tr>
+              <a:tr h="602786">
+                <a:tc>
+                  <a:txBody>
+                    <a:bodyPr/>
+                    <a:lstStyle/>
+                    <a:p>
+                      <a:pPr marL="285750" indent="-285750">
+                        <a:buFont typeface="Arial" panose="020B0604020202020204" pitchFamily="34" charset="0"/>
+                        <a:buChar char="•"/>
+                      </a:pPr>
+                      <a:r>
+                        <a:rPr lang="en-US" dirty="0">
+                          <a:solidFill>
+                            <a:schemeClr val="bg1"/>
+                          </a:solidFill>
+                        </a:rPr>
+                        <a:t>ETL Process summary</a:t>
+                      </a:r>
+                    </a:p>
+                  </a:txBody>
+                  <a:tcPr anchor="ctr">
+                    <a:lnL w="12700" cmpd="sng">
+                      <a:noFill/>
+                    </a:lnL>
+                    <a:lnR w="12700" cmpd="sng">
+                      <a:noFill/>
+                    </a:lnR>
+                    <a:lnT w="12700" cmpd="sng">
+                      <a:noFill/>
+                    </a:lnT>
+                    <a:lnB w="12700" cmpd="sng">
+                      <a:noFill/>
+                    </a:lnB>
+                    <a:lnTlToBr w="12700" cmpd="sng">
+                      <a:noFill/>
+                      <a:prstDash val="solid"/>
+                    </a:lnTlToBr>
+                    <a:lnBlToTr w="12700" cmpd="sng">
+                      <a:noFill/>
+                      <a:prstDash val="solid"/>
+                    </a:lnBlToTr>
+                    <a:noFill/>
+                  </a:tcPr>
+                </a:tc>
+                <a:extLst>
+                  <a:ext uri="{0D108BD9-81ED-4DB2-BD59-A6C34878D82A}">
+                    <a16:rowId xmlns:a16="http://schemas.microsoft.com/office/drawing/2014/main" val="1010249872"/>
+                  </a:ext>
+                </a:extLst>
+              </a:tr>
+              <a:tr h="602786">
+                <a:tc>
+                  <a:txBody>
+                    <a:bodyPr/>
+                    <a:lstStyle/>
+                    <a:p>
+                      <a:pPr marL="742950" lvl="1" indent="-285750">
+                        <a:buFont typeface="Arial" panose="020B0604020202020204" pitchFamily="34" charset="0"/>
+                        <a:buChar char="•"/>
+                      </a:pPr>
+                      <a:r>
+                        <a:rPr lang="en-US" b="1" dirty="0">
+                          <a:solidFill>
+                            <a:schemeClr val="bg1"/>
+                          </a:solidFill>
+                        </a:rPr>
+                        <a:t>E</a:t>
+                      </a:r>
+                      <a:r>
+                        <a:rPr lang="en-US" dirty="0">
+                          <a:solidFill>
+                            <a:schemeClr val="bg1"/>
+                          </a:solidFill>
+                        </a:rPr>
+                        <a:t>xtraction</a:t>
+                      </a:r>
+                    </a:p>
+                  </a:txBody>
+                  <a:tcPr anchor="ctr">
+                    <a:lnL w="12700" cmpd="sng">
+                      <a:noFill/>
+                    </a:lnL>
+                    <a:lnR w="12700" cmpd="sng">
+                      <a:noFill/>
+                    </a:lnR>
+                    <a:lnT w="12700" cmpd="sng">
+                      <a:noFill/>
+                    </a:lnT>
+                    <a:lnB w="12700" cmpd="sng">
+                      <a:noFill/>
+                    </a:lnB>
+                    <a:lnTlToBr w="12700" cmpd="sng">
+                      <a:noFill/>
+                      <a:prstDash val="solid"/>
+                    </a:lnTlToBr>
+                    <a:lnBlToTr w="12700" cmpd="sng">
+                      <a:noFill/>
+                      <a:prstDash val="solid"/>
+                    </a:lnBlToTr>
+                    <a:noFill/>
+                  </a:tcPr>
+                </a:tc>
+                <a:extLst>
+                  <a:ext uri="{0D108BD9-81ED-4DB2-BD59-A6C34878D82A}">
+                    <a16:rowId xmlns:a16="http://schemas.microsoft.com/office/drawing/2014/main" val="1639588560"/>
+                  </a:ext>
+                </a:extLst>
+              </a:tr>
+              <a:tr h="602786">
+                <a:tc>
+                  <a:txBody>
+                    <a:bodyPr/>
+                    <a:lstStyle/>
+                    <a:p>
+                      <a:pPr marL="742950" lvl="1" indent="-285750">
+                        <a:buFont typeface="Arial" panose="020B0604020202020204" pitchFamily="34" charset="0"/>
+                        <a:buChar char="•"/>
+                      </a:pPr>
+                      <a:r>
+                        <a:rPr lang="en-US" b="1" dirty="0">
+                          <a:solidFill>
+                            <a:schemeClr val="bg1"/>
+                          </a:solidFill>
+                        </a:rPr>
+                        <a:t>T</a:t>
+                      </a:r>
+                      <a:r>
+                        <a:rPr lang="en-US" dirty="0">
+                          <a:solidFill>
+                            <a:schemeClr val="bg1"/>
+                          </a:solidFill>
+                        </a:rPr>
+                        <a:t>ransformation</a:t>
+                      </a:r>
+                    </a:p>
+                  </a:txBody>
+                  <a:tcPr anchor="ctr">
+                    <a:lnL w="12700" cmpd="sng">
+                      <a:noFill/>
+                    </a:lnL>
+                    <a:lnR w="12700" cmpd="sng">
+                      <a:noFill/>
+                    </a:lnR>
+                    <a:lnT w="12700" cmpd="sng">
+                      <a:noFill/>
+                    </a:lnT>
+                    <a:lnB w="12700" cmpd="sng">
+                      <a:noFill/>
+                    </a:lnB>
+                    <a:lnTlToBr w="12700" cmpd="sng">
+                      <a:noFill/>
+                      <a:prstDash val="solid"/>
+                    </a:lnTlToBr>
+                    <a:lnBlToTr w="12700" cmpd="sng">
+                      <a:noFill/>
+                      <a:prstDash val="solid"/>
+                    </a:lnBlToTr>
+                    <a:noFill/>
+                  </a:tcPr>
+                </a:tc>
+                <a:extLst>
+                  <a:ext uri="{0D108BD9-81ED-4DB2-BD59-A6C34878D82A}">
+                    <a16:rowId xmlns:a16="http://schemas.microsoft.com/office/drawing/2014/main" val="2177548004"/>
+                  </a:ext>
+                </a:extLst>
+              </a:tr>
+              <a:tr h="602786">
+                <a:tc>
+                  <a:txBody>
+                    <a:bodyPr/>
+                    <a:lstStyle/>
+                    <a:p>
+                      <a:pPr marL="742950" lvl="1" indent="-285750">
+                        <a:buFont typeface="Arial" panose="020B0604020202020204" pitchFamily="34" charset="0"/>
+                        <a:buChar char="•"/>
+                      </a:pPr>
+                      <a:r>
+                        <a:rPr lang="en-US" b="1" dirty="0">
+                          <a:solidFill>
+                            <a:schemeClr val="bg1"/>
+                          </a:solidFill>
+                        </a:rPr>
+                        <a:t>L</a:t>
+                      </a:r>
+                      <a:r>
+                        <a:rPr lang="en-US" dirty="0">
+                          <a:solidFill>
+                            <a:schemeClr val="bg1"/>
+                          </a:solidFill>
+                        </a:rPr>
+                        <a:t>oading</a:t>
+                      </a:r>
+                    </a:p>
+                  </a:txBody>
+                  <a:tcPr anchor="ctr">
+                    <a:lnL w="12700" cmpd="sng">
+                      <a:noFill/>
+                    </a:lnL>
+                    <a:lnR w="12700" cmpd="sng">
+                      <a:noFill/>
+                    </a:lnR>
+                    <a:lnT w="12700" cmpd="sng">
+                      <a:noFill/>
+                    </a:lnT>
+                    <a:lnB w="12700" cmpd="sng">
+                      <a:noFill/>
+                    </a:lnB>
+                    <a:lnTlToBr w="12700" cmpd="sng">
+                      <a:noFill/>
+                      <a:prstDash val="solid"/>
+                    </a:lnTlToBr>
+                    <a:lnBlToTr w="12700" cmpd="sng">
+                      <a:noFill/>
+                      <a:prstDash val="solid"/>
+                    </a:lnBlToTr>
+                    <a:noFill/>
+                  </a:tcPr>
+                </a:tc>
+                <a:extLst>
+                  <a:ext uri="{0D108BD9-81ED-4DB2-BD59-A6C34878D82A}">
+                    <a16:rowId xmlns:a16="http://schemas.microsoft.com/office/drawing/2014/main" val="1947781661"/>
+                  </a:ext>
+                </a:extLst>
+              </a:tr>
+              <a:tr h="602786">
+                <a:tc>
+                  <a:txBody>
+                    <a:bodyPr/>
+                    <a:lstStyle/>
+                    <a:p>
+                      <a:pPr marL="285761" lvl="0" indent="-285750">
+                        <a:buFont typeface="Arial" panose="020B0604020202020204" pitchFamily="34" charset="0"/>
+                        <a:buChar char="•"/>
+                      </a:pPr>
+                      <a:r>
+                        <a:rPr lang="en-US" dirty="0">
+                          <a:solidFill>
+                            <a:schemeClr val="bg1"/>
+                          </a:solidFill>
+                        </a:rPr>
+                        <a:t>Analysis &amp; Findings</a:t>
+                      </a:r>
+                    </a:p>
+                  </a:txBody>
+                  <a:tcPr anchor="ctr">
+                    <a:lnL w="12700" cmpd="sng">
+                      <a:noFill/>
+                    </a:lnL>
+                    <a:lnR w="12700" cmpd="sng">
+                      <a:noFill/>
+                    </a:lnR>
+                    <a:lnT w="12700" cmpd="sng">
+                      <a:noFill/>
+                    </a:lnT>
+                    <a:lnB w="12700" cmpd="sng">
+                      <a:noFill/>
+                    </a:lnB>
+                    <a:lnTlToBr w="12700" cmpd="sng">
+                      <a:noFill/>
+                      <a:prstDash val="solid"/>
+                    </a:lnTlToBr>
+                    <a:lnBlToTr w="12700" cmpd="sng">
+                      <a:noFill/>
+                      <a:prstDash val="solid"/>
+                    </a:lnBlToTr>
+                    <a:noFill/>
+                  </a:tcPr>
+                </a:tc>
+                <a:extLst>
+                  <a:ext uri="{0D108BD9-81ED-4DB2-BD59-A6C34878D82A}">
+                    <a16:rowId xmlns:a16="http://schemas.microsoft.com/office/drawing/2014/main" val="2082974819"/>
+                  </a:ext>
+                </a:extLst>
+              </a:tr>
+              <a:tr h="602786">
+                <a:tc>
+                  <a:txBody>
+                    <a:bodyPr/>
+                    <a:lstStyle/>
+                    <a:p>
+                      <a:pPr marL="285761" lvl="0" indent="-285750">
+                        <a:buFont typeface="Arial" panose="020B0604020202020204" pitchFamily="34" charset="0"/>
+                        <a:buChar char="•"/>
+                      </a:pPr>
+                      <a:r>
+                        <a:rPr lang="en-US" dirty="0">
+                          <a:solidFill>
+                            <a:schemeClr val="bg1"/>
+                          </a:solidFill>
+                        </a:rPr>
+                        <a:t>Conclusions &amp; Limitations</a:t>
+                      </a:r>
+                    </a:p>
+                  </a:txBody>
+                  <a:tcPr anchor="ctr">
+                    <a:lnL w="12700" cmpd="sng">
+                      <a:noFill/>
+                    </a:lnL>
+                    <a:lnR w="12700" cmpd="sng">
+                      <a:noFill/>
+                    </a:lnR>
+                    <a:lnT w="12700" cmpd="sng">
+                      <a:noFill/>
+                    </a:lnT>
+                    <a:lnB w="12700" cmpd="sng">
+                      <a:noFill/>
+                    </a:lnB>
+                    <a:lnTlToBr w="12700" cmpd="sng">
+                      <a:noFill/>
+                      <a:prstDash val="solid"/>
+                    </a:lnTlToBr>
+                    <a:lnBlToTr w="12700" cmpd="sng">
+                      <a:noFill/>
+                      <a:prstDash val="solid"/>
+                    </a:lnBlToTr>
+                    <a:noFill/>
+                  </a:tcPr>
+                </a:tc>
+                <a:extLst>
+                  <a:ext uri="{0D108BD9-81ED-4DB2-BD59-A6C34878D82A}">
+                    <a16:rowId xmlns:a16="http://schemas.microsoft.com/office/drawing/2014/main" val="2449200653"/>
+                  </a:ext>
+                </a:extLst>
+              </a:tr>
+              <a:tr h="602786">
+                <a:tc>
+                  <a:txBody>
+                    <a:bodyPr/>
+                    <a:lstStyle/>
+                    <a:p>
+                      <a:pPr marL="0" lvl="0" indent="0">
+                        <a:buFont typeface="Arial" panose="020B0604020202020204" pitchFamily="34" charset="0"/>
+                        <a:buNone/>
+                      </a:pPr>
+                      <a:endParaRPr lang="en-US" dirty="0">
+                        <a:solidFill>
+                          <a:schemeClr val="bg1"/>
+                        </a:solidFill>
+                      </a:endParaRPr>
+                    </a:p>
+                  </a:txBody>
+                  <a:tcPr anchor="ctr">
+                    <a:lnL w="12700" cmpd="sng">
+                      <a:noFill/>
+                    </a:lnL>
+                    <a:lnR w="12700" cmpd="sng">
+                      <a:noFill/>
+                    </a:lnR>
+                    <a:lnT w="12700" cmpd="sng">
+                      <a:noFill/>
+                    </a:lnT>
+                    <a:lnB w="12700" cmpd="sng">
+                      <a:noFill/>
+                    </a:lnB>
+                    <a:lnTlToBr w="12700" cmpd="sng">
+                      <a:noFill/>
+                      <a:prstDash val="solid"/>
+                    </a:lnTlToBr>
+                    <a:lnBlToTr w="12700" cmpd="sng">
+                      <a:noFill/>
+                      <a:prstDash val="solid"/>
+                    </a:lnBlToTr>
+                    <a:noFill/>
+                  </a:tcPr>
+                </a:tc>
+                <a:extLst>
+                  <a:ext uri="{0D108BD9-81ED-4DB2-BD59-A6C34878D82A}">
+                    <a16:rowId xmlns:a16="http://schemas.microsoft.com/office/drawing/2014/main" val="1763242496"/>
+                  </a:ext>
+                </a:extLst>
+              </a:tr>
+            </a:tbl>
+          </a:graphicData>
+        </a:graphic>
+      </p:graphicFrame>
     </p:spTree>
     <p:extLst>
       <p:ext uri="{BB962C8B-B14F-4D97-AF65-F5344CB8AC3E}">
@@ -8318,7 +8716,7 @@
           <p:cNvPr id="2" name="Title 1">
             <a:extLst>
               <a:ext uri="{FF2B5EF4-FFF2-40B4-BE49-F238E27FC236}">
-                <a16:creationId xmlns:a16="http://schemas.microsoft.com/office/drawing/2014/main" id="{79625FC5-4B5E-4F9F-83FC-40D5F864275A}"/>
+                <a16:creationId xmlns:a16="http://schemas.microsoft.com/office/drawing/2014/main" id="{D56B9A28-B7E1-4981-ACAB-B88D4869B6BF}"/>
               </a:ext>
             </a:extLst>
           </p:cNvPr>
@@ -8340,128 +8738,96 @@
       </p:sp>
       <p:pic>
         <p:nvPicPr>
-          <p:cNvPr id="5" name="Content Placeholder 4" descr="A picture containing sky&#10;&#10;Description automatically generated">
-            <a:extLst>
-              <a:ext uri="{FF2B5EF4-FFF2-40B4-BE49-F238E27FC236}">
-                <a16:creationId xmlns:a16="http://schemas.microsoft.com/office/drawing/2014/main" id="{6985E553-5666-4A88-9A11-7060AA40CBE6}"/>
+          <p:cNvPr id="7" name="Picture 6">
+            <a:extLst>
+              <a:ext uri="{FF2B5EF4-FFF2-40B4-BE49-F238E27FC236}">
+                <a16:creationId xmlns:a16="http://schemas.microsoft.com/office/drawing/2014/main" id="{6254F217-B724-45F6-8EB5-FE6A4C340295}"/>
               </a:ext>
             </a:extLst>
           </p:cNvPr>
           <p:cNvPicPr>
-            <a:picLocks noGrp="1" noChangeAspect="1"/>
+            <a:picLocks noChangeAspect="1"/>
           </p:cNvPicPr>
-          <p:nvPr>
-            <p:ph idx="1"/>
-          </p:nvPr>
+          <p:nvPr/>
         </p:nvPicPr>
-        <p:blipFill>
-          <a:blip r:embed="rId2">
-            <a:extLst>
-              <a:ext uri="{28A0092B-C50C-407E-A947-70E740481C1C}">
-                <a14:useLocalDpi xmlns:a14="http://schemas.microsoft.com/office/drawing/2010/main" val="0"/>
-              </a:ext>
-            </a:extLst>
-          </a:blip>
-          <a:stretch>
-            <a:fillRect/>
-          </a:stretch>
+        <p:blipFill rotWithShape="1">
+          <a:blip r:embed="rId2"/>
+          <a:srcRect t="1303"/>
+          <a:stretch/>
         </p:blipFill>
         <p:spPr>
           <a:xfrm>
-            <a:off x="0" y="-1"/>
-            <a:ext cx="12132526" cy="6858001"/>
-          </a:xfrm>
-        </p:spPr>
-      </p:pic>
-      <p:sp>
-        <p:nvSpPr>
-          <p:cNvPr id="4" name="Rectangle 3">
-            <a:extLst>
-              <a:ext uri="{FF2B5EF4-FFF2-40B4-BE49-F238E27FC236}">
-                <a16:creationId xmlns:a16="http://schemas.microsoft.com/office/drawing/2014/main" id="{50A3FAF6-BCA0-40BE-B1C3-0C94C2775E6D}"/>
-              </a:ext>
-            </a:extLst>
-          </p:cNvPr>
-          <p:cNvSpPr/>
-          <p:nvPr/>
-        </p:nvSpPr>
-        <p:spPr>
-          <a:xfrm>
-            <a:off x="0" y="2300748"/>
-            <a:ext cx="12192000" cy="2349910"/>
+            <a:off x="0" y="0"/>
+            <a:ext cx="12192000" cy="6845391"/>
           </a:xfrm>
           <a:prstGeom prst="rect">
             <a:avLst/>
           </a:prstGeom>
-          <a:solidFill>
-            <a:srgbClr val="000000">
-              <a:alpha val="74902"/>
-            </a:srgbClr>
-          </a:solidFill>
-          <a:ln>
-            <a:noFill/>
-          </a:ln>
         </p:spPr>
-        <p:style>
-          <a:lnRef idx="2">
-            <a:schemeClr val="accent1">
-              <a:shade val="50000"/>
-            </a:schemeClr>
-          </a:lnRef>
-          <a:fillRef idx="1">
-            <a:schemeClr val="accent1"/>
-          </a:fillRef>
-          <a:effectRef idx="0">
-            <a:schemeClr val="accent1"/>
-          </a:effectRef>
-          <a:fontRef idx="minor">
-            <a:schemeClr val="lt1"/>
-          </a:fontRef>
-        </p:style>
-        <p:txBody>
-          <a:bodyPr rtlCol="0" anchor="ctr"/>
-          <a:lstStyle/>
+      </p:pic>
+      <p:sp>
+        <p:nvSpPr>
+          <p:cNvPr id="11" name="Title 1">
+            <a:extLst>
+              <a:ext uri="{FF2B5EF4-FFF2-40B4-BE49-F238E27FC236}">
+                <a16:creationId xmlns:a16="http://schemas.microsoft.com/office/drawing/2014/main" id="{B8D24F62-FA71-46BB-89CB-62108221087E}"/>
+              </a:ext>
+            </a:extLst>
+          </p:cNvPr>
+          <p:cNvSpPr txBox="1">
+            <a:spLocks/>
+          </p:cNvSpPr>
+          <p:nvPr/>
+        </p:nvSpPr>
+        <p:spPr>
+          <a:xfrm>
+            <a:off x="2514600" y="2243119"/>
+            <a:ext cx="7086600" cy="1179576"/>
+          </a:xfrm>
+          <a:prstGeom prst="rect">
+            <a:avLst/>
+          </a:prstGeom>
+        </p:spPr>
+        <p:txBody>
+          <a:bodyPr vert="horz" lIns="91440" tIns="45720" rIns="91440" bIns="45720" rtlCol="0" anchor="ctr">
+            <a:normAutofit/>
+          </a:bodyPr>
+          <a:lstStyle>
+            <a:lvl1pPr algn="l" defTabSz="914377" rtl="0" eaLnBrk="1" latinLnBrk="0" hangingPunct="1">
+              <a:lnSpc>
+                <a:spcPct val="90000"/>
+              </a:lnSpc>
+              <a:spcBef>
+                <a:spcPct val="0"/>
+              </a:spcBef>
+              <a:buNone/>
+              <a:defRPr sz="4000" kern="1200">
+                <a:solidFill>
+                  <a:schemeClr val="tx1"/>
+                </a:solidFill>
+                <a:latin typeface="+mj-lt"/>
+                <a:ea typeface="+mj-ea"/>
+                <a:cs typeface="+mj-cs"/>
+              </a:defRPr>
+            </a:lvl1pPr>
+          </a:lstStyle>
           <a:p>
             <a:pPr algn="ctr"/>
             <a:r>
-              <a:rPr lang="en-US" sz="5400" dirty="0"/>
-              <a:t>Tracking the COVID19 Outbreak</a:t>
-            </a:r>
-          </a:p>
-          <a:p>
-            <a:pPr algn="ctr"/>
-            <a:r>
-              <a:rPr lang="en-US" sz="2400" dirty="0"/>
-              <a:t>By:  Prajakta </a:t>
-            </a:r>
-            <a:r>
-              <a:rPr lang="en-US" sz="2400" dirty="0" err="1"/>
-              <a:t>Galvankar</a:t>
-            </a:r>
-            <a:r>
-              <a:rPr lang="en-US" sz="2400" dirty="0"/>
-              <a:t> &amp; </a:t>
-            </a:r>
-            <a:r>
-              <a:rPr lang="en-US" sz="2400" dirty="0" err="1"/>
-              <a:t>Lujane</a:t>
-            </a:r>
-            <a:r>
-              <a:rPr lang="en-US" sz="2400" dirty="0"/>
-              <a:t> </a:t>
-            </a:r>
-            <a:r>
-              <a:rPr lang="en-US" sz="2400" dirty="0" err="1"/>
-              <a:t>Abdelgadir</a:t>
-            </a:r>
-            <a:endParaRPr lang="en-US" sz="2400" dirty="0"/>
+              <a:rPr lang="en-US" b="1" dirty="0">
+                <a:solidFill>
+                  <a:schemeClr val="bg1"/>
+                </a:solidFill>
+              </a:rPr>
+              <a:t>Motivations &amp; Summary</a:t>
+            </a:r>
           </a:p>
         </p:txBody>
       </p:sp>
     </p:spTree>
     <p:extLst>
       <p:ext uri="{BB962C8B-B14F-4D97-AF65-F5344CB8AC3E}">
-        <p14:creationId xmlns:p14="http://schemas.microsoft.com/office/powerpoint/2010/main" val="1840843981"/>
+        <p14:creationId xmlns:p14="http://schemas.microsoft.com/office/powerpoint/2010/main" val="37507054"/>
       </p:ext>
     </p:extLst>
   </p:cSld>
@@ -8493,7 +8859,7 @@
           <p:cNvPr id="2" name="Title 1">
             <a:extLst>
               <a:ext uri="{FF2B5EF4-FFF2-40B4-BE49-F238E27FC236}">
-                <a16:creationId xmlns:a16="http://schemas.microsoft.com/office/drawing/2014/main" id="{08B7A197-BD8B-4EB3-BC0C-3AD5BF5DA8B5}"/>
+                <a16:creationId xmlns:a16="http://schemas.microsoft.com/office/drawing/2014/main" id="{E59645AC-C5A5-45BB-ADC2-640C656845FE}"/>
               </a:ext>
             </a:extLst>
           </p:cNvPr>
@@ -8506,137 +8872,47 @@
         </p:nvSpPr>
         <p:spPr/>
         <p:txBody>
+          <a:bodyPr>
+            <a:normAutofit/>
+          </a:bodyPr>
+          <a:lstStyle/>
+          <a:p>
+            <a:r>
+              <a:rPr lang="en-US" dirty="0"/>
+              <a:t>Motivations &amp; Summary</a:t>
+            </a:r>
+          </a:p>
+        </p:txBody>
+      </p:sp>
+      <p:sp>
+        <p:nvSpPr>
+          <p:cNvPr id="3" name="Content Placeholder 2">
+            <a:extLst>
+              <a:ext uri="{FF2B5EF4-FFF2-40B4-BE49-F238E27FC236}">
+                <a16:creationId xmlns:a16="http://schemas.microsoft.com/office/drawing/2014/main" id="{B2A1A1AA-B7AE-4E6E-B4F4-2F24C9C444EF}"/>
+              </a:ext>
+            </a:extLst>
+          </p:cNvPr>
+          <p:cNvSpPr>
+            <a:spLocks noGrp="1"/>
+          </p:cNvSpPr>
+          <p:nvPr>
+            <p:ph idx="1"/>
+          </p:nvPr>
+        </p:nvSpPr>
+        <p:spPr/>
+        <p:txBody>
           <a:bodyPr/>
           <a:lstStyle/>
           <a:p>
             <a:endParaRPr lang="en-US"/>
-          </a:p>
-        </p:txBody>
-      </p:sp>
-      <p:pic>
-        <p:nvPicPr>
-          <p:cNvPr id="5" name="Content Placeholder 4" descr="A picture containing animal&#10;&#10;Description automatically generated">
-            <a:extLst>
-              <a:ext uri="{FF2B5EF4-FFF2-40B4-BE49-F238E27FC236}">
-                <a16:creationId xmlns:a16="http://schemas.microsoft.com/office/drawing/2014/main" id="{0FCD7217-5EC0-4CA7-97DB-8E02173E305D}"/>
-              </a:ext>
-            </a:extLst>
-          </p:cNvPr>
-          <p:cNvPicPr>
-            <a:picLocks noGrp="1" noChangeAspect="1"/>
-          </p:cNvPicPr>
-          <p:nvPr>
-            <p:ph idx="1"/>
-          </p:nvPr>
-        </p:nvPicPr>
-        <p:blipFill>
-          <a:blip r:embed="rId2">
-            <a:extLst>
-              <a:ext uri="{28A0092B-C50C-407E-A947-70E740481C1C}">
-                <a14:useLocalDpi xmlns:a14="http://schemas.microsoft.com/office/drawing/2010/main" val="0"/>
-              </a:ext>
-            </a:extLst>
-          </a:blip>
-          <a:stretch>
-            <a:fillRect/>
-          </a:stretch>
-        </p:blipFill>
-        <p:spPr>
-          <a:xfrm>
-            <a:off x="0" y="-1"/>
-            <a:ext cx="12192000" cy="6858002"/>
-          </a:xfrm>
-        </p:spPr>
-      </p:pic>
-      <p:sp>
-        <p:nvSpPr>
-          <p:cNvPr id="6" name="Rectangle 5">
-            <a:extLst>
-              <a:ext uri="{FF2B5EF4-FFF2-40B4-BE49-F238E27FC236}">
-                <a16:creationId xmlns:a16="http://schemas.microsoft.com/office/drawing/2014/main" id="{441A4CF9-9828-497F-8F3D-89CBC40F3BBA}"/>
-              </a:ext>
-            </a:extLst>
-          </p:cNvPr>
-          <p:cNvSpPr/>
-          <p:nvPr/>
-        </p:nvSpPr>
-        <p:spPr>
-          <a:xfrm>
-            <a:off x="0" y="2300748"/>
-            <a:ext cx="12192000" cy="2349910"/>
-          </a:xfrm>
-          <a:prstGeom prst="rect">
-            <a:avLst/>
-          </a:prstGeom>
-          <a:solidFill>
-            <a:srgbClr val="000000">
-              <a:alpha val="74902"/>
-            </a:srgbClr>
-          </a:solidFill>
-          <a:ln>
-            <a:noFill/>
-          </a:ln>
-        </p:spPr>
-        <p:style>
-          <a:lnRef idx="2">
-            <a:schemeClr val="accent1">
-              <a:shade val="50000"/>
-            </a:schemeClr>
-          </a:lnRef>
-          <a:fillRef idx="1">
-            <a:schemeClr val="accent1"/>
-          </a:fillRef>
-          <a:effectRef idx="0">
-            <a:schemeClr val="accent1"/>
-          </a:effectRef>
-          <a:fontRef idx="minor">
-            <a:schemeClr val="lt1"/>
-          </a:fontRef>
-        </p:style>
-        <p:txBody>
-          <a:bodyPr rtlCol="0" anchor="ctr"/>
-          <a:lstStyle/>
-          <a:p>
-            <a:pPr algn="ctr"/>
-            <a:r>
-              <a:rPr lang="en-US" sz="5400" dirty="0"/>
-              <a:t>Tracking the COVID19 Outbreak</a:t>
-            </a:r>
-          </a:p>
-          <a:p>
-            <a:pPr algn="ctr"/>
-            <a:r>
-              <a:rPr lang="en-US" sz="2400" dirty="0"/>
-              <a:t>By:  Prajakta </a:t>
-            </a:r>
-            <a:r>
-              <a:rPr lang="en-US" sz="2400" dirty="0" err="1"/>
-              <a:t>Galvankar</a:t>
-            </a:r>
-            <a:r>
-              <a:rPr lang="en-US" sz="2400" dirty="0"/>
-              <a:t> &amp; </a:t>
-            </a:r>
-            <a:r>
-              <a:rPr lang="en-US" sz="2400" dirty="0" err="1"/>
-              <a:t>Lujane</a:t>
-            </a:r>
-            <a:r>
-              <a:rPr lang="en-US" sz="2400" dirty="0"/>
-              <a:t> </a:t>
-            </a:r>
-            <a:r>
-              <a:rPr lang="en-US" sz="2400" dirty="0" err="1"/>
-              <a:t>Abdelgadir</a:t>
-            </a:r>
-            <a:endParaRPr lang="en-US" sz="2400" dirty="0"/>
           </a:p>
         </p:txBody>
       </p:sp>
     </p:spTree>
     <p:extLst>
       <p:ext uri="{BB962C8B-B14F-4D97-AF65-F5344CB8AC3E}">
-        <p14:creationId xmlns:p14="http://schemas.microsoft.com/office/powerpoint/2010/main" val="2522423781"/>
+        <p14:creationId xmlns:p14="http://schemas.microsoft.com/office/powerpoint/2010/main" val="2416513278"/>
       </p:ext>
     </p:extLst>
   </p:cSld>
@@ -8649,42 +8925,42 @@
 <file path=ppt/theme/theme1.xml><?xml version="1.0" encoding="utf-8"?>
 <a:theme xmlns:a="http://schemas.openxmlformats.org/drawingml/2006/main" name="AccentBoxVTI">
   <a:themeElements>
-    <a:clrScheme name="AnalogousFromDarkSeedLeftStep">
+    <a:clrScheme name="Blue Warm">
       <a:dk1>
-        <a:srgbClr val="000000"/>
+        <a:sysClr val="windowText" lastClr="000000"/>
       </a:dk1>
       <a:lt1>
-        <a:srgbClr val="FFFFFF"/>
+        <a:sysClr val="window" lastClr="FFFFFF"/>
       </a:lt1>
       <a:dk2>
-        <a:srgbClr val="41243C"/>
+        <a:srgbClr val="242852"/>
       </a:dk2>
       <a:lt2>
-        <a:srgbClr val="E2E8E8"/>
+        <a:srgbClr val="ACCBF9"/>
       </a:lt2>
       <a:accent1>
-        <a:srgbClr val="C34D4D"/>
+        <a:srgbClr val="4A66AC"/>
       </a:accent1>
       <a:accent2>
-        <a:srgbClr val="B13B6C"/>
+        <a:srgbClr val="629DD1"/>
       </a:accent2>
       <a:accent3>
-        <a:srgbClr val="C34DB0"/>
+        <a:srgbClr val="297FD5"/>
       </a:accent3>
       <a:accent4>
-        <a:srgbClr val="943BB1"/>
+        <a:srgbClr val="7F8FA9"/>
       </a:accent4>
       <a:accent5>
-        <a:srgbClr val="744DC3"/>
+        <a:srgbClr val="5AA2AE"/>
       </a:accent5>
       <a:accent6>
-        <a:srgbClr val="4851B6"/>
+        <a:srgbClr val="9D90A0"/>
       </a:accent6>
       <a:hlink>
-        <a:srgbClr val="945FC9"/>
+        <a:srgbClr val="9454C3"/>
       </a:hlink>
       <a:folHlink>
-        <a:srgbClr val="7F7F7F"/>
+        <a:srgbClr val="3EBBF0"/>
       </a:folHlink>
     </a:clrScheme>
     <a:fontScheme name="Avenir">

--- a/ETL Project - Draft report.pptx
+++ b/ETL Project - Draft report.pptx
@@ -134,6 +134,18 @@
     </p:ext>
   </p:extLst>
 </p:presentation>
+</file>
+
+<file path=ppt/commentAuthors.xml><?xml version="1.0" encoding="utf-8"?>
+<p:cmAuthorLst xmlns:a="http://schemas.openxmlformats.org/drawingml/2006/main" xmlns:r="http://schemas.openxmlformats.org/officeDocument/2006/relationships" xmlns:p="http://schemas.openxmlformats.org/presentationml/2006/main">
+  <p:cmAuthor id="1" name="Nada Ibrahim" initials="NI" lastIdx="1" clrIdx="0">
+    <p:extLst>
+      <p:ext uri="{19B8F6BF-5375-455C-9EA6-DF929625EA0E}">
+        <p15:presenceInfo xmlns:p15="http://schemas.microsoft.com/office/powerpoint/2012/main" userId="Nada Ibrahim" providerId="None"/>
+      </p:ext>
+    </p:extLst>
+  </p:cmAuthor>
+</p:cmAuthorLst>
 </file>
 
 <file path=ppt/diagrams/colors1.xml><?xml version="1.0" encoding="utf-8"?>
@@ -14055,7 +14067,7 @@
           <a:p>
             <a:fld id="{02AC24A9-CCB6-4F8D-B8DB-C2F3692CFA5A}" type="datetimeFigureOut">
               <a:rPr lang="en-US" smtClean="0"/>
-              <a:t>4/27/2020</a:t>
+              <a:t>4/28/2020</a:t>
             </a:fld>
             <a:endParaRPr lang="en-US" dirty="0"/>
           </a:p>
@@ -14425,7 +14437,7 @@
           <a:p>
             <a:fld id="{02AC24A9-CCB6-4F8D-B8DB-C2F3692CFA5A}" type="datetimeFigureOut">
               <a:rPr lang="en-US" smtClean="0"/>
-              <a:t>4/27/2020</a:t>
+              <a:t>4/28/2020</a:t>
             </a:fld>
             <a:endParaRPr lang="en-US"/>
           </a:p>
@@ -14634,7 +14646,7 @@
           <a:p>
             <a:fld id="{02AC24A9-CCB6-4F8D-B8DB-C2F3692CFA5A}" type="datetimeFigureOut">
               <a:rPr lang="en-US" smtClean="0"/>
-              <a:t>4/27/2020</a:t>
+              <a:t>4/28/2020</a:t>
             </a:fld>
             <a:endParaRPr lang="en-US"/>
           </a:p>
@@ -15104,7 +15116,7 @@
           <a:p>
             <a:fld id="{02AC24A9-CCB6-4F8D-B8DB-C2F3692CFA5A}" type="datetimeFigureOut">
               <a:rPr lang="en-US" smtClean="0"/>
-              <a:t>4/27/2020</a:t>
+              <a:t>4/28/2020</a:t>
             </a:fld>
             <a:endParaRPr lang="en-US"/>
           </a:p>
@@ -15558,7 +15570,7 @@
           <a:p>
             <a:fld id="{02AC24A9-CCB6-4F8D-B8DB-C2F3692CFA5A}" type="datetimeFigureOut">
               <a:rPr lang="en-US" smtClean="0"/>
-              <a:t>4/27/2020</a:t>
+              <a:t>4/28/2020</a:t>
             </a:fld>
             <a:endParaRPr lang="en-US"/>
           </a:p>
@@ -16090,7 +16102,7 @@
           <a:p>
             <a:fld id="{02AC24A9-CCB6-4F8D-B8DB-C2F3692CFA5A}" type="datetimeFigureOut">
               <a:rPr lang="en-US" smtClean="0"/>
-              <a:t>4/27/2020</a:t>
+              <a:t>4/28/2020</a:t>
             </a:fld>
             <a:endParaRPr lang="en-US"/>
           </a:p>
@@ -16789,7 +16801,7 @@
           <a:p>
             <a:fld id="{02AC24A9-CCB6-4F8D-B8DB-C2F3692CFA5A}" type="datetimeFigureOut">
               <a:rPr lang="en-US" smtClean="0"/>
-              <a:t>4/27/2020</a:t>
+              <a:t>4/28/2020</a:t>
             </a:fld>
             <a:endParaRPr lang="en-US"/>
           </a:p>
@@ -17118,7 +17130,7 @@
           <a:p>
             <a:fld id="{02AC24A9-CCB6-4F8D-B8DB-C2F3692CFA5A}" type="datetimeFigureOut">
               <a:rPr lang="en-US" smtClean="0"/>
-              <a:t>4/27/2020</a:t>
+              <a:t>4/28/2020</a:t>
             </a:fld>
             <a:endParaRPr lang="en-US"/>
           </a:p>
@@ -17231,7 +17243,7 @@
           <a:p>
             <a:fld id="{02AC24A9-CCB6-4F8D-B8DB-C2F3692CFA5A}" type="datetimeFigureOut">
               <a:rPr lang="en-US" smtClean="0"/>
-              <a:t>4/27/2020</a:t>
+              <a:t>4/28/2020</a:t>
             </a:fld>
             <a:endParaRPr lang="en-US"/>
           </a:p>
@@ -17726,7 +17738,7 @@
           <a:p>
             <a:fld id="{02AC24A9-CCB6-4F8D-B8DB-C2F3692CFA5A}" type="datetimeFigureOut">
               <a:rPr lang="en-US" smtClean="0"/>
-              <a:t>4/27/2020</a:t>
+              <a:t>4/28/2020</a:t>
             </a:fld>
             <a:endParaRPr lang="en-US" dirty="0"/>
           </a:p>
@@ -18203,7 +18215,7 @@
           <a:p>
             <a:fld id="{02AC24A9-CCB6-4F8D-B8DB-C2F3692CFA5A}" type="datetimeFigureOut">
               <a:rPr lang="en-US" smtClean="0"/>
-              <a:t>4/27/2020</a:t>
+              <a:t>4/28/2020</a:t>
             </a:fld>
             <a:endParaRPr lang="en-US"/>
           </a:p>
@@ -18446,7 +18458,7 @@
           <a:p>
             <a:fld id="{02AC24A9-CCB6-4F8D-B8DB-C2F3692CFA5A}" type="datetimeFigureOut">
               <a:rPr lang="en-US" smtClean="0"/>
-              <a:t>4/27/2020</a:t>
+              <a:t>4/28/2020</a:t>
             </a:fld>
             <a:endParaRPr lang="en-US"/>
           </a:p>
@@ -19213,59 +19225,102 @@
       </p:grpSpPr>
       <p:sp>
         <p:nvSpPr>
-          <p:cNvPr id="2" name="Title 1">
+          <p:cNvPr id="8" name="Title 1">
             <a:extLst>
               <a:ext uri="{FF2B5EF4-FFF2-40B4-BE49-F238E27FC236}">
-                <a16:creationId xmlns:a16="http://schemas.microsoft.com/office/drawing/2014/main" id="{E59645AC-C5A5-45BB-ADC2-640C656845FE}"/>
+                <a16:creationId xmlns:a16="http://schemas.microsoft.com/office/drawing/2014/main" id="{FB98A159-87A9-4CBC-860E-535B5A6B44BF}"/>
               </a:ext>
             </a:extLst>
           </p:cNvPr>
-          <p:cNvSpPr>
-            <a:spLocks noGrp="1"/>
+          <p:cNvSpPr txBox="1">
+            <a:spLocks/>
           </p:cNvSpPr>
-          <p:nvPr>
-            <p:ph type="title"/>
-          </p:nvPr>
+          <p:nvPr/>
         </p:nvSpPr>
-        <p:spPr/>
+        <p:spPr>
+          <a:xfrm>
+            <a:off x="1115568" y="548640"/>
+            <a:ext cx="10168128" cy="1179576"/>
+          </a:xfrm>
+          <a:prstGeom prst="rect">
+            <a:avLst/>
+          </a:prstGeom>
+        </p:spPr>
         <p:txBody>
           <a:bodyPr>
             <a:normAutofit/>
           </a:bodyPr>
-          <a:lstStyle/>
+          <a:lstStyle>
+            <a:lvl1pPr algn="l" defTabSz="914377" rtl="0" eaLnBrk="1" latinLnBrk="0" hangingPunct="1">
+              <a:lnSpc>
+                <a:spcPct val="90000"/>
+              </a:lnSpc>
+              <a:spcBef>
+                <a:spcPct val="0"/>
+              </a:spcBef>
+              <a:buNone/>
+              <a:defRPr sz="4400" kern="1200">
+                <a:solidFill>
+                  <a:schemeClr val="tx1"/>
+                </a:solidFill>
+                <a:latin typeface="+mj-lt"/>
+                <a:ea typeface="+mj-ea"/>
+                <a:cs typeface="+mj-cs"/>
+              </a:defRPr>
+            </a:lvl1pPr>
+          </a:lstStyle>
           <a:p>
             <a:r>
               <a:rPr lang="en-US" dirty="0"/>
-              <a:t>Analysis and findings</a:t>
+              <a:t>Analysis and  findings</a:t>
             </a:r>
           </a:p>
         </p:txBody>
       </p:sp>
-      <p:sp>
-        <p:nvSpPr>
-          <p:cNvPr id="3" name="Content Placeholder 2">
+      <p:pic>
+        <p:nvPicPr>
+          <p:cNvPr id="2" name="animated bar chart">
+            <a:hlinkClick r:id="" action="ppaction://media"/>
             <a:extLst>
               <a:ext uri="{FF2B5EF4-FFF2-40B4-BE49-F238E27FC236}">
-                <a16:creationId xmlns:a16="http://schemas.microsoft.com/office/drawing/2014/main" id="{B2A1A1AA-B7AE-4E6E-B4F4-2F24C9C444EF}"/>
+                <a16:creationId xmlns:a16="http://schemas.microsoft.com/office/drawing/2014/main" id="{10777A5C-24CB-4917-995C-531B061F2C8F}"/>
               </a:ext>
             </a:extLst>
           </p:cNvPr>
-          <p:cNvSpPr>
-            <a:spLocks noGrp="1"/>
-          </p:cNvSpPr>
+          <p:cNvPicPr>
+            <a:picLocks noChangeAspect="1"/>
+          </p:cNvPicPr>
           <p:nvPr>
-            <p:ph idx="1"/>
+            <a:videoFile r:link="rId2"/>
+            <p:extLst>
+              <p:ext uri="{DAA4B4D4-6D71-4841-9C94-3DE7FCFB9230}">
+                <p14:media xmlns:p14="http://schemas.microsoft.com/office/powerpoint/2010/main" r:embed="rId1"/>
+              </p:ext>
+            </p:extLst>
           </p:nvPr>
-        </p:nvSpPr>
-        <p:spPr/>
-        <p:txBody>
-          <a:bodyPr/>
-          <a:lstStyle/>
-          <a:p>
-            <a:endParaRPr lang="en-US"/>
-          </a:p>
-        </p:txBody>
-      </p:sp>
+        </p:nvPicPr>
+        <p:blipFill>
+          <a:blip r:embed="rId4"/>
+          <a:stretch>
+            <a:fillRect/>
+          </a:stretch>
+        </p:blipFill>
+        <p:spPr>
+          <a:xfrm>
+            <a:off x="1344394" y="1293212"/>
+            <a:ext cx="9710476" cy="5461045"/>
+          </a:xfrm>
+          <a:prstGeom prst="rect">
+            <a:avLst/>
+          </a:prstGeom>
+          <a:ln>
+            <a:noFill/>
+          </a:ln>
+          <a:effectLst>
+            <a:softEdge rad="112500"/>
+          </a:effectLst>
+        </p:spPr>
+      </p:pic>
     </p:spTree>
     <p:extLst>
       <p:ext uri="{BB962C8B-B14F-4D97-AF65-F5344CB8AC3E}">
@@ -19276,6 +19331,141 @@
   <p:clrMapOvr>
     <a:masterClrMapping/>
   </p:clrMapOvr>
+  <p:timing>
+    <p:tnLst>
+      <p:par>
+        <p:cTn id="1" dur="indefinite" restart="never" nodeType="tmRoot">
+          <p:childTnLst>
+            <p:seq concurrent="1" nextAc="seek">
+              <p:cTn id="2" dur="indefinite" nodeType="mainSeq">
+                <p:childTnLst>
+                  <p:par>
+                    <p:cTn id="3" fill="hold">
+                      <p:stCondLst>
+                        <p:cond delay="indefinite"/>
+                      </p:stCondLst>
+                      <p:childTnLst>
+                        <p:par>
+                          <p:cTn id="4" fill="hold">
+                            <p:stCondLst>
+                              <p:cond delay="0"/>
+                            </p:stCondLst>
+                            <p:childTnLst>
+                              <p:par>
+                                <p:cTn id="5" presetID="1" presetClass="mediacall" presetSubtype="0" fill="hold" nodeType="clickEffect">
+                                  <p:stCondLst>
+                                    <p:cond delay="0"/>
+                                  </p:stCondLst>
+                                  <p:childTnLst>
+                                    <p:cmd type="call" cmd="playFrom(0.0)">
+                                      <p:cBhvr>
+                                        <p:cTn id="6" dur="45500" fill="hold"/>
+                                        <p:tgtEl>
+                                          <p:spTgt spid="2"/>
+                                        </p:tgtEl>
+                                      </p:cBhvr>
+                                    </p:cmd>
+                                  </p:childTnLst>
+                                </p:cTn>
+                              </p:par>
+                            </p:childTnLst>
+                          </p:cTn>
+                        </p:par>
+                      </p:childTnLst>
+                    </p:cTn>
+                  </p:par>
+                </p:childTnLst>
+              </p:cTn>
+              <p:prevCondLst>
+                <p:cond evt="onPrev" delay="0">
+                  <p:tgtEl>
+                    <p:sldTgt/>
+                  </p:tgtEl>
+                </p:cond>
+              </p:prevCondLst>
+              <p:nextCondLst>
+                <p:cond evt="onNext" delay="0">
+                  <p:tgtEl>
+                    <p:sldTgt/>
+                  </p:tgtEl>
+                </p:cond>
+              </p:nextCondLst>
+            </p:seq>
+            <p:video>
+              <p:cMediaNode vol="80000">
+                <p:cTn id="7" fill="hold" display="0">
+                  <p:stCondLst>
+                    <p:cond delay="indefinite"/>
+                  </p:stCondLst>
+                </p:cTn>
+                <p:tgtEl>
+                  <p:spTgt spid="2"/>
+                </p:tgtEl>
+              </p:cMediaNode>
+            </p:video>
+            <p:seq concurrent="1" nextAc="seek">
+              <p:cTn id="8" restart="whenNotActive" fill="hold" evtFilter="cancelBubble" nodeType="interactiveSeq">
+                <p:stCondLst>
+                  <p:cond evt="onClick" delay="0">
+                    <p:tgtEl>
+                      <p:spTgt spid="2"/>
+                    </p:tgtEl>
+                  </p:cond>
+                </p:stCondLst>
+                <p:endSync evt="end" delay="0">
+                  <p:rtn val="all"/>
+                </p:endSync>
+                <p:childTnLst>
+                  <p:par>
+                    <p:cTn id="9" fill="hold">
+                      <p:stCondLst>
+                        <p:cond delay="0"/>
+                      </p:stCondLst>
+                      <p:childTnLst>
+                        <p:par>
+                          <p:cTn id="10" fill="hold">
+                            <p:stCondLst>
+                              <p:cond delay="0"/>
+                            </p:stCondLst>
+                            <p:childTnLst>
+                              <p:par>
+                                <p:cTn id="11" presetID="2" presetClass="mediacall" presetSubtype="0" fill="hold" nodeType="clickEffect">
+                                  <p:stCondLst>
+                                    <p:cond delay="0"/>
+                                  </p:stCondLst>
+                                  <p:childTnLst>
+                                    <p:cmd type="call" cmd="togglePause">
+                                      <p:cBhvr>
+                                        <p:cTn id="12" dur="1" fill="hold"/>
+                                        <p:tgtEl>
+                                          <p:spTgt spid="2"/>
+                                        </p:tgtEl>
+                                      </p:cBhvr>
+                                    </p:cmd>
+                                  </p:childTnLst>
+                                </p:cTn>
+                              </p:par>
+                            </p:childTnLst>
+                          </p:cTn>
+                        </p:par>
+                      </p:childTnLst>
+                    </p:cTn>
+                  </p:par>
+                </p:childTnLst>
+              </p:cTn>
+              <p:nextCondLst>
+                <p:cond evt="onClick" delay="0">
+                  <p:tgtEl>
+                    <p:spTgt spid="2"/>
+                  </p:tgtEl>
+                </p:cond>
+              </p:nextCondLst>
+            </p:seq>
+          </p:childTnLst>
+        </p:cTn>
+      </p:par>
+    </p:tnLst>
+  </p:timing>
 </p:sld>
 </file>
 

--- a/ETL Project - Draft report.pptx
+++ b/ETL Project - Draft report.pptx
@@ -21829,7 +21829,7 @@
         </p:blipFill>
         <p:spPr bwMode="auto">
           <a:xfrm>
-            <a:off x="7579836" y="4883816"/>
+            <a:off x="7579836" y="4995788"/>
             <a:ext cx="1030764" cy="1076878"/>
           </a:xfrm>
           <a:prstGeom prst="rect">
@@ -21995,7 +21995,7 @@
         </p:blipFill>
         <p:spPr bwMode="auto">
           <a:xfrm>
-            <a:off x="6306612" y="4892489"/>
+            <a:off x="6306612" y="5004461"/>
             <a:ext cx="1047027" cy="1093868"/>
           </a:xfrm>
           <a:prstGeom prst="rect">
@@ -22258,6 +22258,10 @@
             <a:r>
               <a:rPr lang="en-US" sz="1400" dirty="0" err="1"/>
               <a:t>analyse</a:t>
+            </a:r>
+            <a:r>
+              <a:rPr lang="en-US" sz="1400" dirty="0"/>
+              <a:t>. </a:t>
             </a:r>
             <a:endParaRPr lang="en-US" sz="1400" dirty="0">
               <a:solidFill>
@@ -28756,6 +28760,132 @@
           </a:p>
         </p:txBody>
       </p:sp>
+      <p:sp>
+        <p:nvSpPr>
+          <p:cNvPr id="7" name="Rectangle 6">
+            <a:extLst>
+              <a:ext uri="{FF2B5EF4-FFF2-40B4-BE49-F238E27FC236}">
+                <a16:creationId xmlns:a16="http://schemas.microsoft.com/office/drawing/2014/main" id="{8D131398-7F1C-4F2A-BC87-B9301676D98E}"/>
+              </a:ext>
+            </a:extLst>
+          </p:cNvPr>
+          <p:cNvSpPr/>
+          <p:nvPr/>
+        </p:nvSpPr>
+        <p:spPr>
+          <a:xfrm>
+            <a:off x="9171991" y="5048244"/>
+            <a:ext cx="1444567" cy="428825"/>
+          </a:xfrm>
+          <a:prstGeom prst="rect">
+            <a:avLst/>
+          </a:prstGeom>
+          <a:solidFill>
+            <a:srgbClr val="D8D8D8"/>
+          </a:solidFill>
+          <a:ln>
+            <a:solidFill>
+              <a:srgbClr val="D8D8D8"/>
+            </a:solidFill>
+          </a:ln>
+        </p:spPr>
+        <p:style>
+          <a:lnRef idx="2">
+            <a:schemeClr val="accent1">
+              <a:shade val="50000"/>
+            </a:schemeClr>
+          </a:lnRef>
+          <a:fillRef idx="1">
+            <a:schemeClr val="accent1"/>
+          </a:fillRef>
+          <a:effectRef idx="0">
+            <a:schemeClr val="accent1"/>
+          </a:effectRef>
+          <a:fontRef idx="minor">
+            <a:schemeClr val="lt1"/>
+          </a:fontRef>
+        </p:style>
+        <p:txBody>
+          <a:bodyPr rtlCol="0" anchor="ctr"/>
+          <a:lstStyle/>
+          <a:p>
+            <a:pPr algn="ctr"/>
+            <a:r>
+              <a:rPr lang="en-US" sz="1200" dirty="0">
+                <a:solidFill>
+                  <a:schemeClr val="tx1"/>
+                </a:solidFill>
+                <a:latin typeface="Arial" panose="020B0604020202020204" pitchFamily="34" charset="0"/>
+                <a:cs typeface="Arial" panose="020B0604020202020204" pitchFamily="34" charset="0"/>
+              </a:rPr>
+              <a:t>Other visualization tools</a:t>
+            </a:r>
+          </a:p>
+        </p:txBody>
+      </p:sp>
+      <p:sp>
+        <p:nvSpPr>
+          <p:cNvPr id="89" name="Rectangle 88">
+            <a:extLst>
+              <a:ext uri="{FF2B5EF4-FFF2-40B4-BE49-F238E27FC236}">
+                <a16:creationId xmlns:a16="http://schemas.microsoft.com/office/drawing/2014/main" id="{3E574F4E-5E57-40BB-8834-74688B8BDD04}"/>
+              </a:ext>
+            </a:extLst>
+          </p:cNvPr>
+          <p:cNvSpPr/>
+          <p:nvPr/>
+        </p:nvSpPr>
+        <p:spPr>
+          <a:xfrm>
+            <a:off x="9141167" y="3809496"/>
+            <a:ext cx="1444567" cy="428825"/>
+          </a:xfrm>
+          <a:prstGeom prst="rect">
+            <a:avLst/>
+          </a:prstGeom>
+          <a:solidFill>
+            <a:srgbClr val="D8D8D8"/>
+          </a:solidFill>
+          <a:ln>
+            <a:solidFill>
+              <a:srgbClr val="D8D8D8"/>
+            </a:solidFill>
+          </a:ln>
+        </p:spPr>
+        <p:style>
+          <a:lnRef idx="2">
+            <a:schemeClr val="accent1">
+              <a:shade val="50000"/>
+            </a:schemeClr>
+          </a:lnRef>
+          <a:fillRef idx="1">
+            <a:schemeClr val="accent1"/>
+          </a:fillRef>
+          <a:effectRef idx="0">
+            <a:schemeClr val="accent1"/>
+          </a:effectRef>
+          <a:fontRef idx="minor">
+            <a:schemeClr val="lt1"/>
+          </a:fontRef>
+        </p:style>
+        <p:txBody>
+          <a:bodyPr rtlCol="0" anchor="ctr"/>
+          <a:lstStyle/>
+          <a:p>
+            <a:pPr algn="ctr"/>
+            <a:r>
+              <a:rPr lang="en-US" sz="1200" dirty="0">
+                <a:solidFill>
+                  <a:schemeClr val="tx1"/>
+                </a:solidFill>
+                <a:latin typeface="Arial" panose="020B0604020202020204" pitchFamily="34" charset="0"/>
+                <a:cs typeface="Arial" panose="020B0604020202020204" pitchFamily="34" charset="0"/>
+              </a:rPr>
+              <a:t>SQL Server</a:t>
+            </a:r>
+          </a:p>
+        </p:txBody>
+      </p:sp>
     </p:spTree>
     <p:extLst>
       <p:ext uri="{BB962C8B-B14F-4D97-AF65-F5344CB8AC3E}">
@@ -29257,7 +29387,26 @@
             </a:r>
             <a:r>
               <a:rPr lang="en-US" sz="1200" dirty="0"/>
-              <a:t> </a:t>
+              <a:t>.</a:t>
+            </a:r>
+          </a:p>
+          <a:p>
+            <a:pPr marL="171450" lvl="1" indent="-171450" defTabSz="711200">
+              <a:lnSpc>
+                <a:spcPct val="90000"/>
+              </a:lnSpc>
+              <a:spcBef>
+                <a:spcPct val="0"/>
+              </a:spcBef>
+              <a:spcAft>
+                <a:spcPct val="15000"/>
+              </a:spcAft>
+              <a:buFont typeface="Arial" panose="020B0604020202020204" pitchFamily="34" charset="0"/>
+              <a:buChar char="•"/>
+            </a:pPr>
+            <a:r>
+              <a:rPr lang="en-US" sz="1200" dirty="0"/>
+              <a:t>The selected data is structured. </a:t>
             </a:r>
             <a:endParaRPr lang="en-CA" sz="1200" dirty="0"/>
           </a:p>
@@ -29405,7 +29554,7 @@
             <a:pPr lvl="1"/>
             <a:r>
               <a:rPr lang="en-CA" dirty="0"/>
-              <a:t>Grouped the responses by country so that there is one total value per day for each country for consistency</a:t>
+              <a:t>Grouped the responses by sum per  country so that there is one total value per day for each country for consistency</a:t>
             </a:r>
           </a:p>
           <a:p>
@@ -29493,14 +29642,19 @@
             <a:pPr lvl="1"/>
             <a:r>
               <a:rPr lang="en-US" dirty="0"/>
-              <a:t> Set up a database connection via SQL Alchemy and loaded the files to SQL for analysis</a:t>
+              <a:t> Set up a database connection via SQL Alchemy and loaded the files to SQL for analysis. </a:t>
             </a:r>
+            <a:r>
+              <a:rPr lang="en-US" sz="1200" dirty="0"/>
+              <a:t>We chose SQL because the data was structured and there are common columns between the files which would allow for  analysis using joins.</a:t>
+            </a:r>
+            <a:endParaRPr lang="en-US" dirty="0"/>
           </a:p>
           <a:p>
             <a:pPr lvl="1"/>
             <a:r>
               <a:rPr lang="en-US" dirty="0"/>
-              <a:t>Also extracted the cleaned data into CSV for analysis on Power BI</a:t>
+              <a:t>Also extracted the cleaned data into CSV for analysis on pandas</a:t>
             </a:r>
             <a:endParaRPr lang="en-CA" dirty="0"/>
           </a:p>
